--- a/imagenes/Sprites.pptx
+++ b/imagenes/Sprites.pptx
@@ -264,7 +264,7 @@
           <a:p>
             <a:fld id="{8C70C46D-AAA7-4A9A-9CF4-FA9347CFCFDD}" type="datetimeFigureOut">
               <a:rPr lang="es-PE" smtClean="0"/>
-              <a:t>27/05/2024</a:t>
+              <a:t>28/05/2024</a:t>
             </a:fld>
             <a:endParaRPr lang="es-PE"/>
           </a:p>
@@ -464,7 +464,7 @@
           <a:p>
             <a:fld id="{8C70C46D-AAA7-4A9A-9CF4-FA9347CFCFDD}" type="datetimeFigureOut">
               <a:rPr lang="es-PE" smtClean="0"/>
-              <a:t>27/05/2024</a:t>
+              <a:t>28/05/2024</a:t>
             </a:fld>
             <a:endParaRPr lang="es-PE"/>
           </a:p>
@@ -674,7 +674,7 @@
           <a:p>
             <a:fld id="{8C70C46D-AAA7-4A9A-9CF4-FA9347CFCFDD}" type="datetimeFigureOut">
               <a:rPr lang="es-PE" smtClean="0"/>
-              <a:t>27/05/2024</a:t>
+              <a:t>28/05/2024</a:t>
             </a:fld>
             <a:endParaRPr lang="es-PE"/>
           </a:p>
@@ -874,7 +874,7 @@
           <a:p>
             <a:fld id="{8C70C46D-AAA7-4A9A-9CF4-FA9347CFCFDD}" type="datetimeFigureOut">
               <a:rPr lang="es-PE" smtClean="0"/>
-              <a:t>27/05/2024</a:t>
+              <a:t>28/05/2024</a:t>
             </a:fld>
             <a:endParaRPr lang="es-PE"/>
           </a:p>
@@ -1150,7 +1150,7 @@
           <a:p>
             <a:fld id="{8C70C46D-AAA7-4A9A-9CF4-FA9347CFCFDD}" type="datetimeFigureOut">
               <a:rPr lang="es-PE" smtClean="0"/>
-              <a:t>27/05/2024</a:t>
+              <a:t>28/05/2024</a:t>
             </a:fld>
             <a:endParaRPr lang="es-PE"/>
           </a:p>
@@ -1418,7 +1418,7 @@
           <a:p>
             <a:fld id="{8C70C46D-AAA7-4A9A-9CF4-FA9347CFCFDD}" type="datetimeFigureOut">
               <a:rPr lang="es-PE" smtClean="0"/>
-              <a:t>27/05/2024</a:t>
+              <a:t>28/05/2024</a:t>
             </a:fld>
             <a:endParaRPr lang="es-PE"/>
           </a:p>
@@ -1833,7 +1833,7 @@
           <a:p>
             <a:fld id="{8C70C46D-AAA7-4A9A-9CF4-FA9347CFCFDD}" type="datetimeFigureOut">
               <a:rPr lang="es-PE" smtClean="0"/>
-              <a:t>27/05/2024</a:t>
+              <a:t>28/05/2024</a:t>
             </a:fld>
             <a:endParaRPr lang="es-PE"/>
           </a:p>
@@ -1975,7 +1975,7 @@
           <a:p>
             <a:fld id="{8C70C46D-AAA7-4A9A-9CF4-FA9347CFCFDD}" type="datetimeFigureOut">
               <a:rPr lang="es-PE" smtClean="0"/>
-              <a:t>27/05/2024</a:t>
+              <a:t>28/05/2024</a:t>
             </a:fld>
             <a:endParaRPr lang="es-PE"/>
           </a:p>
@@ -2088,7 +2088,7 @@
           <a:p>
             <a:fld id="{8C70C46D-AAA7-4A9A-9CF4-FA9347CFCFDD}" type="datetimeFigureOut">
               <a:rPr lang="es-PE" smtClean="0"/>
-              <a:t>27/05/2024</a:t>
+              <a:t>28/05/2024</a:t>
             </a:fld>
             <a:endParaRPr lang="es-PE"/>
           </a:p>
@@ -2401,7 +2401,7 @@
           <a:p>
             <a:fld id="{8C70C46D-AAA7-4A9A-9CF4-FA9347CFCFDD}" type="datetimeFigureOut">
               <a:rPr lang="es-PE" smtClean="0"/>
-              <a:t>27/05/2024</a:t>
+              <a:t>28/05/2024</a:t>
             </a:fld>
             <a:endParaRPr lang="es-PE"/>
           </a:p>
@@ -2690,7 +2690,7 @@
           <a:p>
             <a:fld id="{8C70C46D-AAA7-4A9A-9CF4-FA9347CFCFDD}" type="datetimeFigureOut">
               <a:rPr lang="es-PE" smtClean="0"/>
-              <a:t>27/05/2024</a:t>
+              <a:t>28/05/2024</a:t>
             </a:fld>
             <a:endParaRPr lang="es-PE"/>
           </a:p>
@@ -2933,7 +2933,7 @@
           <a:p>
             <a:fld id="{8C70C46D-AAA7-4A9A-9CF4-FA9347CFCFDD}" type="datetimeFigureOut">
               <a:rPr lang="es-PE" smtClean="0"/>
-              <a:t>27/05/2024</a:t>
+              <a:t>28/05/2024</a:t>
             </a:fld>
             <a:endParaRPr lang="es-PE"/>
           </a:p>
@@ -9981,6 +9981,62 @@
           <a:chExt cx="0" cy="0"/>
         </a:xfrm>
       </p:grpSpPr>
+      <p:sp>
+        <p:nvSpPr>
+          <p:cNvPr id="464" name="Rectángulo: esquinas redondeadas 463">
+            <a:extLst>
+              <a:ext uri="{FF2B5EF4-FFF2-40B4-BE49-F238E27FC236}">
+                <a16:creationId xmlns:a16="http://schemas.microsoft.com/office/drawing/2014/main" id="{585B12EA-67B6-DB4A-09F9-DE26E915F571}"/>
+              </a:ext>
+            </a:extLst>
+          </p:cNvPr>
+          <p:cNvSpPr/>
+          <p:nvPr/>
+        </p:nvSpPr>
+        <p:spPr>
+          <a:xfrm>
+            <a:off x="546285" y="4048108"/>
+            <a:ext cx="963710" cy="1112779"/>
+          </a:xfrm>
+          <a:prstGeom prst="roundRect">
+            <a:avLst>
+              <a:gd name="adj" fmla="val 3590"/>
+            </a:avLst>
+          </a:prstGeom>
+          <a:solidFill>
+            <a:srgbClr val="FF0066"/>
+          </a:solidFill>
+          <a:ln>
+            <a:solidFill>
+              <a:schemeClr val="tx1"/>
+            </a:solidFill>
+          </a:ln>
+        </p:spPr>
+        <p:style>
+          <a:lnRef idx="2">
+            <a:schemeClr val="accent1">
+              <a:shade val="15000"/>
+            </a:schemeClr>
+          </a:lnRef>
+          <a:fillRef idx="1">
+            <a:schemeClr val="accent1"/>
+          </a:fillRef>
+          <a:effectRef idx="0">
+            <a:schemeClr val="accent1"/>
+          </a:effectRef>
+          <a:fontRef idx="minor">
+            <a:schemeClr val="lt1"/>
+          </a:fontRef>
+        </p:style>
+        <p:txBody>
+          <a:bodyPr rtlCol="0" anchor="ctr"/>
+          <a:lstStyle/>
+          <a:p>
+            <a:pPr algn="ctr"/>
+            <a:endParaRPr lang="es-ES"/>
+          </a:p>
+        </p:txBody>
+      </p:sp>
       <p:sp>
         <p:nvSpPr>
           <p:cNvPr id="48" name="Rectángulo 47">
@@ -26938,7 +26994,7 @@
         </p:blipFill>
         <p:spPr>
           <a:xfrm>
-            <a:off x="1121775" y="4947441"/>
+            <a:off x="3355354" y="4615130"/>
             <a:ext cx="452533" cy="434787"/>
           </a:xfrm>
           <a:prstGeom prst="rect">
@@ -28984,6 +29040,691 @@
           </p:sp>
         </p:grpSp>
       </p:grpSp>
+      <p:grpSp>
+        <p:nvGrpSpPr>
+          <p:cNvPr id="465" name="Grupo 464">
+            <a:extLst>
+              <a:ext uri="{FF2B5EF4-FFF2-40B4-BE49-F238E27FC236}">
+                <a16:creationId xmlns:a16="http://schemas.microsoft.com/office/drawing/2014/main" id="{90364CFC-D4A9-A8D7-CC0A-5BC0CBEA4763}"/>
+              </a:ext>
+            </a:extLst>
+          </p:cNvPr>
+          <p:cNvGrpSpPr/>
+          <p:nvPr/>
+        </p:nvGrpSpPr>
+        <p:grpSpPr>
+          <a:xfrm>
+            <a:off x="574437" y="3399376"/>
+            <a:ext cx="918031" cy="1319565"/>
+            <a:chOff x="589988" y="3443514"/>
+            <a:chExt cx="887965" cy="1276350"/>
+          </a:xfrm>
+        </p:grpSpPr>
+        <p:sp>
+          <p:nvSpPr>
+            <p:cNvPr id="461" name="Rectángulo: esquinas redondeadas 460">
+              <a:extLst>
+                <a:ext uri="{FF2B5EF4-FFF2-40B4-BE49-F238E27FC236}">
+                  <a16:creationId xmlns:a16="http://schemas.microsoft.com/office/drawing/2014/main" id="{ACF06466-6EFE-9B1C-637C-685AAFEFBDEB}"/>
+                </a:ext>
+              </a:extLst>
+            </p:cNvPr>
+            <p:cNvSpPr/>
+            <p:nvPr/>
+          </p:nvSpPr>
+          <p:spPr>
+            <a:xfrm>
+              <a:off x="589988" y="3443514"/>
+              <a:ext cx="887965" cy="1276350"/>
+            </a:xfrm>
+            <a:prstGeom prst="roundRect">
+              <a:avLst>
+                <a:gd name="adj" fmla="val 3590"/>
+              </a:avLst>
+            </a:prstGeom>
+            <a:solidFill>
+              <a:srgbClr val="7A2900"/>
+            </a:solidFill>
+            <a:ln>
+              <a:solidFill>
+                <a:schemeClr val="tx1"/>
+              </a:solidFill>
+            </a:ln>
+          </p:spPr>
+          <p:style>
+            <a:lnRef idx="2">
+              <a:schemeClr val="accent1">
+                <a:shade val="15000"/>
+              </a:schemeClr>
+            </a:lnRef>
+            <a:fillRef idx="1">
+              <a:schemeClr val="accent1"/>
+            </a:fillRef>
+            <a:effectRef idx="0">
+              <a:schemeClr val="accent1"/>
+            </a:effectRef>
+            <a:fontRef idx="minor">
+              <a:schemeClr val="lt1"/>
+            </a:fontRef>
+          </p:style>
+          <p:txBody>
+            <a:bodyPr rtlCol="0" anchor="ctr"/>
+            <a:lstStyle/>
+            <a:p>
+              <a:pPr algn="ctr"/>
+              <a:endParaRPr lang="es-ES"/>
+            </a:p>
+          </p:txBody>
+        </p:sp>
+        <p:sp>
+          <p:nvSpPr>
+            <p:cNvPr id="17" name="Rectángulo: esquinas redondeadas 16">
+              <a:extLst>
+                <a:ext uri="{FF2B5EF4-FFF2-40B4-BE49-F238E27FC236}">
+                  <a16:creationId xmlns:a16="http://schemas.microsoft.com/office/drawing/2014/main" id="{23AC89BD-B621-974D-D880-1B48E0523FE0}"/>
+                </a:ext>
+              </a:extLst>
+            </p:cNvPr>
+            <p:cNvSpPr/>
+            <p:nvPr/>
+          </p:nvSpPr>
+          <p:spPr>
+            <a:xfrm>
+              <a:off x="639914" y="3498706"/>
+              <a:ext cx="366707" cy="252148"/>
+            </a:xfrm>
+            <a:prstGeom prst="roundRect">
+              <a:avLst/>
+            </a:prstGeom>
+            <a:solidFill>
+              <a:srgbClr val="7A2900"/>
+            </a:solidFill>
+            <a:ln>
+              <a:solidFill>
+                <a:schemeClr val="tx1"/>
+              </a:solidFill>
+            </a:ln>
+          </p:spPr>
+          <p:style>
+            <a:lnRef idx="2">
+              <a:schemeClr val="accent1">
+                <a:shade val="15000"/>
+              </a:schemeClr>
+            </a:lnRef>
+            <a:fillRef idx="1">
+              <a:schemeClr val="accent1"/>
+            </a:fillRef>
+            <a:effectRef idx="0">
+              <a:schemeClr val="accent1"/>
+            </a:effectRef>
+            <a:fontRef idx="minor">
+              <a:schemeClr val="lt1"/>
+            </a:fontRef>
+          </p:style>
+          <p:txBody>
+            <a:bodyPr rtlCol="0" anchor="ctr"/>
+            <a:lstStyle/>
+            <a:p>
+              <a:pPr algn="ctr"/>
+              <a:endParaRPr lang="es-ES"/>
+            </a:p>
+          </p:txBody>
+        </p:sp>
+        <p:sp>
+          <p:nvSpPr>
+            <p:cNvPr id="27" name="Rectángulo: esquinas redondeadas 26">
+              <a:extLst>
+                <a:ext uri="{FF2B5EF4-FFF2-40B4-BE49-F238E27FC236}">
+                  <a16:creationId xmlns:a16="http://schemas.microsoft.com/office/drawing/2014/main" id="{E96CCD1F-DF63-37DE-3E16-538D74CB1FD5}"/>
+                </a:ext>
+              </a:extLst>
+            </p:cNvPr>
+            <p:cNvSpPr/>
+            <p:nvPr/>
+          </p:nvSpPr>
+          <p:spPr>
+            <a:xfrm>
+              <a:off x="1073729" y="3498706"/>
+              <a:ext cx="366707" cy="252148"/>
+            </a:xfrm>
+            <a:prstGeom prst="roundRect">
+              <a:avLst/>
+            </a:prstGeom>
+            <a:solidFill>
+              <a:srgbClr val="7A2900"/>
+            </a:solidFill>
+            <a:ln>
+              <a:solidFill>
+                <a:schemeClr val="tx1"/>
+              </a:solidFill>
+            </a:ln>
+          </p:spPr>
+          <p:style>
+            <a:lnRef idx="2">
+              <a:schemeClr val="accent1">
+                <a:shade val="15000"/>
+              </a:schemeClr>
+            </a:lnRef>
+            <a:fillRef idx="1">
+              <a:schemeClr val="accent1"/>
+            </a:fillRef>
+            <a:effectRef idx="0">
+              <a:schemeClr val="accent1"/>
+            </a:effectRef>
+            <a:fontRef idx="minor">
+              <a:schemeClr val="lt1"/>
+            </a:fontRef>
+          </p:style>
+          <p:txBody>
+            <a:bodyPr rtlCol="0" anchor="ctr"/>
+            <a:lstStyle/>
+            <a:p>
+              <a:pPr algn="ctr"/>
+              <a:endParaRPr lang="es-ES"/>
+            </a:p>
+          </p:txBody>
+        </p:sp>
+        <p:sp>
+          <p:nvSpPr>
+            <p:cNvPr id="28" name="Rectángulo: esquinas redondeadas 27">
+              <a:extLst>
+                <a:ext uri="{FF2B5EF4-FFF2-40B4-BE49-F238E27FC236}">
+                  <a16:creationId xmlns:a16="http://schemas.microsoft.com/office/drawing/2014/main" id="{C5F0F7B2-9F5E-1BE3-D6AB-D53BED9DE3E0}"/>
+                </a:ext>
+              </a:extLst>
+            </p:cNvPr>
+            <p:cNvSpPr/>
+            <p:nvPr/>
+          </p:nvSpPr>
+          <p:spPr>
+            <a:xfrm>
+              <a:off x="639914" y="3805420"/>
+              <a:ext cx="366707" cy="252148"/>
+            </a:xfrm>
+            <a:prstGeom prst="roundRect">
+              <a:avLst/>
+            </a:prstGeom>
+            <a:solidFill>
+              <a:srgbClr val="7A2900"/>
+            </a:solidFill>
+            <a:ln>
+              <a:solidFill>
+                <a:schemeClr val="tx1"/>
+              </a:solidFill>
+            </a:ln>
+          </p:spPr>
+          <p:style>
+            <a:lnRef idx="2">
+              <a:schemeClr val="accent1">
+                <a:shade val="15000"/>
+              </a:schemeClr>
+            </a:lnRef>
+            <a:fillRef idx="1">
+              <a:schemeClr val="accent1"/>
+            </a:fillRef>
+            <a:effectRef idx="0">
+              <a:schemeClr val="accent1"/>
+            </a:effectRef>
+            <a:fontRef idx="minor">
+              <a:schemeClr val="lt1"/>
+            </a:fontRef>
+          </p:style>
+          <p:txBody>
+            <a:bodyPr rtlCol="0" anchor="ctr"/>
+            <a:lstStyle/>
+            <a:p>
+              <a:pPr algn="ctr"/>
+              <a:endParaRPr lang="es-ES"/>
+            </a:p>
+          </p:txBody>
+        </p:sp>
+        <p:sp>
+          <p:nvSpPr>
+            <p:cNvPr id="47" name="Rectángulo: esquinas redondeadas 46">
+              <a:extLst>
+                <a:ext uri="{FF2B5EF4-FFF2-40B4-BE49-F238E27FC236}">
+                  <a16:creationId xmlns:a16="http://schemas.microsoft.com/office/drawing/2014/main" id="{3BCEA39C-4388-0828-5561-74C035DEFBC5}"/>
+                </a:ext>
+              </a:extLst>
+            </p:cNvPr>
+            <p:cNvSpPr/>
+            <p:nvPr/>
+          </p:nvSpPr>
+          <p:spPr>
+            <a:xfrm>
+              <a:off x="1073729" y="3805420"/>
+              <a:ext cx="366707" cy="252148"/>
+            </a:xfrm>
+            <a:prstGeom prst="roundRect">
+              <a:avLst/>
+            </a:prstGeom>
+            <a:solidFill>
+              <a:srgbClr val="7A2900"/>
+            </a:solidFill>
+            <a:ln>
+              <a:solidFill>
+                <a:schemeClr val="tx1"/>
+              </a:solidFill>
+            </a:ln>
+          </p:spPr>
+          <p:style>
+            <a:lnRef idx="2">
+              <a:schemeClr val="accent1">
+                <a:shade val="15000"/>
+              </a:schemeClr>
+            </a:lnRef>
+            <a:fillRef idx="1">
+              <a:schemeClr val="accent1"/>
+            </a:fillRef>
+            <a:effectRef idx="0">
+              <a:schemeClr val="accent1"/>
+            </a:effectRef>
+            <a:fontRef idx="minor">
+              <a:schemeClr val="lt1"/>
+            </a:fontRef>
+          </p:style>
+          <p:txBody>
+            <a:bodyPr rtlCol="0" anchor="ctr"/>
+            <a:lstStyle/>
+            <a:p>
+              <a:pPr algn="ctr"/>
+              <a:endParaRPr lang="es-ES"/>
+            </a:p>
+          </p:txBody>
+        </p:sp>
+        <p:sp>
+          <p:nvSpPr>
+            <p:cNvPr id="51" name="Rectángulo: esquinas redondeadas 50">
+              <a:extLst>
+                <a:ext uri="{FF2B5EF4-FFF2-40B4-BE49-F238E27FC236}">
+                  <a16:creationId xmlns:a16="http://schemas.microsoft.com/office/drawing/2014/main" id="{8241A8D9-9840-6B8C-A991-2664E6A9AFF2}"/>
+                </a:ext>
+              </a:extLst>
+            </p:cNvPr>
+            <p:cNvSpPr/>
+            <p:nvPr/>
+          </p:nvSpPr>
+          <p:spPr>
+            <a:xfrm>
+              <a:off x="639914" y="4106712"/>
+              <a:ext cx="366707" cy="252148"/>
+            </a:xfrm>
+            <a:prstGeom prst="roundRect">
+              <a:avLst/>
+            </a:prstGeom>
+            <a:solidFill>
+              <a:srgbClr val="7A2900"/>
+            </a:solidFill>
+            <a:ln>
+              <a:solidFill>
+                <a:schemeClr val="tx1"/>
+              </a:solidFill>
+            </a:ln>
+          </p:spPr>
+          <p:style>
+            <a:lnRef idx="2">
+              <a:schemeClr val="accent1">
+                <a:shade val="15000"/>
+              </a:schemeClr>
+            </a:lnRef>
+            <a:fillRef idx="1">
+              <a:schemeClr val="accent1"/>
+            </a:fillRef>
+            <a:effectRef idx="0">
+              <a:schemeClr val="accent1"/>
+            </a:effectRef>
+            <a:fontRef idx="minor">
+              <a:schemeClr val="lt1"/>
+            </a:fontRef>
+          </p:style>
+          <p:txBody>
+            <a:bodyPr rtlCol="0" anchor="ctr"/>
+            <a:lstStyle/>
+            <a:p>
+              <a:pPr algn="ctr"/>
+              <a:endParaRPr lang="es-ES"/>
+            </a:p>
+          </p:txBody>
+        </p:sp>
+        <p:sp>
+          <p:nvSpPr>
+            <p:cNvPr id="458" name="Rectángulo: esquinas redondeadas 457">
+              <a:extLst>
+                <a:ext uri="{FF2B5EF4-FFF2-40B4-BE49-F238E27FC236}">
+                  <a16:creationId xmlns:a16="http://schemas.microsoft.com/office/drawing/2014/main" id="{7A265AC8-4AFA-02D2-ACCE-A4B1FA44D4F2}"/>
+                </a:ext>
+              </a:extLst>
+            </p:cNvPr>
+            <p:cNvSpPr/>
+            <p:nvPr/>
+          </p:nvSpPr>
+          <p:spPr>
+            <a:xfrm>
+              <a:off x="1073729" y="4106712"/>
+              <a:ext cx="366707" cy="252148"/>
+            </a:xfrm>
+            <a:prstGeom prst="roundRect">
+              <a:avLst/>
+            </a:prstGeom>
+            <a:solidFill>
+              <a:srgbClr val="7A2900"/>
+            </a:solidFill>
+            <a:ln>
+              <a:solidFill>
+                <a:schemeClr val="tx1"/>
+              </a:solidFill>
+            </a:ln>
+          </p:spPr>
+          <p:style>
+            <a:lnRef idx="2">
+              <a:schemeClr val="accent1">
+                <a:shade val="15000"/>
+              </a:schemeClr>
+            </a:lnRef>
+            <a:fillRef idx="1">
+              <a:schemeClr val="accent1"/>
+            </a:fillRef>
+            <a:effectRef idx="0">
+              <a:schemeClr val="accent1"/>
+            </a:effectRef>
+            <a:fontRef idx="minor">
+              <a:schemeClr val="lt1"/>
+            </a:fontRef>
+          </p:style>
+          <p:txBody>
+            <a:bodyPr rtlCol="0" anchor="ctr"/>
+            <a:lstStyle/>
+            <a:p>
+              <a:pPr algn="ctr"/>
+              <a:endParaRPr lang="es-ES"/>
+            </a:p>
+          </p:txBody>
+        </p:sp>
+        <p:sp>
+          <p:nvSpPr>
+            <p:cNvPr id="459" name="Rectángulo: esquinas redondeadas 458">
+              <a:extLst>
+                <a:ext uri="{FF2B5EF4-FFF2-40B4-BE49-F238E27FC236}">
+                  <a16:creationId xmlns:a16="http://schemas.microsoft.com/office/drawing/2014/main" id="{6A628363-B393-E544-AC70-9B322C329C88}"/>
+                </a:ext>
+              </a:extLst>
+            </p:cNvPr>
+            <p:cNvSpPr/>
+            <p:nvPr/>
+          </p:nvSpPr>
+          <p:spPr>
+            <a:xfrm>
+              <a:off x="639914" y="4413426"/>
+              <a:ext cx="366707" cy="252148"/>
+            </a:xfrm>
+            <a:prstGeom prst="roundRect">
+              <a:avLst/>
+            </a:prstGeom>
+            <a:solidFill>
+              <a:srgbClr val="7A2900"/>
+            </a:solidFill>
+            <a:ln>
+              <a:solidFill>
+                <a:schemeClr val="tx1"/>
+              </a:solidFill>
+            </a:ln>
+          </p:spPr>
+          <p:style>
+            <a:lnRef idx="2">
+              <a:schemeClr val="accent1">
+                <a:shade val="15000"/>
+              </a:schemeClr>
+            </a:lnRef>
+            <a:fillRef idx="1">
+              <a:schemeClr val="accent1"/>
+            </a:fillRef>
+            <a:effectRef idx="0">
+              <a:schemeClr val="accent1"/>
+            </a:effectRef>
+            <a:fontRef idx="minor">
+              <a:schemeClr val="lt1"/>
+            </a:fontRef>
+          </p:style>
+          <p:txBody>
+            <a:bodyPr rtlCol="0" anchor="ctr"/>
+            <a:lstStyle/>
+            <a:p>
+              <a:pPr algn="ctr"/>
+              <a:endParaRPr lang="es-ES"/>
+            </a:p>
+          </p:txBody>
+        </p:sp>
+        <p:sp>
+          <p:nvSpPr>
+            <p:cNvPr id="460" name="Rectángulo: esquinas redondeadas 459">
+              <a:extLst>
+                <a:ext uri="{FF2B5EF4-FFF2-40B4-BE49-F238E27FC236}">
+                  <a16:creationId xmlns:a16="http://schemas.microsoft.com/office/drawing/2014/main" id="{458B17B9-D593-0F65-86B1-9301DBF0C9CD}"/>
+                </a:ext>
+              </a:extLst>
+            </p:cNvPr>
+            <p:cNvSpPr/>
+            <p:nvPr/>
+          </p:nvSpPr>
+          <p:spPr>
+            <a:xfrm>
+              <a:off x="1073729" y="4413426"/>
+              <a:ext cx="366707" cy="252148"/>
+            </a:xfrm>
+            <a:prstGeom prst="roundRect">
+              <a:avLst/>
+            </a:prstGeom>
+            <a:solidFill>
+              <a:srgbClr val="7A2900"/>
+            </a:solidFill>
+            <a:ln>
+              <a:solidFill>
+                <a:schemeClr val="tx1"/>
+              </a:solidFill>
+            </a:ln>
+          </p:spPr>
+          <p:style>
+            <a:lnRef idx="2">
+              <a:schemeClr val="accent1">
+                <a:shade val="15000"/>
+              </a:schemeClr>
+            </a:lnRef>
+            <a:fillRef idx="1">
+              <a:schemeClr val="accent1"/>
+            </a:fillRef>
+            <a:effectRef idx="0">
+              <a:schemeClr val="accent1"/>
+            </a:effectRef>
+            <a:fontRef idx="minor">
+              <a:schemeClr val="lt1"/>
+            </a:fontRef>
+          </p:style>
+          <p:txBody>
+            <a:bodyPr rtlCol="0" anchor="ctr"/>
+            <a:lstStyle/>
+            <a:p>
+              <a:pPr algn="ctr"/>
+              <a:endParaRPr lang="es-ES"/>
+            </a:p>
+          </p:txBody>
+        </p:sp>
+      </p:grpSp>
+      <p:sp>
+        <p:nvSpPr>
+          <p:cNvPr id="463" name="Rectángulo: esquinas redondeadas 462">
+            <a:extLst>
+              <a:ext uri="{FF2B5EF4-FFF2-40B4-BE49-F238E27FC236}">
+                <a16:creationId xmlns:a16="http://schemas.microsoft.com/office/drawing/2014/main" id="{8788D34B-F18E-045C-D3DF-E4B0CC178D85}"/>
+              </a:ext>
+            </a:extLst>
+          </p:cNvPr>
+          <p:cNvSpPr/>
+          <p:nvPr/>
+        </p:nvSpPr>
+        <p:spPr>
+          <a:xfrm>
+            <a:off x="546285" y="4198397"/>
+            <a:ext cx="963710" cy="989998"/>
+          </a:xfrm>
+          <a:prstGeom prst="roundRect">
+            <a:avLst>
+              <a:gd name="adj" fmla="val 0"/>
+            </a:avLst>
+          </a:prstGeom>
+          <a:solidFill>
+            <a:srgbClr val="FF0066"/>
+          </a:solidFill>
+          <a:ln>
+            <a:solidFill>
+              <a:schemeClr val="tx1"/>
+            </a:solidFill>
+          </a:ln>
+        </p:spPr>
+        <p:style>
+          <a:lnRef idx="2">
+            <a:schemeClr val="accent1">
+              <a:shade val="15000"/>
+            </a:schemeClr>
+          </a:lnRef>
+          <a:fillRef idx="1">
+            <a:schemeClr val="accent1"/>
+          </a:fillRef>
+          <a:effectRef idx="0">
+            <a:schemeClr val="accent1"/>
+          </a:effectRef>
+          <a:fontRef idx="minor">
+            <a:schemeClr val="lt1"/>
+          </a:fontRef>
+        </p:style>
+        <p:txBody>
+          <a:bodyPr rtlCol="0" anchor="ctr"/>
+          <a:lstStyle/>
+          <a:p>
+            <a:pPr algn="ctr"/>
+            <a:endParaRPr lang="es-ES"/>
+          </a:p>
+        </p:txBody>
+      </p:sp>
+      <p:pic>
+        <p:nvPicPr>
+          <p:cNvPr id="466" name="Imagen 465">
+            <a:extLst>
+              <a:ext uri="{FF2B5EF4-FFF2-40B4-BE49-F238E27FC236}">
+                <a16:creationId xmlns:a16="http://schemas.microsoft.com/office/drawing/2014/main" id="{52F74CC3-01EF-C40E-693B-4CB9416EBADA}"/>
+              </a:ext>
+            </a:extLst>
+          </p:cNvPr>
+          <p:cNvPicPr>
+            <a:picLocks noChangeAspect="1"/>
+          </p:cNvPicPr>
+          <p:nvPr/>
+        </p:nvPicPr>
+        <p:blipFill>
+          <a:blip r:embed="rId10"/>
+          <a:stretch>
+            <a:fillRect/>
+          </a:stretch>
+        </p:blipFill>
+        <p:spPr>
+          <a:xfrm>
+            <a:off x="1321099" y="1043464"/>
+            <a:ext cx="152961" cy="282022"/>
+          </a:xfrm>
+          <a:prstGeom prst="rect">
+            <a:avLst/>
+          </a:prstGeom>
+        </p:spPr>
+      </p:pic>
+      <p:pic>
+        <p:nvPicPr>
+          <p:cNvPr id="467" name="Imagen 466">
+            <a:extLst>
+              <a:ext uri="{FF2B5EF4-FFF2-40B4-BE49-F238E27FC236}">
+                <a16:creationId xmlns:a16="http://schemas.microsoft.com/office/drawing/2014/main" id="{232F5066-865A-AB6A-B49D-31481BAC110E}"/>
+              </a:ext>
+            </a:extLst>
+          </p:cNvPr>
+          <p:cNvPicPr>
+            <a:picLocks noChangeAspect="1"/>
+          </p:cNvPicPr>
+          <p:nvPr/>
+        </p:nvPicPr>
+        <p:blipFill>
+          <a:blip r:embed="rId11"/>
+          <a:stretch>
+            <a:fillRect/>
+          </a:stretch>
+        </p:blipFill>
+        <p:spPr>
+          <a:xfrm>
+            <a:off x="2001476" y="1057215"/>
+            <a:ext cx="152961" cy="282022"/>
+          </a:xfrm>
+          <a:prstGeom prst="rect">
+            <a:avLst/>
+          </a:prstGeom>
+        </p:spPr>
+      </p:pic>
+      <p:pic>
+        <p:nvPicPr>
+          <p:cNvPr id="468" name="Imagen 467">
+            <a:extLst>
+              <a:ext uri="{FF2B5EF4-FFF2-40B4-BE49-F238E27FC236}">
+                <a16:creationId xmlns:a16="http://schemas.microsoft.com/office/drawing/2014/main" id="{3C5EFA8B-1569-5F35-1E5A-86DF1BD8CCA8}"/>
+              </a:ext>
+            </a:extLst>
+          </p:cNvPr>
+          <p:cNvPicPr>
+            <a:picLocks noChangeAspect="1"/>
+          </p:cNvPicPr>
+          <p:nvPr/>
+        </p:nvPicPr>
+        <p:blipFill>
+          <a:blip r:embed="rId12"/>
+          <a:stretch>
+            <a:fillRect/>
+          </a:stretch>
+        </p:blipFill>
+        <p:spPr>
+          <a:xfrm>
+            <a:off x="997405" y="1040253"/>
+            <a:ext cx="152961" cy="282022"/>
+          </a:xfrm>
+          <a:prstGeom prst="rect">
+            <a:avLst/>
+          </a:prstGeom>
+        </p:spPr>
+      </p:pic>
+      <p:pic>
+        <p:nvPicPr>
+          <p:cNvPr id="469" name="Imagen 468">
+            <a:extLst>
+              <a:ext uri="{FF2B5EF4-FFF2-40B4-BE49-F238E27FC236}">
+                <a16:creationId xmlns:a16="http://schemas.microsoft.com/office/drawing/2014/main" id="{ED3AEB05-81D2-B5CB-85BE-7E019427E9B4}"/>
+              </a:ext>
+            </a:extLst>
+          </p:cNvPr>
+          <p:cNvPicPr>
+            <a:picLocks noChangeAspect="1"/>
+          </p:cNvPicPr>
+          <p:nvPr/>
+        </p:nvPicPr>
+        <p:blipFill>
+          <a:blip r:embed="rId13"/>
+          <a:stretch>
+            <a:fillRect/>
+          </a:stretch>
+        </p:blipFill>
+        <p:spPr>
+          <a:xfrm>
+            <a:off x="1679688" y="1060509"/>
+            <a:ext cx="152961" cy="282022"/>
+          </a:xfrm>
+          <a:prstGeom prst="rect">
+            <a:avLst/>
+          </a:prstGeom>
+        </p:spPr>
+      </p:pic>
     </p:spTree>
     <p:extLst>
       <p:ext uri="{BB962C8B-B14F-4D97-AF65-F5344CB8AC3E}">

--- a/imagenes/Sprites.pptx
+++ b/imagenes/Sprites.pptx
@@ -26708,8 +26708,8 @@
         </p:blipFill>
         <p:spPr>
           <a:xfrm rot="19800000">
-            <a:off x="880799" y="645979"/>
-            <a:ext cx="135979" cy="272781"/>
+            <a:off x="910322" y="619864"/>
+            <a:ext cx="203920" cy="409074"/>
           </a:xfrm>
           <a:prstGeom prst="rect">
             <a:avLst/>
@@ -26738,8 +26738,8 @@
         </p:blipFill>
         <p:spPr>
           <a:xfrm rot="19800000">
-            <a:off x="1121960" y="652358"/>
-            <a:ext cx="135979" cy="272781"/>
+            <a:off x="1151483" y="626243"/>
+            <a:ext cx="203920" cy="409074"/>
           </a:xfrm>
           <a:prstGeom prst="rect">
             <a:avLst/>
@@ -26768,8 +26768,8 @@
         </p:blipFill>
         <p:spPr>
           <a:xfrm rot="19800000">
-            <a:off x="462076" y="668316"/>
-            <a:ext cx="135979" cy="272781"/>
+            <a:off x="491599" y="642201"/>
+            <a:ext cx="203920" cy="409074"/>
           </a:xfrm>
           <a:prstGeom prst="rect">
             <a:avLst/>
@@ -26798,8 +26798,8 @@
         </p:blipFill>
         <p:spPr>
           <a:xfrm rot="19800000">
-            <a:off x="652504" y="639323"/>
-            <a:ext cx="135979" cy="272781"/>
+            <a:off x="682027" y="613208"/>
+            <a:ext cx="203920" cy="409074"/>
           </a:xfrm>
           <a:prstGeom prst="rect">
             <a:avLst/>
@@ -31110,8 +31110,8 @@
         </p:blipFill>
         <p:spPr>
           <a:xfrm>
-            <a:off x="4206143" y="6770216"/>
-            <a:ext cx="854841" cy="856593"/>
+            <a:off x="4206143" y="6770217"/>
+            <a:ext cx="772257" cy="773840"/>
           </a:xfrm>
           <a:prstGeom prst="rect">
             <a:avLst/>
@@ -31140,8 +31140,8 @@
         </p:blipFill>
         <p:spPr>
           <a:xfrm>
-            <a:off x="5296937" y="6756351"/>
-            <a:ext cx="854839" cy="856591"/>
+            <a:off x="5296937" y="6756352"/>
+            <a:ext cx="772255" cy="773838"/>
           </a:xfrm>
           <a:prstGeom prst="rect">
             <a:avLst/>
@@ -31170,8 +31170,8 @@
         </p:blipFill>
         <p:spPr>
           <a:xfrm>
-            <a:off x="6488364" y="6778955"/>
-            <a:ext cx="857316" cy="860837"/>
+            <a:off x="6488364" y="6778956"/>
+            <a:ext cx="774493" cy="777674"/>
           </a:xfrm>
           <a:prstGeom prst="rect">
             <a:avLst/>
@@ -31228,7 +31228,7 @@
         </p:nvGrpSpPr>
         <p:grpSpPr>
           <a:xfrm>
-            <a:off x="897675" y="1269265"/>
+            <a:off x="927780" y="1244460"/>
             <a:ext cx="190663" cy="190663"/>
             <a:chOff x="1177248" y="1076285"/>
             <a:chExt cx="241099" cy="241099"/>
@@ -31462,68 +31462,8 @@
         </p:blipFill>
         <p:spPr>
           <a:xfrm>
-            <a:off x="1001665" y="1077306"/>
-            <a:ext cx="190662" cy="181996"/>
-          </a:xfrm>
-          <a:prstGeom prst="rect">
-            <a:avLst/>
-          </a:prstGeom>
-        </p:spPr>
-      </p:pic>
-      <p:pic>
-        <p:nvPicPr>
-          <p:cNvPr id="531" name="Imagen 530">
-            <a:extLst>
-              <a:ext uri="{FF2B5EF4-FFF2-40B4-BE49-F238E27FC236}">
-                <a16:creationId xmlns:a16="http://schemas.microsoft.com/office/drawing/2014/main" id="{E0ACC3EA-5D1D-43CD-0ECF-AF9084C2FBBE}"/>
-              </a:ext>
-            </a:extLst>
-          </p:cNvPr>
-          <p:cNvPicPr>
-            <a:picLocks noChangeAspect="1"/>
-          </p:cNvPicPr>
-          <p:nvPr/>
-        </p:nvPicPr>
-        <p:blipFill>
-          <a:blip r:embed="rId18"/>
-          <a:stretch>
-            <a:fillRect/>
-          </a:stretch>
-        </p:blipFill>
-        <p:spPr>
-          <a:xfrm>
-            <a:off x="1738227" y="1696464"/>
-            <a:ext cx="117520" cy="112178"/>
-          </a:xfrm>
-          <a:prstGeom prst="rect">
-            <a:avLst/>
-          </a:prstGeom>
-        </p:spPr>
-      </p:pic>
-      <p:pic>
-        <p:nvPicPr>
-          <p:cNvPr id="532" name="Imagen 531">
-            <a:extLst>
-              <a:ext uri="{FF2B5EF4-FFF2-40B4-BE49-F238E27FC236}">
-                <a16:creationId xmlns:a16="http://schemas.microsoft.com/office/drawing/2014/main" id="{0C6A8216-FC25-3DF9-A70F-28D2967179DA}"/>
-              </a:ext>
-            </a:extLst>
-          </p:cNvPr>
-          <p:cNvPicPr>
-            <a:picLocks noChangeAspect="1"/>
-          </p:cNvPicPr>
-          <p:nvPr/>
-        </p:nvPicPr>
-        <p:blipFill>
-          <a:blip r:embed="rId18"/>
-          <a:stretch>
-            <a:fillRect/>
-          </a:stretch>
-        </p:blipFill>
-        <p:spPr>
-          <a:xfrm>
-            <a:off x="5961877" y="3300973"/>
-            <a:ext cx="248216" cy="236933"/>
+            <a:off x="1464983" y="1290199"/>
+            <a:ext cx="219959" cy="209961"/>
           </a:xfrm>
           <a:prstGeom prst="rect">
             <a:avLst/>
@@ -31544,8 +31484,8 @@
         </p:nvGrpSpPr>
         <p:grpSpPr>
           <a:xfrm>
-            <a:off x="1428487" y="1505362"/>
-            <a:ext cx="122400" cy="122400"/>
+            <a:off x="1164661" y="1279129"/>
+            <a:ext cx="144108" cy="144108"/>
             <a:chOff x="1177248" y="1076285"/>
             <a:chExt cx="241099" cy="241099"/>
           </a:xfrm>
@@ -31573,7 +31513,7 @@
             <a:solidFill>
               <a:srgbClr val="FF0066"/>
             </a:solidFill>
-            <a:ln w="6350">
+            <a:ln w="9525">
               <a:solidFill>
                 <a:srgbClr val="FF9966"/>
               </a:solidFill>
@@ -31756,6 +31696,144 @@
           </p:txBody>
         </p:sp>
       </p:grpSp>
+      <p:sp>
+        <p:nvSpPr>
+          <p:cNvPr id="462" name="Diagrama de flujo: retraso 461">
+            <a:extLst>
+              <a:ext uri="{FF2B5EF4-FFF2-40B4-BE49-F238E27FC236}">
+                <a16:creationId xmlns:a16="http://schemas.microsoft.com/office/drawing/2014/main" id="{D89663A1-AAA9-B127-9039-CBCB1C726D73}"/>
+              </a:ext>
+            </a:extLst>
+          </p:cNvPr>
+          <p:cNvSpPr/>
+          <p:nvPr/>
+        </p:nvSpPr>
+        <p:spPr>
+          <a:xfrm rot="5400000">
+            <a:off x="1307917" y="1461644"/>
+            <a:ext cx="171909" cy="145061"/>
+          </a:xfrm>
+          <a:prstGeom prst="flowChartDelay">
+            <a:avLst/>
+          </a:prstGeom>
+          <a:solidFill>
+            <a:srgbClr val="FFC000"/>
+          </a:solidFill>
+          <a:ln>
+            <a:solidFill>
+              <a:srgbClr val="00B050"/>
+            </a:solidFill>
+          </a:ln>
+        </p:spPr>
+        <p:style>
+          <a:lnRef idx="2">
+            <a:schemeClr val="accent1">
+              <a:shade val="15000"/>
+            </a:schemeClr>
+          </a:lnRef>
+          <a:fillRef idx="1">
+            <a:schemeClr val="accent1"/>
+          </a:fillRef>
+          <a:effectRef idx="0">
+            <a:schemeClr val="accent1"/>
+          </a:effectRef>
+          <a:fontRef idx="minor">
+            <a:schemeClr val="lt1"/>
+          </a:fontRef>
+        </p:style>
+        <p:txBody>
+          <a:bodyPr rtlCol="0" anchor="ctr"/>
+          <a:lstStyle/>
+          <a:p>
+            <a:pPr algn="ctr"/>
+            <a:endParaRPr lang="es-PE"/>
+          </a:p>
+        </p:txBody>
+      </p:sp>
+      <p:sp>
+        <p:nvSpPr>
+          <p:cNvPr id="467" name="Signo de multiplicación 466">
+            <a:extLst>
+              <a:ext uri="{FF2B5EF4-FFF2-40B4-BE49-F238E27FC236}">
+                <a16:creationId xmlns:a16="http://schemas.microsoft.com/office/drawing/2014/main" id="{C8158DF5-FA44-E0CE-6A99-EEF5DAF97AC5}"/>
+              </a:ext>
+            </a:extLst>
+          </p:cNvPr>
+          <p:cNvSpPr/>
+          <p:nvPr/>
+        </p:nvSpPr>
+        <p:spPr>
+          <a:xfrm>
+            <a:off x="1328749" y="1445604"/>
+            <a:ext cx="136233" cy="160858"/>
+          </a:xfrm>
+          <a:prstGeom prst="mathMultiply">
+            <a:avLst>
+              <a:gd name="adj1" fmla="val 13125"/>
+            </a:avLst>
+          </a:prstGeom>
+          <a:solidFill>
+            <a:srgbClr val="00B050"/>
+          </a:solidFill>
+          <a:ln>
+            <a:noFill/>
+          </a:ln>
+        </p:spPr>
+        <p:style>
+          <a:lnRef idx="2">
+            <a:schemeClr val="accent1">
+              <a:shade val="15000"/>
+            </a:schemeClr>
+          </a:lnRef>
+          <a:fillRef idx="1">
+            <a:schemeClr val="accent1"/>
+          </a:fillRef>
+          <a:effectRef idx="0">
+            <a:schemeClr val="accent1"/>
+          </a:effectRef>
+          <a:fontRef idx="minor">
+            <a:schemeClr val="lt1"/>
+          </a:fontRef>
+        </p:style>
+        <p:txBody>
+          <a:bodyPr rtlCol="0" anchor="ctr"/>
+          <a:lstStyle/>
+          <a:p>
+            <a:pPr algn="ctr"/>
+            <a:endParaRPr lang="es-PE"/>
+          </a:p>
+        </p:txBody>
+      </p:sp>
+      <p:pic>
+        <p:nvPicPr>
+          <p:cNvPr id="468" name="Imagen 467">
+            <a:extLst>
+              <a:ext uri="{FF2B5EF4-FFF2-40B4-BE49-F238E27FC236}">
+                <a16:creationId xmlns:a16="http://schemas.microsoft.com/office/drawing/2014/main" id="{DD7AC77D-898B-9BD9-92CD-52C52C76C2B0}"/>
+              </a:ext>
+            </a:extLst>
+          </p:cNvPr>
+          <p:cNvPicPr>
+            <a:picLocks noChangeAspect="1"/>
+          </p:cNvPicPr>
+          <p:nvPr/>
+        </p:nvPicPr>
+        <p:blipFill>
+          <a:blip r:embed="rId19"/>
+          <a:stretch>
+            <a:fillRect/>
+          </a:stretch>
+        </p:blipFill>
+        <p:spPr>
+          <a:xfrm>
+            <a:off x="1216178" y="2087095"/>
+            <a:ext cx="158510" cy="182896"/>
+          </a:xfrm>
+          <a:prstGeom prst="rect">
+            <a:avLst/>
+          </a:prstGeom>
+        </p:spPr>
+      </p:pic>
     </p:spTree>
     <p:extLst>
       <p:ext uri="{BB962C8B-B14F-4D97-AF65-F5344CB8AC3E}">

--- a/imagenes/Sprites.pptx
+++ b/imagenes/Sprites.pptx
@@ -8,7 +8,8 @@
     <p:sldId id="256" r:id="rId2"/>
     <p:sldId id="257" r:id="rId3"/>
     <p:sldId id="258" r:id="rId4"/>
-    <p:sldId id="259" r:id="rId5"/>
+    <p:sldId id="260" r:id="rId5"/>
+    <p:sldId id="259" r:id="rId6"/>
   </p:sldIdLst>
   <p:sldSz cx="12192000" cy="6858000"/>
   <p:notesSz cx="6858000" cy="9144000"/>
@@ -264,7 +265,7 @@
           <a:p>
             <a:fld id="{8C70C46D-AAA7-4A9A-9CF4-FA9347CFCFDD}" type="datetimeFigureOut">
               <a:rPr lang="es-PE" smtClean="0"/>
-              <a:t>29/05/2024</a:t>
+              <a:t>3/06/2024</a:t>
             </a:fld>
             <a:endParaRPr lang="es-PE"/>
           </a:p>
@@ -464,7 +465,7 @@
           <a:p>
             <a:fld id="{8C70C46D-AAA7-4A9A-9CF4-FA9347CFCFDD}" type="datetimeFigureOut">
               <a:rPr lang="es-PE" smtClean="0"/>
-              <a:t>29/05/2024</a:t>
+              <a:t>3/06/2024</a:t>
             </a:fld>
             <a:endParaRPr lang="es-PE"/>
           </a:p>
@@ -674,7 +675,7 @@
           <a:p>
             <a:fld id="{8C70C46D-AAA7-4A9A-9CF4-FA9347CFCFDD}" type="datetimeFigureOut">
               <a:rPr lang="es-PE" smtClean="0"/>
-              <a:t>29/05/2024</a:t>
+              <a:t>3/06/2024</a:t>
             </a:fld>
             <a:endParaRPr lang="es-PE"/>
           </a:p>
@@ -874,7 +875,7 @@
           <a:p>
             <a:fld id="{8C70C46D-AAA7-4A9A-9CF4-FA9347CFCFDD}" type="datetimeFigureOut">
               <a:rPr lang="es-PE" smtClean="0"/>
-              <a:t>29/05/2024</a:t>
+              <a:t>3/06/2024</a:t>
             </a:fld>
             <a:endParaRPr lang="es-PE"/>
           </a:p>
@@ -1150,7 +1151,7 @@
           <a:p>
             <a:fld id="{8C70C46D-AAA7-4A9A-9CF4-FA9347CFCFDD}" type="datetimeFigureOut">
               <a:rPr lang="es-PE" smtClean="0"/>
-              <a:t>29/05/2024</a:t>
+              <a:t>3/06/2024</a:t>
             </a:fld>
             <a:endParaRPr lang="es-PE"/>
           </a:p>
@@ -1418,7 +1419,7 @@
           <a:p>
             <a:fld id="{8C70C46D-AAA7-4A9A-9CF4-FA9347CFCFDD}" type="datetimeFigureOut">
               <a:rPr lang="es-PE" smtClean="0"/>
-              <a:t>29/05/2024</a:t>
+              <a:t>3/06/2024</a:t>
             </a:fld>
             <a:endParaRPr lang="es-PE"/>
           </a:p>
@@ -1833,7 +1834,7 @@
           <a:p>
             <a:fld id="{8C70C46D-AAA7-4A9A-9CF4-FA9347CFCFDD}" type="datetimeFigureOut">
               <a:rPr lang="es-PE" smtClean="0"/>
-              <a:t>29/05/2024</a:t>
+              <a:t>3/06/2024</a:t>
             </a:fld>
             <a:endParaRPr lang="es-PE"/>
           </a:p>
@@ -1975,7 +1976,7 @@
           <a:p>
             <a:fld id="{8C70C46D-AAA7-4A9A-9CF4-FA9347CFCFDD}" type="datetimeFigureOut">
               <a:rPr lang="es-PE" smtClean="0"/>
-              <a:t>29/05/2024</a:t>
+              <a:t>3/06/2024</a:t>
             </a:fld>
             <a:endParaRPr lang="es-PE"/>
           </a:p>
@@ -2088,7 +2089,7 @@
           <a:p>
             <a:fld id="{8C70C46D-AAA7-4A9A-9CF4-FA9347CFCFDD}" type="datetimeFigureOut">
               <a:rPr lang="es-PE" smtClean="0"/>
-              <a:t>29/05/2024</a:t>
+              <a:t>3/06/2024</a:t>
             </a:fld>
             <a:endParaRPr lang="es-PE"/>
           </a:p>
@@ -2401,7 +2402,7 @@
           <a:p>
             <a:fld id="{8C70C46D-AAA7-4A9A-9CF4-FA9347CFCFDD}" type="datetimeFigureOut">
               <a:rPr lang="es-PE" smtClean="0"/>
-              <a:t>29/05/2024</a:t>
+              <a:t>3/06/2024</a:t>
             </a:fld>
             <a:endParaRPr lang="es-PE"/>
           </a:p>
@@ -2690,7 +2691,7 @@
           <a:p>
             <a:fld id="{8C70C46D-AAA7-4A9A-9CF4-FA9347CFCFDD}" type="datetimeFigureOut">
               <a:rPr lang="es-PE" smtClean="0"/>
-              <a:t>29/05/2024</a:t>
+              <a:t>3/06/2024</a:t>
             </a:fld>
             <a:endParaRPr lang="es-PE"/>
           </a:p>
@@ -2933,7 +2934,7 @@
           <a:p>
             <a:fld id="{8C70C46D-AAA7-4A9A-9CF4-FA9347CFCFDD}" type="datetimeFigureOut">
               <a:rPr lang="es-PE" smtClean="0"/>
-              <a:t>29/05/2024</a:t>
+              <a:t>3/06/2024</a:t>
             </a:fld>
             <a:endParaRPr lang="es-PE"/>
           </a:p>
@@ -26748,66 +26749,6 @@
       </p:pic>
       <p:pic>
         <p:nvPicPr>
-          <p:cNvPr id="472" name="Imagen 471">
-            <a:extLst>
-              <a:ext uri="{FF2B5EF4-FFF2-40B4-BE49-F238E27FC236}">
-                <a16:creationId xmlns:a16="http://schemas.microsoft.com/office/drawing/2014/main" id="{651730B2-6CB7-802B-2401-1A4613B460BE}"/>
-              </a:ext>
-            </a:extLst>
-          </p:cNvPr>
-          <p:cNvPicPr>
-            <a:picLocks noChangeAspect="1"/>
-          </p:cNvPicPr>
-          <p:nvPr/>
-        </p:nvPicPr>
-        <p:blipFill>
-          <a:blip r:embed="rId12"/>
-          <a:stretch>
-            <a:fillRect/>
-          </a:stretch>
-        </p:blipFill>
-        <p:spPr>
-          <a:xfrm rot="19800000">
-            <a:off x="491599" y="642201"/>
-            <a:ext cx="203920" cy="409074"/>
-          </a:xfrm>
-          <a:prstGeom prst="rect">
-            <a:avLst/>
-          </a:prstGeom>
-        </p:spPr>
-      </p:pic>
-      <p:pic>
-        <p:nvPicPr>
-          <p:cNvPr id="474" name="Imagen 473">
-            <a:extLst>
-              <a:ext uri="{FF2B5EF4-FFF2-40B4-BE49-F238E27FC236}">
-                <a16:creationId xmlns:a16="http://schemas.microsoft.com/office/drawing/2014/main" id="{EA31F34F-4688-EF7E-A195-2A50576B6328}"/>
-              </a:ext>
-            </a:extLst>
-          </p:cNvPr>
-          <p:cNvPicPr>
-            <a:picLocks noChangeAspect="1"/>
-          </p:cNvPicPr>
-          <p:nvPr/>
-        </p:nvPicPr>
-        <p:blipFill>
-          <a:blip r:embed="rId13"/>
-          <a:stretch>
-            <a:fillRect/>
-          </a:stretch>
-        </p:blipFill>
-        <p:spPr>
-          <a:xfrm rot="19800000">
-            <a:off x="682027" y="613208"/>
-            <a:ext cx="203920" cy="409074"/>
-          </a:xfrm>
-          <a:prstGeom prst="rect">
-            <a:avLst/>
-          </a:prstGeom>
-        </p:spPr>
-      </p:pic>
-      <p:pic>
-        <p:nvPicPr>
           <p:cNvPr id="498" name="Imagen 497">
             <a:extLst>
               <a:ext uri="{FF2B5EF4-FFF2-40B4-BE49-F238E27FC236}">
@@ -26821,7 +26762,7 @@
           <p:nvPr/>
         </p:nvPicPr>
         <p:blipFill>
-          <a:blip r:embed="rId14"/>
+          <a:blip r:embed="rId12"/>
           <a:stretch>
             <a:fillRect/>
           </a:stretch>
@@ -27139,7 +27080,7 @@
           <p:nvPr/>
         </p:nvPicPr>
         <p:blipFill>
-          <a:blip r:embed="rId15"/>
+          <a:blip r:embed="rId13"/>
           <a:stretch>
             <a:fillRect/>
           </a:stretch>
@@ -30317,7 +30258,7 @@
           <p:nvPr/>
         </p:nvPicPr>
         <p:blipFill>
-          <a:blip r:embed="rId16"/>
+          <a:blip r:embed="rId14"/>
           <a:stretch>
             <a:fillRect/>
           </a:stretch>
@@ -31103,7 +31044,7 @@
           <p:nvPr/>
         </p:nvPicPr>
         <p:blipFill>
-          <a:blip r:embed="rId14"/>
+          <a:blip r:embed="rId12"/>
           <a:stretch>
             <a:fillRect/>
           </a:stretch>
@@ -31133,7 +31074,7 @@
           <p:nvPr/>
         </p:nvPicPr>
         <p:blipFill>
-          <a:blip r:embed="rId15"/>
+          <a:blip r:embed="rId13"/>
           <a:stretch>
             <a:fillRect/>
           </a:stretch>
@@ -31163,7 +31104,7 @@
           <p:nvPr/>
         </p:nvPicPr>
         <p:blipFill>
-          <a:blip r:embed="rId16"/>
+          <a:blip r:embed="rId14"/>
           <a:stretch>
             <a:fillRect/>
           </a:stretch>
@@ -31193,7 +31134,7 @@
           <p:nvPr/>
         </p:nvPicPr>
         <p:blipFill>
-          <a:blip r:embed="rId17">
+          <a:blip r:embed="rId15">
             <a:extLst>
               <a:ext uri="{28A0092B-C50C-407E-A947-70E740481C1C}">
                 <a14:useLocalDpi xmlns:a14="http://schemas.microsoft.com/office/drawing/2010/main" val="0"/>
@@ -31455,7 +31396,7 @@
           <p:nvPr/>
         </p:nvPicPr>
         <p:blipFill>
-          <a:blip r:embed="rId18"/>
+          <a:blip r:embed="rId16"/>
           <a:stretch>
             <a:fillRect/>
           </a:stretch>
@@ -31819,7 +31760,7 @@
           <p:nvPr/>
         </p:nvPicPr>
         <p:blipFill>
-          <a:blip r:embed="rId19"/>
+          <a:blip r:embed="rId17"/>
           <a:stretch>
             <a:fillRect/>
           </a:stretch>
@@ -31828,6 +31769,96 @@
           <a:xfrm>
             <a:off x="1216178" y="2087095"/>
             <a:ext cx="158510" cy="182896"/>
+          </a:xfrm>
+          <a:prstGeom prst="rect">
+            <a:avLst/>
+          </a:prstGeom>
+        </p:spPr>
+      </p:pic>
+      <p:pic>
+        <p:nvPicPr>
+          <p:cNvPr id="466" name="Imagen 465">
+            <a:extLst>
+              <a:ext uri="{FF2B5EF4-FFF2-40B4-BE49-F238E27FC236}">
+                <a16:creationId xmlns:a16="http://schemas.microsoft.com/office/drawing/2014/main" id="{8BBAD037-AAB3-A203-8699-CD855A1838FE}"/>
+              </a:ext>
+            </a:extLst>
+          </p:cNvPr>
+          <p:cNvPicPr>
+            <a:picLocks noChangeAspect="1"/>
+          </p:cNvPicPr>
+          <p:nvPr/>
+        </p:nvPicPr>
+        <p:blipFill>
+          <a:blip r:embed="rId18"/>
+          <a:stretch>
+            <a:fillRect/>
+          </a:stretch>
+        </p:blipFill>
+        <p:spPr>
+          <a:xfrm>
+            <a:off x="1961317" y="759790"/>
+            <a:ext cx="557551" cy="378692"/>
+          </a:xfrm>
+          <a:prstGeom prst="rect">
+            <a:avLst/>
+          </a:prstGeom>
+        </p:spPr>
+      </p:pic>
+      <p:pic>
+        <p:nvPicPr>
+          <p:cNvPr id="469" name="Imagen 468">
+            <a:extLst>
+              <a:ext uri="{FF2B5EF4-FFF2-40B4-BE49-F238E27FC236}">
+                <a16:creationId xmlns:a16="http://schemas.microsoft.com/office/drawing/2014/main" id="{DCE9CFFB-6018-AEA3-68E5-B2D9D0A6CA31}"/>
+              </a:ext>
+            </a:extLst>
+          </p:cNvPr>
+          <p:cNvPicPr>
+            <a:picLocks noChangeAspect="1"/>
+          </p:cNvPicPr>
+          <p:nvPr/>
+        </p:nvPicPr>
+        <p:blipFill>
+          <a:blip r:embed="rId19"/>
+          <a:stretch>
+            <a:fillRect/>
+          </a:stretch>
+        </p:blipFill>
+        <p:spPr>
+          <a:xfrm>
+            <a:off x="1930305" y="1115408"/>
+            <a:ext cx="557843" cy="378891"/>
+          </a:xfrm>
+          <a:prstGeom prst="rect">
+            <a:avLst/>
+          </a:prstGeom>
+        </p:spPr>
+      </p:pic>
+      <p:pic>
+        <p:nvPicPr>
+          <p:cNvPr id="476" name="Imagen 475">
+            <a:extLst>
+              <a:ext uri="{FF2B5EF4-FFF2-40B4-BE49-F238E27FC236}">
+                <a16:creationId xmlns:a16="http://schemas.microsoft.com/office/drawing/2014/main" id="{19CDB60F-7253-7BA0-ACCF-496B7D8328E9}"/>
+              </a:ext>
+            </a:extLst>
+          </p:cNvPr>
+          <p:cNvPicPr>
+            <a:picLocks noChangeAspect="1"/>
+          </p:cNvPicPr>
+          <p:nvPr/>
+        </p:nvPicPr>
+        <p:blipFill>
+          <a:blip r:embed="rId20"/>
+          <a:stretch>
+            <a:fillRect/>
+          </a:stretch>
+        </p:blipFill>
+        <p:spPr>
+          <a:xfrm>
+            <a:off x="1964548" y="1457603"/>
+            <a:ext cx="553607" cy="372386"/>
           </a:xfrm>
           <a:prstGeom prst="rect">
             <a:avLst/>
@@ -31848,6 +31879,3723 @@
 </file>
 
 <file path=ppt/slides/slide4.xml><?xml version="1.0" encoding="utf-8"?>
+<p:sld xmlns:a="http://schemas.openxmlformats.org/drawingml/2006/main" xmlns:r="http://schemas.openxmlformats.org/officeDocument/2006/relationships" xmlns:p="http://schemas.openxmlformats.org/presentationml/2006/main">
+  <p:cSld>
+    <p:spTree>
+      <p:nvGrpSpPr>
+        <p:cNvPr id="1" name=""/>
+        <p:cNvGrpSpPr/>
+        <p:nvPr/>
+      </p:nvGrpSpPr>
+      <p:grpSpPr>
+        <a:xfrm>
+          <a:off x="0" y="0"/>
+          <a:ext cx="0" cy="0"/>
+          <a:chOff x="0" y="0"/>
+          <a:chExt cx="0" cy="0"/>
+        </a:xfrm>
+      </p:grpSpPr>
+      <p:sp>
+        <p:nvSpPr>
+          <p:cNvPr id="4" name="Forma libre: forma 3">
+            <a:extLst>
+              <a:ext uri="{FF2B5EF4-FFF2-40B4-BE49-F238E27FC236}">
+                <a16:creationId xmlns:a16="http://schemas.microsoft.com/office/drawing/2014/main" id="{A6FBE84E-F4D4-5BDC-B09C-34A24973571D}"/>
+              </a:ext>
+            </a:extLst>
+          </p:cNvPr>
+          <p:cNvSpPr/>
+          <p:nvPr/>
+        </p:nvSpPr>
+        <p:spPr>
+          <a:xfrm>
+            <a:off x="4973712" y="1902960"/>
+            <a:ext cx="3913106" cy="928319"/>
+          </a:xfrm>
+          <a:custGeom>
+            <a:avLst/>
+            <a:gdLst>
+              <a:gd name="connsiteX0" fmla="*/ 0 w 6120580"/>
+              <a:gd name="connsiteY0" fmla="*/ 1193942 h 1326677"/>
+              <a:gd name="connsiteX1" fmla="*/ 943896 w 6120580"/>
+              <a:gd name="connsiteY1" fmla="*/ 397529 h 1326677"/>
+              <a:gd name="connsiteX2" fmla="*/ 2433483 w 6120580"/>
+              <a:gd name="connsiteY2" fmla="*/ 28819 h 1326677"/>
+              <a:gd name="connsiteX3" fmla="*/ 3864077 w 6120580"/>
+              <a:gd name="connsiteY3" fmla="*/ 117310 h 1326677"/>
+              <a:gd name="connsiteX4" fmla="*/ 5427406 w 6120580"/>
+              <a:gd name="connsiteY4" fmla="*/ 854729 h 1326677"/>
+              <a:gd name="connsiteX5" fmla="*/ 6120580 w 6120580"/>
+              <a:gd name="connsiteY5" fmla="*/ 1326677 h 1326677"/>
+            </a:gdLst>
+            <a:ahLst/>
+            <a:cxnLst>
+              <a:cxn ang="0">
+                <a:pos x="connsiteX0" y="connsiteY0"/>
+              </a:cxn>
+              <a:cxn ang="0">
+                <a:pos x="connsiteX1" y="connsiteY1"/>
+              </a:cxn>
+              <a:cxn ang="0">
+                <a:pos x="connsiteX2" y="connsiteY2"/>
+              </a:cxn>
+              <a:cxn ang="0">
+                <a:pos x="connsiteX3" y="connsiteY3"/>
+              </a:cxn>
+              <a:cxn ang="0">
+                <a:pos x="connsiteX4" y="connsiteY4"/>
+              </a:cxn>
+              <a:cxn ang="0">
+                <a:pos x="connsiteX5" y="connsiteY5"/>
+              </a:cxn>
+            </a:cxnLst>
+            <a:rect l="l" t="t" r="r" b="b"/>
+            <a:pathLst>
+              <a:path w="6120580" h="1326677">
+                <a:moveTo>
+                  <a:pt x="0" y="1193942"/>
+                </a:moveTo>
+                <a:cubicBezTo>
+                  <a:pt x="269158" y="892829"/>
+                  <a:pt x="538316" y="591716"/>
+                  <a:pt x="943896" y="397529"/>
+                </a:cubicBezTo>
+                <a:cubicBezTo>
+                  <a:pt x="1349476" y="203342"/>
+                  <a:pt x="1946786" y="75522"/>
+                  <a:pt x="2433483" y="28819"/>
+                </a:cubicBezTo>
+                <a:cubicBezTo>
+                  <a:pt x="2920180" y="-17884"/>
+                  <a:pt x="3365090" y="-20342"/>
+                  <a:pt x="3864077" y="117310"/>
+                </a:cubicBezTo>
+                <a:cubicBezTo>
+                  <a:pt x="4363064" y="254962"/>
+                  <a:pt x="5051322" y="653168"/>
+                  <a:pt x="5427406" y="854729"/>
+                </a:cubicBezTo>
+                <a:cubicBezTo>
+                  <a:pt x="5803490" y="1056290"/>
+                  <a:pt x="5962035" y="1191483"/>
+                  <a:pt x="6120580" y="1326677"/>
+                </a:cubicBezTo>
+              </a:path>
+            </a:pathLst>
+          </a:custGeom>
+          <a:noFill/>
+          <a:ln w="355600">
+            <a:solidFill>
+              <a:schemeClr val="tx1"/>
+            </a:solidFill>
+          </a:ln>
+        </p:spPr>
+        <p:style>
+          <a:lnRef idx="2">
+            <a:schemeClr val="accent1">
+              <a:shade val="15000"/>
+            </a:schemeClr>
+          </a:lnRef>
+          <a:fillRef idx="1">
+            <a:schemeClr val="accent1"/>
+          </a:fillRef>
+          <a:effectRef idx="0">
+            <a:schemeClr val="accent1"/>
+          </a:effectRef>
+          <a:fontRef idx="minor">
+            <a:schemeClr val="lt1"/>
+          </a:fontRef>
+        </p:style>
+        <p:txBody>
+          <a:bodyPr rtlCol="0" anchor="ctr"/>
+          <a:lstStyle/>
+          <a:p>
+            <a:pPr algn="ctr"/>
+            <a:endParaRPr lang="es-ES"/>
+          </a:p>
+        </p:txBody>
+      </p:sp>
+      <p:sp>
+        <p:nvSpPr>
+          <p:cNvPr id="10" name="Luna 9">
+            <a:extLst>
+              <a:ext uri="{FF2B5EF4-FFF2-40B4-BE49-F238E27FC236}">
+                <a16:creationId xmlns:a16="http://schemas.microsoft.com/office/drawing/2014/main" id="{24B8C93C-66BD-B513-1E50-0B5C90E5FF47}"/>
+              </a:ext>
+            </a:extLst>
+          </p:cNvPr>
+          <p:cNvSpPr/>
+          <p:nvPr/>
+        </p:nvSpPr>
+        <p:spPr>
+          <a:xfrm rot="7902159">
+            <a:off x="5080467" y="1649071"/>
+            <a:ext cx="434192" cy="1577989"/>
+          </a:xfrm>
+          <a:prstGeom prst="moon">
+            <a:avLst/>
+          </a:prstGeom>
+          <a:solidFill>
+            <a:srgbClr val="E3DAC9"/>
+          </a:solidFill>
+          <a:ln w="28575">
+            <a:solidFill>
+              <a:schemeClr val="tx1"/>
+            </a:solidFill>
+          </a:ln>
+        </p:spPr>
+        <p:style>
+          <a:lnRef idx="2">
+            <a:schemeClr val="accent1">
+              <a:shade val="15000"/>
+            </a:schemeClr>
+          </a:lnRef>
+          <a:fillRef idx="1">
+            <a:schemeClr val="accent1"/>
+          </a:fillRef>
+          <a:effectRef idx="0">
+            <a:schemeClr val="accent1"/>
+          </a:effectRef>
+          <a:fontRef idx="minor">
+            <a:schemeClr val="lt1"/>
+          </a:fontRef>
+        </p:style>
+        <p:txBody>
+          <a:bodyPr rtlCol="0" anchor="ctr"/>
+          <a:lstStyle/>
+          <a:p>
+            <a:pPr algn="ctr"/>
+            <a:endParaRPr lang="es-ES"/>
+          </a:p>
+        </p:txBody>
+      </p:sp>
+      <p:sp>
+        <p:nvSpPr>
+          <p:cNvPr id="11" name="Luna 10">
+            <a:extLst>
+              <a:ext uri="{FF2B5EF4-FFF2-40B4-BE49-F238E27FC236}">
+                <a16:creationId xmlns:a16="http://schemas.microsoft.com/office/drawing/2014/main" id="{B4B290D6-3607-D8D7-E9A1-89C98E0D2945}"/>
+              </a:ext>
+            </a:extLst>
+          </p:cNvPr>
+          <p:cNvSpPr/>
+          <p:nvPr/>
+        </p:nvSpPr>
+        <p:spPr>
+          <a:xfrm rot="8312975">
+            <a:off x="5517022" y="1319741"/>
+            <a:ext cx="434192" cy="1577989"/>
+          </a:xfrm>
+          <a:prstGeom prst="moon">
+            <a:avLst/>
+          </a:prstGeom>
+          <a:solidFill>
+            <a:srgbClr val="E3DAC9"/>
+          </a:solidFill>
+          <a:ln w="28575">
+            <a:solidFill>
+              <a:schemeClr val="tx1"/>
+            </a:solidFill>
+          </a:ln>
+        </p:spPr>
+        <p:style>
+          <a:lnRef idx="2">
+            <a:schemeClr val="accent1">
+              <a:shade val="15000"/>
+            </a:schemeClr>
+          </a:lnRef>
+          <a:fillRef idx="1">
+            <a:schemeClr val="accent1"/>
+          </a:fillRef>
+          <a:effectRef idx="0">
+            <a:schemeClr val="accent1"/>
+          </a:effectRef>
+          <a:fontRef idx="minor">
+            <a:schemeClr val="lt1"/>
+          </a:fontRef>
+        </p:style>
+        <p:txBody>
+          <a:bodyPr rtlCol="0" anchor="ctr"/>
+          <a:lstStyle/>
+          <a:p>
+            <a:pPr algn="ctr"/>
+            <a:endParaRPr lang="es-ES"/>
+          </a:p>
+        </p:txBody>
+      </p:sp>
+      <p:sp>
+        <p:nvSpPr>
+          <p:cNvPr id="12" name="Luna 11">
+            <a:extLst>
+              <a:ext uri="{FF2B5EF4-FFF2-40B4-BE49-F238E27FC236}">
+                <a16:creationId xmlns:a16="http://schemas.microsoft.com/office/drawing/2014/main" id="{96BB9002-4B5A-A343-3D05-B7D6D78A538F}"/>
+              </a:ext>
+            </a:extLst>
+          </p:cNvPr>
+          <p:cNvSpPr/>
+          <p:nvPr/>
+        </p:nvSpPr>
+        <p:spPr>
+          <a:xfrm rot="9109680">
+            <a:off x="6145835" y="1187628"/>
+            <a:ext cx="434192" cy="1577989"/>
+          </a:xfrm>
+          <a:prstGeom prst="moon">
+            <a:avLst/>
+          </a:prstGeom>
+          <a:solidFill>
+            <a:srgbClr val="E3DAC9"/>
+          </a:solidFill>
+          <a:ln w="28575">
+            <a:solidFill>
+              <a:schemeClr val="tx1"/>
+            </a:solidFill>
+          </a:ln>
+        </p:spPr>
+        <p:style>
+          <a:lnRef idx="2">
+            <a:schemeClr val="accent1">
+              <a:shade val="15000"/>
+            </a:schemeClr>
+          </a:lnRef>
+          <a:fillRef idx="1">
+            <a:schemeClr val="accent1"/>
+          </a:fillRef>
+          <a:effectRef idx="0">
+            <a:schemeClr val="accent1"/>
+          </a:effectRef>
+          <a:fontRef idx="minor">
+            <a:schemeClr val="lt1"/>
+          </a:fontRef>
+        </p:style>
+        <p:txBody>
+          <a:bodyPr rtlCol="0" anchor="ctr"/>
+          <a:lstStyle/>
+          <a:p>
+            <a:pPr algn="ctr"/>
+            <a:endParaRPr lang="es-ES"/>
+          </a:p>
+        </p:txBody>
+      </p:sp>
+      <p:sp>
+        <p:nvSpPr>
+          <p:cNvPr id="13" name="Luna 12">
+            <a:extLst>
+              <a:ext uri="{FF2B5EF4-FFF2-40B4-BE49-F238E27FC236}">
+                <a16:creationId xmlns:a16="http://schemas.microsoft.com/office/drawing/2014/main" id="{93A73DFA-92D2-A491-4D7F-3AF2FA89350D}"/>
+              </a:ext>
+            </a:extLst>
+          </p:cNvPr>
+          <p:cNvSpPr/>
+          <p:nvPr/>
+        </p:nvSpPr>
+        <p:spPr>
+          <a:xfrm rot="10024875">
+            <a:off x="6709712" y="1095568"/>
+            <a:ext cx="434192" cy="1637535"/>
+          </a:xfrm>
+          <a:prstGeom prst="moon">
+            <a:avLst/>
+          </a:prstGeom>
+          <a:solidFill>
+            <a:srgbClr val="E3DAC9"/>
+          </a:solidFill>
+          <a:ln w="28575">
+            <a:solidFill>
+              <a:schemeClr val="tx1"/>
+            </a:solidFill>
+          </a:ln>
+        </p:spPr>
+        <p:style>
+          <a:lnRef idx="2">
+            <a:schemeClr val="accent1">
+              <a:shade val="15000"/>
+            </a:schemeClr>
+          </a:lnRef>
+          <a:fillRef idx="1">
+            <a:schemeClr val="accent1"/>
+          </a:fillRef>
+          <a:effectRef idx="0">
+            <a:schemeClr val="accent1"/>
+          </a:effectRef>
+          <a:fontRef idx="minor">
+            <a:schemeClr val="lt1"/>
+          </a:fontRef>
+        </p:style>
+        <p:txBody>
+          <a:bodyPr rtlCol="0" anchor="ctr"/>
+          <a:lstStyle/>
+          <a:p>
+            <a:pPr algn="ctr"/>
+            <a:endParaRPr lang="es-ES"/>
+          </a:p>
+        </p:txBody>
+      </p:sp>
+      <p:sp>
+        <p:nvSpPr>
+          <p:cNvPr id="14" name="Luna 13">
+            <a:extLst>
+              <a:ext uri="{FF2B5EF4-FFF2-40B4-BE49-F238E27FC236}">
+                <a16:creationId xmlns:a16="http://schemas.microsoft.com/office/drawing/2014/main" id="{18FD3E68-6DF3-B9B2-A597-741B5DEEC759}"/>
+              </a:ext>
+            </a:extLst>
+          </p:cNvPr>
+          <p:cNvSpPr/>
+          <p:nvPr/>
+        </p:nvSpPr>
+        <p:spPr>
+          <a:xfrm rot="10959212">
+            <a:off x="7218290" y="1197112"/>
+            <a:ext cx="434192" cy="1637535"/>
+          </a:xfrm>
+          <a:prstGeom prst="moon">
+            <a:avLst/>
+          </a:prstGeom>
+          <a:solidFill>
+            <a:srgbClr val="E3DAC9"/>
+          </a:solidFill>
+          <a:ln w="28575">
+            <a:solidFill>
+              <a:schemeClr val="tx1"/>
+            </a:solidFill>
+          </a:ln>
+        </p:spPr>
+        <p:style>
+          <a:lnRef idx="2">
+            <a:schemeClr val="accent1">
+              <a:shade val="15000"/>
+            </a:schemeClr>
+          </a:lnRef>
+          <a:fillRef idx="1">
+            <a:schemeClr val="accent1"/>
+          </a:fillRef>
+          <a:effectRef idx="0">
+            <a:schemeClr val="accent1"/>
+          </a:effectRef>
+          <a:fontRef idx="minor">
+            <a:schemeClr val="lt1"/>
+          </a:fontRef>
+        </p:style>
+        <p:txBody>
+          <a:bodyPr rtlCol="0" anchor="ctr"/>
+          <a:lstStyle/>
+          <a:p>
+            <a:pPr algn="ctr"/>
+            <a:endParaRPr lang="es-ES"/>
+          </a:p>
+        </p:txBody>
+      </p:sp>
+      <p:sp>
+        <p:nvSpPr>
+          <p:cNvPr id="16" name="Luna 15">
+            <a:extLst>
+              <a:ext uri="{FF2B5EF4-FFF2-40B4-BE49-F238E27FC236}">
+                <a16:creationId xmlns:a16="http://schemas.microsoft.com/office/drawing/2014/main" id="{5857E55F-42F2-E756-02F2-71EFCEB7A22D}"/>
+              </a:ext>
+            </a:extLst>
+          </p:cNvPr>
+          <p:cNvSpPr/>
+          <p:nvPr/>
+        </p:nvSpPr>
+        <p:spPr>
+          <a:xfrm rot="11822084">
+            <a:off x="7730276" y="1536970"/>
+            <a:ext cx="447665" cy="1482902"/>
+          </a:xfrm>
+          <a:prstGeom prst="moon">
+            <a:avLst/>
+          </a:prstGeom>
+          <a:solidFill>
+            <a:srgbClr val="E3DAC9"/>
+          </a:solidFill>
+          <a:ln w="28575">
+            <a:solidFill>
+              <a:schemeClr val="tx1"/>
+            </a:solidFill>
+          </a:ln>
+        </p:spPr>
+        <p:style>
+          <a:lnRef idx="2">
+            <a:schemeClr val="accent1">
+              <a:shade val="15000"/>
+            </a:schemeClr>
+          </a:lnRef>
+          <a:fillRef idx="1">
+            <a:schemeClr val="accent1"/>
+          </a:fillRef>
+          <a:effectRef idx="0">
+            <a:schemeClr val="accent1"/>
+          </a:effectRef>
+          <a:fontRef idx="minor">
+            <a:schemeClr val="lt1"/>
+          </a:fontRef>
+        </p:style>
+        <p:txBody>
+          <a:bodyPr rtlCol="0" anchor="ctr"/>
+          <a:lstStyle/>
+          <a:p>
+            <a:pPr algn="ctr"/>
+            <a:endParaRPr lang="es-ES"/>
+          </a:p>
+        </p:txBody>
+      </p:sp>
+      <p:sp>
+        <p:nvSpPr>
+          <p:cNvPr id="17" name="Luna 16">
+            <a:extLst>
+              <a:ext uri="{FF2B5EF4-FFF2-40B4-BE49-F238E27FC236}">
+                <a16:creationId xmlns:a16="http://schemas.microsoft.com/office/drawing/2014/main" id="{B2344842-6473-C4EB-C152-ECA4607A162F}"/>
+              </a:ext>
+            </a:extLst>
+          </p:cNvPr>
+          <p:cNvSpPr/>
+          <p:nvPr/>
+        </p:nvSpPr>
+        <p:spPr>
+          <a:xfrm rot="12029447">
+            <a:off x="8174108" y="1773171"/>
+            <a:ext cx="434192" cy="1325831"/>
+          </a:xfrm>
+          <a:prstGeom prst="moon">
+            <a:avLst/>
+          </a:prstGeom>
+          <a:solidFill>
+            <a:srgbClr val="E3DAC9"/>
+          </a:solidFill>
+          <a:ln w="28575">
+            <a:solidFill>
+              <a:schemeClr val="tx1"/>
+            </a:solidFill>
+          </a:ln>
+        </p:spPr>
+        <p:style>
+          <a:lnRef idx="2">
+            <a:schemeClr val="accent1">
+              <a:shade val="15000"/>
+            </a:schemeClr>
+          </a:lnRef>
+          <a:fillRef idx="1">
+            <a:schemeClr val="accent1"/>
+          </a:fillRef>
+          <a:effectRef idx="0">
+            <a:schemeClr val="accent1"/>
+          </a:effectRef>
+          <a:fontRef idx="minor">
+            <a:schemeClr val="lt1"/>
+          </a:fontRef>
+        </p:style>
+        <p:txBody>
+          <a:bodyPr rtlCol="0" anchor="ctr"/>
+          <a:lstStyle/>
+          <a:p>
+            <a:pPr algn="ctr"/>
+            <a:endParaRPr lang="es-ES"/>
+          </a:p>
+        </p:txBody>
+      </p:sp>
+      <p:sp>
+        <p:nvSpPr>
+          <p:cNvPr id="20" name="Forma libre: forma 19">
+            <a:extLst>
+              <a:ext uri="{FF2B5EF4-FFF2-40B4-BE49-F238E27FC236}">
+                <a16:creationId xmlns:a16="http://schemas.microsoft.com/office/drawing/2014/main" id="{B093569A-CE97-75F9-0CE5-7A81FC2D506B}"/>
+              </a:ext>
+            </a:extLst>
+          </p:cNvPr>
+          <p:cNvSpPr/>
+          <p:nvPr/>
+        </p:nvSpPr>
+        <p:spPr>
+          <a:xfrm>
+            <a:off x="5150109" y="979326"/>
+            <a:ext cx="141265" cy="1198794"/>
+          </a:xfrm>
+          <a:custGeom>
+            <a:avLst/>
+            <a:gdLst>
+              <a:gd name="connsiteX0" fmla="*/ 0 w 232445"/>
+              <a:gd name="connsiteY0" fmla="*/ 0 h 1683658"/>
+              <a:gd name="connsiteX1" fmla="*/ 232228 w 232445"/>
+              <a:gd name="connsiteY1" fmla="*/ 449943 h 1683658"/>
+              <a:gd name="connsiteX2" fmla="*/ 43543 w 232445"/>
+              <a:gd name="connsiteY2" fmla="*/ 1175658 h 1683658"/>
+              <a:gd name="connsiteX3" fmla="*/ 116114 w 232445"/>
+              <a:gd name="connsiteY3" fmla="*/ 1683658 h 1683658"/>
+              <a:gd name="connsiteX0" fmla="*/ 0 w 232445"/>
+              <a:gd name="connsiteY0" fmla="*/ 0 h 1727201"/>
+              <a:gd name="connsiteX1" fmla="*/ 232228 w 232445"/>
+              <a:gd name="connsiteY1" fmla="*/ 493486 h 1727201"/>
+              <a:gd name="connsiteX2" fmla="*/ 43543 w 232445"/>
+              <a:gd name="connsiteY2" fmla="*/ 1219201 h 1727201"/>
+              <a:gd name="connsiteX3" fmla="*/ 116114 w 232445"/>
+              <a:gd name="connsiteY3" fmla="*/ 1727201 h 1727201"/>
+              <a:gd name="connsiteX0" fmla="*/ 0 w 194131"/>
+              <a:gd name="connsiteY0" fmla="*/ 0 h 1635761"/>
+              <a:gd name="connsiteX1" fmla="*/ 194128 w 194131"/>
+              <a:gd name="connsiteY1" fmla="*/ 402046 h 1635761"/>
+              <a:gd name="connsiteX2" fmla="*/ 5443 w 194131"/>
+              <a:gd name="connsiteY2" fmla="*/ 1127761 h 1635761"/>
+              <a:gd name="connsiteX3" fmla="*/ 78014 w 194131"/>
+              <a:gd name="connsiteY3" fmla="*/ 1635761 h 1635761"/>
+              <a:gd name="connsiteX0" fmla="*/ 0 w 194131"/>
+              <a:gd name="connsiteY0" fmla="*/ 0 h 1635761"/>
+              <a:gd name="connsiteX1" fmla="*/ 194128 w 194131"/>
+              <a:gd name="connsiteY1" fmla="*/ 402046 h 1635761"/>
+              <a:gd name="connsiteX2" fmla="*/ 5443 w 194131"/>
+              <a:gd name="connsiteY2" fmla="*/ 1127761 h 1635761"/>
+              <a:gd name="connsiteX3" fmla="*/ 78014 w 194131"/>
+              <a:gd name="connsiteY3" fmla="*/ 1635761 h 1635761"/>
+            </a:gdLst>
+            <a:ahLst/>
+            <a:cxnLst>
+              <a:cxn ang="0">
+                <a:pos x="connsiteX0" y="connsiteY0"/>
+              </a:cxn>
+              <a:cxn ang="0">
+                <a:pos x="connsiteX1" y="connsiteY1"/>
+              </a:cxn>
+              <a:cxn ang="0">
+                <a:pos x="connsiteX2" y="connsiteY2"/>
+              </a:cxn>
+              <a:cxn ang="0">
+                <a:pos x="connsiteX3" y="connsiteY3"/>
+              </a:cxn>
+            </a:cxnLst>
+            <a:rect l="l" t="t" r="r" b="b"/>
+            <a:pathLst>
+              <a:path w="194131" h="1635761">
+                <a:moveTo>
+                  <a:pt x="0" y="0"/>
+                </a:moveTo>
+                <a:cubicBezTo>
+                  <a:pt x="135345" y="73660"/>
+                  <a:pt x="193221" y="214086"/>
+                  <a:pt x="194128" y="402046"/>
+                </a:cubicBezTo>
+                <a:cubicBezTo>
+                  <a:pt x="195035" y="590006"/>
+                  <a:pt x="24795" y="922142"/>
+                  <a:pt x="5443" y="1127761"/>
+                </a:cubicBezTo>
+                <a:cubicBezTo>
+                  <a:pt x="-13909" y="1333380"/>
+                  <a:pt x="32052" y="1484570"/>
+                  <a:pt x="78014" y="1635761"/>
+                </a:cubicBezTo>
+              </a:path>
+            </a:pathLst>
+          </a:custGeom>
+          <a:noFill/>
+          <a:ln w="114300" cap="rnd">
+            <a:solidFill>
+              <a:srgbClr val="1CEA00"/>
+            </a:solidFill>
+            <a:round/>
+          </a:ln>
+        </p:spPr>
+        <p:style>
+          <a:lnRef idx="2">
+            <a:schemeClr val="accent1">
+              <a:shade val="15000"/>
+            </a:schemeClr>
+          </a:lnRef>
+          <a:fillRef idx="1">
+            <a:schemeClr val="accent1"/>
+          </a:fillRef>
+          <a:effectRef idx="0">
+            <a:schemeClr val="accent1"/>
+          </a:effectRef>
+          <a:fontRef idx="minor">
+            <a:schemeClr val="lt1"/>
+          </a:fontRef>
+        </p:style>
+        <p:txBody>
+          <a:bodyPr rtlCol="0" anchor="ctr"/>
+          <a:lstStyle/>
+          <a:p>
+            <a:pPr algn="ctr"/>
+            <a:endParaRPr lang="es-ES"/>
+          </a:p>
+        </p:txBody>
+      </p:sp>
+      <p:sp>
+        <p:nvSpPr>
+          <p:cNvPr id="21" name="Forma libre: forma 20">
+            <a:extLst>
+              <a:ext uri="{FF2B5EF4-FFF2-40B4-BE49-F238E27FC236}">
+                <a16:creationId xmlns:a16="http://schemas.microsoft.com/office/drawing/2014/main" id="{C32317C5-AE7A-9434-C12C-89B94156D03A}"/>
+              </a:ext>
+            </a:extLst>
+          </p:cNvPr>
+          <p:cNvSpPr/>
+          <p:nvPr/>
+        </p:nvSpPr>
+        <p:spPr>
+          <a:xfrm>
+            <a:off x="5627707" y="439511"/>
+            <a:ext cx="141265" cy="1198794"/>
+          </a:xfrm>
+          <a:custGeom>
+            <a:avLst/>
+            <a:gdLst>
+              <a:gd name="connsiteX0" fmla="*/ 0 w 232445"/>
+              <a:gd name="connsiteY0" fmla="*/ 0 h 1683658"/>
+              <a:gd name="connsiteX1" fmla="*/ 232228 w 232445"/>
+              <a:gd name="connsiteY1" fmla="*/ 449943 h 1683658"/>
+              <a:gd name="connsiteX2" fmla="*/ 43543 w 232445"/>
+              <a:gd name="connsiteY2" fmla="*/ 1175658 h 1683658"/>
+              <a:gd name="connsiteX3" fmla="*/ 116114 w 232445"/>
+              <a:gd name="connsiteY3" fmla="*/ 1683658 h 1683658"/>
+              <a:gd name="connsiteX0" fmla="*/ 0 w 232445"/>
+              <a:gd name="connsiteY0" fmla="*/ 0 h 1727201"/>
+              <a:gd name="connsiteX1" fmla="*/ 232228 w 232445"/>
+              <a:gd name="connsiteY1" fmla="*/ 493486 h 1727201"/>
+              <a:gd name="connsiteX2" fmla="*/ 43543 w 232445"/>
+              <a:gd name="connsiteY2" fmla="*/ 1219201 h 1727201"/>
+              <a:gd name="connsiteX3" fmla="*/ 116114 w 232445"/>
+              <a:gd name="connsiteY3" fmla="*/ 1727201 h 1727201"/>
+              <a:gd name="connsiteX0" fmla="*/ 0 w 194131"/>
+              <a:gd name="connsiteY0" fmla="*/ 0 h 1635761"/>
+              <a:gd name="connsiteX1" fmla="*/ 194128 w 194131"/>
+              <a:gd name="connsiteY1" fmla="*/ 402046 h 1635761"/>
+              <a:gd name="connsiteX2" fmla="*/ 5443 w 194131"/>
+              <a:gd name="connsiteY2" fmla="*/ 1127761 h 1635761"/>
+              <a:gd name="connsiteX3" fmla="*/ 78014 w 194131"/>
+              <a:gd name="connsiteY3" fmla="*/ 1635761 h 1635761"/>
+              <a:gd name="connsiteX0" fmla="*/ 0 w 194131"/>
+              <a:gd name="connsiteY0" fmla="*/ 0 h 1635761"/>
+              <a:gd name="connsiteX1" fmla="*/ 194128 w 194131"/>
+              <a:gd name="connsiteY1" fmla="*/ 402046 h 1635761"/>
+              <a:gd name="connsiteX2" fmla="*/ 5443 w 194131"/>
+              <a:gd name="connsiteY2" fmla="*/ 1127761 h 1635761"/>
+              <a:gd name="connsiteX3" fmla="*/ 78014 w 194131"/>
+              <a:gd name="connsiteY3" fmla="*/ 1635761 h 1635761"/>
+            </a:gdLst>
+            <a:ahLst/>
+            <a:cxnLst>
+              <a:cxn ang="0">
+                <a:pos x="connsiteX0" y="connsiteY0"/>
+              </a:cxn>
+              <a:cxn ang="0">
+                <a:pos x="connsiteX1" y="connsiteY1"/>
+              </a:cxn>
+              <a:cxn ang="0">
+                <a:pos x="connsiteX2" y="connsiteY2"/>
+              </a:cxn>
+              <a:cxn ang="0">
+                <a:pos x="connsiteX3" y="connsiteY3"/>
+              </a:cxn>
+            </a:cxnLst>
+            <a:rect l="l" t="t" r="r" b="b"/>
+            <a:pathLst>
+              <a:path w="194131" h="1635761">
+                <a:moveTo>
+                  <a:pt x="0" y="0"/>
+                </a:moveTo>
+                <a:cubicBezTo>
+                  <a:pt x="135345" y="73660"/>
+                  <a:pt x="193221" y="214086"/>
+                  <a:pt x="194128" y="402046"/>
+                </a:cubicBezTo>
+                <a:cubicBezTo>
+                  <a:pt x="195035" y="590006"/>
+                  <a:pt x="24795" y="922142"/>
+                  <a:pt x="5443" y="1127761"/>
+                </a:cubicBezTo>
+                <a:cubicBezTo>
+                  <a:pt x="-13909" y="1333380"/>
+                  <a:pt x="32052" y="1484570"/>
+                  <a:pt x="78014" y="1635761"/>
+                </a:cubicBezTo>
+              </a:path>
+            </a:pathLst>
+          </a:custGeom>
+          <a:noFill/>
+          <a:ln w="114300" cap="rnd">
+            <a:solidFill>
+              <a:srgbClr val="1CEA00"/>
+            </a:solidFill>
+            <a:round/>
+          </a:ln>
+        </p:spPr>
+        <p:style>
+          <a:lnRef idx="2">
+            <a:schemeClr val="accent1">
+              <a:shade val="15000"/>
+            </a:schemeClr>
+          </a:lnRef>
+          <a:fillRef idx="1">
+            <a:schemeClr val="accent1"/>
+          </a:fillRef>
+          <a:effectRef idx="0">
+            <a:schemeClr val="accent1"/>
+          </a:effectRef>
+          <a:fontRef idx="minor">
+            <a:schemeClr val="lt1"/>
+          </a:fontRef>
+        </p:style>
+        <p:txBody>
+          <a:bodyPr rtlCol="0" anchor="ctr"/>
+          <a:lstStyle/>
+          <a:p>
+            <a:pPr algn="ctr"/>
+            <a:endParaRPr lang="es-ES"/>
+          </a:p>
+        </p:txBody>
+      </p:sp>
+      <p:sp>
+        <p:nvSpPr>
+          <p:cNvPr id="22" name="Forma libre: forma 21">
+            <a:extLst>
+              <a:ext uri="{FF2B5EF4-FFF2-40B4-BE49-F238E27FC236}">
+                <a16:creationId xmlns:a16="http://schemas.microsoft.com/office/drawing/2014/main" id="{5FAF210B-B6B6-2268-54FB-12E2500B914E}"/>
+              </a:ext>
+            </a:extLst>
+          </p:cNvPr>
+          <p:cNvSpPr/>
+          <p:nvPr/>
+        </p:nvSpPr>
+        <p:spPr>
+          <a:xfrm>
+            <a:off x="6513628" y="382286"/>
+            <a:ext cx="141265" cy="1198794"/>
+          </a:xfrm>
+          <a:custGeom>
+            <a:avLst/>
+            <a:gdLst>
+              <a:gd name="connsiteX0" fmla="*/ 0 w 232445"/>
+              <a:gd name="connsiteY0" fmla="*/ 0 h 1683658"/>
+              <a:gd name="connsiteX1" fmla="*/ 232228 w 232445"/>
+              <a:gd name="connsiteY1" fmla="*/ 449943 h 1683658"/>
+              <a:gd name="connsiteX2" fmla="*/ 43543 w 232445"/>
+              <a:gd name="connsiteY2" fmla="*/ 1175658 h 1683658"/>
+              <a:gd name="connsiteX3" fmla="*/ 116114 w 232445"/>
+              <a:gd name="connsiteY3" fmla="*/ 1683658 h 1683658"/>
+              <a:gd name="connsiteX0" fmla="*/ 0 w 232445"/>
+              <a:gd name="connsiteY0" fmla="*/ 0 h 1727201"/>
+              <a:gd name="connsiteX1" fmla="*/ 232228 w 232445"/>
+              <a:gd name="connsiteY1" fmla="*/ 493486 h 1727201"/>
+              <a:gd name="connsiteX2" fmla="*/ 43543 w 232445"/>
+              <a:gd name="connsiteY2" fmla="*/ 1219201 h 1727201"/>
+              <a:gd name="connsiteX3" fmla="*/ 116114 w 232445"/>
+              <a:gd name="connsiteY3" fmla="*/ 1727201 h 1727201"/>
+              <a:gd name="connsiteX0" fmla="*/ 0 w 194131"/>
+              <a:gd name="connsiteY0" fmla="*/ 0 h 1635761"/>
+              <a:gd name="connsiteX1" fmla="*/ 194128 w 194131"/>
+              <a:gd name="connsiteY1" fmla="*/ 402046 h 1635761"/>
+              <a:gd name="connsiteX2" fmla="*/ 5443 w 194131"/>
+              <a:gd name="connsiteY2" fmla="*/ 1127761 h 1635761"/>
+              <a:gd name="connsiteX3" fmla="*/ 78014 w 194131"/>
+              <a:gd name="connsiteY3" fmla="*/ 1635761 h 1635761"/>
+              <a:gd name="connsiteX0" fmla="*/ 0 w 194131"/>
+              <a:gd name="connsiteY0" fmla="*/ 0 h 1635761"/>
+              <a:gd name="connsiteX1" fmla="*/ 194128 w 194131"/>
+              <a:gd name="connsiteY1" fmla="*/ 402046 h 1635761"/>
+              <a:gd name="connsiteX2" fmla="*/ 5443 w 194131"/>
+              <a:gd name="connsiteY2" fmla="*/ 1127761 h 1635761"/>
+              <a:gd name="connsiteX3" fmla="*/ 78014 w 194131"/>
+              <a:gd name="connsiteY3" fmla="*/ 1635761 h 1635761"/>
+            </a:gdLst>
+            <a:ahLst/>
+            <a:cxnLst>
+              <a:cxn ang="0">
+                <a:pos x="connsiteX0" y="connsiteY0"/>
+              </a:cxn>
+              <a:cxn ang="0">
+                <a:pos x="connsiteX1" y="connsiteY1"/>
+              </a:cxn>
+              <a:cxn ang="0">
+                <a:pos x="connsiteX2" y="connsiteY2"/>
+              </a:cxn>
+              <a:cxn ang="0">
+                <a:pos x="connsiteX3" y="connsiteY3"/>
+              </a:cxn>
+            </a:cxnLst>
+            <a:rect l="l" t="t" r="r" b="b"/>
+            <a:pathLst>
+              <a:path w="194131" h="1635761">
+                <a:moveTo>
+                  <a:pt x="0" y="0"/>
+                </a:moveTo>
+                <a:cubicBezTo>
+                  <a:pt x="135345" y="73660"/>
+                  <a:pt x="193221" y="214086"/>
+                  <a:pt x="194128" y="402046"/>
+                </a:cubicBezTo>
+                <a:cubicBezTo>
+                  <a:pt x="195035" y="590006"/>
+                  <a:pt x="24795" y="922142"/>
+                  <a:pt x="5443" y="1127761"/>
+                </a:cubicBezTo>
+                <a:cubicBezTo>
+                  <a:pt x="-13909" y="1333380"/>
+                  <a:pt x="32052" y="1484570"/>
+                  <a:pt x="78014" y="1635761"/>
+                </a:cubicBezTo>
+              </a:path>
+            </a:pathLst>
+          </a:custGeom>
+          <a:noFill/>
+          <a:ln w="114300" cap="rnd">
+            <a:solidFill>
+              <a:srgbClr val="1CEA00"/>
+            </a:solidFill>
+            <a:round/>
+          </a:ln>
+        </p:spPr>
+        <p:style>
+          <a:lnRef idx="2">
+            <a:schemeClr val="accent1">
+              <a:shade val="15000"/>
+            </a:schemeClr>
+          </a:lnRef>
+          <a:fillRef idx="1">
+            <a:schemeClr val="accent1"/>
+          </a:fillRef>
+          <a:effectRef idx="0">
+            <a:schemeClr val="accent1"/>
+          </a:effectRef>
+          <a:fontRef idx="minor">
+            <a:schemeClr val="lt1"/>
+          </a:fontRef>
+        </p:style>
+        <p:txBody>
+          <a:bodyPr rtlCol="0" anchor="ctr"/>
+          <a:lstStyle/>
+          <a:p>
+            <a:pPr algn="ctr"/>
+            <a:endParaRPr lang="es-ES"/>
+          </a:p>
+        </p:txBody>
+      </p:sp>
+      <p:sp>
+        <p:nvSpPr>
+          <p:cNvPr id="23" name="Forma libre: forma 22">
+            <a:extLst>
+              <a:ext uri="{FF2B5EF4-FFF2-40B4-BE49-F238E27FC236}">
+                <a16:creationId xmlns:a16="http://schemas.microsoft.com/office/drawing/2014/main" id="{F8B463E4-027A-E7E4-7857-1175A20D3137}"/>
+              </a:ext>
+            </a:extLst>
+          </p:cNvPr>
+          <p:cNvSpPr/>
+          <p:nvPr/>
+        </p:nvSpPr>
+        <p:spPr>
+          <a:xfrm>
+            <a:off x="6114125" y="523782"/>
+            <a:ext cx="141265" cy="1198794"/>
+          </a:xfrm>
+          <a:custGeom>
+            <a:avLst/>
+            <a:gdLst>
+              <a:gd name="connsiteX0" fmla="*/ 0 w 232445"/>
+              <a:gd name="connsiteY0" fmla="*/ 0 h 1683658"/>
+              <a:gd name="connsiteX1" fmla="*/ 232228 w 232445"/>
+              <a:gd name="connsiteY1" fmla="*/ 449943 h 1683658"/>
+              <a:gd name="connsiteX2" fmla="*/ 43543 w 232445"/>
+              <a:gd name="connsiteY2" fmla="*/ 1175658 h 1683658"/>
+              <a:gd name="connsiteX3" fmla="*/ 116114 w 232445"/>
+              <a:gd name="connsiteY3" fmla="*/ 1683658 h 1683658"/>
+              <a:gd name="connsiteX0" fmla="*/ 0 w 232445"/>
+              <a:gd name="connsiteY0" fmla="*/ 0 h 1727201"/>
+              <a:gd name="connsiteX1" fmla="*/ 232228 w 232445"/>
+              <a:gd name="connsiteY1" fmla="*/ 493486 h 1727201"/>
+              <a:gd name="connsiteX2" fmla="*/ 43543 w 232445"/>
+              <a:gd name="connsiteY2" fmla="*/ 1219201 h 1727201"/>
+              <a:gd name="connsiteX3" fmla="*/ 116114 w 232445"/>
+              <a:gd name="connsiteY3" fmla="*/ 1727201 h 1727201"/>
+              <a:gd name="connsiteX0" fmla="*/ 0 w 194131"/>
+              <a:gd name="connsiteY0" fmla="*/ 0 h 1635761"/>
+              <a:gd name="connsiteX1" fmla="*/ 194128 w 194131"/>
+              <a:gd name="connsiteY1" fmla="*/ 402046 h 1635761"/>
+              <a:gd name="connsiteX2" fmla="*/ 5443 w 194131"/>
+              <a:gd name="connsiteY2" fmla="*/ 1127761 h 1635761"/>
+              <a:gd name="connsiteX3" fmla="*/ 78014 w 194131"/>
+              <a:gd name="connsiteY3" fmla="*/ 1635761 h 1635761"/>
+              <a:gd name="connsiteX0" fmla="*/ 0 w 194131"/>
+              <a:gd name="connsiteY0" fmla="*/ 0 h 1635761"/>
+              <a:gd name="connsiteX1" fmla="*/ 194128 w 194131"/>
+              <a:gd name="connsiteY1" fmla="*/ 402046 h 1635761"/>
+              <a:gd name="connsiteX2" fmla="*/ 5443 w 194131"/>
+              <a:gd name="connsiteY2" fmla="*/ 1127761 h 1635761"/>
+              <a:gd name="connsiteX3" fmla="*/ 78014 w 194131"/>
+              <a:gd name="connsiteY3" fmla="*/ 1635761 h 1635761"/>
+            </a:gdLst>
+            <a:ahLst/>
+            <a:cxnLst>
+              <a:cxn ang="0">
+                <a:pos x="connsiteX0" y="connsiteY0"/>
+              </a:cxn>
+              <a:cxn ang="0">
+                <a:pos x="connsiteX1" y="connsiteY1"/>
+              </a:cxn>
+              <a:cxn ang="0">
+                <a:pos x="connsiteX2" y="connsiteY2"/>
+              </a:cxn>
+              <a:cxn ang="0">
+                <a:pos x="connsiteX3" y="connsiteY3"/>
+              </a:cxn>
+            </a:cxnLst>
+            <a:rect l="l" t="t" r="r" b="b"/>
+            <a:pathLst>
+              <a:path w="194131" h="1635761">
+                <a:moveTo>
+                  <a:pt x="0" y="0"/>
+                </a:moveTo>
+                <a:cubicBezTo>
+                  <a:pt x="135345" y="73660"/>
+                  <a:pt x="193221" y="214086"/>
+                  <a:pt x="194128" y="402046"/>
+                </a:cubicBezTo>
+                <a:cubicBezTo>
+                  <a:pt x="195035" y="590006"/>
+                  <a:pt x="24795" y="922142"/>
+                  <a:pt x="5443" y="1127761"/>
+                </a:cubicBezTo>
+                <a:cubicBezTo>
+                  <a:pt x="-13909" y="1333380"/>
+                  <a:pt x="32052" y="1484570"/>
+                  <a:pt x="78014" y="1635761"/>
+                </a:cubicBezTo>
+              </a:path>
+            </a:pathLst>
+          </a:custGeom>
+          <a:noFill/>
+          <a:ln w="114300" cap="rnd">
+            <a:solidFill>
+              <a:srgbClr val="1CEA00"/>
+            </a:solidFill>
+            <a:round/>
+          </a:ln>
+        </p:spPr>
+        <p:style>
+          <a:lnRef idx="2">
+            <a:schemeClr val="accent1">
+              <a:shade val="15000"/>
+            </a:schemeClr>
+          </a:lnRef>
+          <a:fillRef idx="1">
+            <a:schemeClr val="accent1"/>
+          </a:fillRef>
+          <a:effectRef idx="0">
+            <a:schemeClr val="accent1"/>
+          </a:effectRef>
+          <a:fontRef idx="minor">
+            <a:schemeClr val="lt1"/>
+          </a:fontRef>
+        </p:style>
+        <p:txBody>
+          <a:bodyPr rtlCol="0" anchor="ctr"/>
+          <a:lstStyle/>
+          <a:p>
+            <a:pPr algn="ctr"/>
+            <a:endParaRPr lang="es-ES"/>
+          </a:p>
+        </p:txBody>
+      </p:sp>
+      <p:sp>
+        <p:nvSpPr>
+          <p:cNvPr id="24" name="Forma libre: forma 23">
+            <a:extLst>
+              <a:ext uri="{FF2B5EF4-FFF2-40B4-BE49-F238E27FC236}">
+                <a16:creationId xmlns:a16="http://schemas.microsoft.com/office/drawing/2014/main" id="{C85C19F7-ABBE-75FA-DFE6-0398971464EC}"/>
+              </a:ext>
+            </a:extLst>
+          </p:cNvPr>
+          <p:cNvSpPr/>
+          <p:nvPr/>
+        </p:nvSpPr>
+        <p:spPr>
+          <a:xfrm>
+            <a:off x="6973925" y="97394"/>
+            <a:ext cx="141265" cy="1490988"/>
+          </a:xfrm>
+          <a:custGeom>
+            <a:avLst/>
+            <a:gdLst>
+              <a:gd name="connsiteX0" fmla="*/ 0 w 232445"/>
+              <a:gd name="connsiteY0" fmla="*/ 0 h 1683658"/>
+              <a:gd name="connsiteX1" fmla="*/ 232228 w 232445"/>
+              <a:gd name="connsiteY1" fmla="*/ 449943 h 1683658"/>
+              <a:gd name="connsiteX2" fmla="*/ 43543 w 232445"/>
+              <a:gd name="connsiteY2" fmla="*/ 1175658 h 1683658"/>
+              <a:gd name="connsiteX3" fmla="*/ 116114 w 232445"/>
+              <a:gd name="connsiteY3" fmla="*/ 1683658 h 1683658"/>
+              <a:gd name="connsiteX0" fmla="*/ 0 w 232445"/>
+              <a:gd name="connsiteY0" fmla="*/ 0 h 1727201"/>
+              <a:gd name="connsiteX1" fmla="*/ 232228 w 232445"/>
+              <a:gd name="connsiteY1" fmla="*/ 493486 h 1727201"/>
+              <a:gd name="connsiteX2" fmla="*/ 43543 w 232445"/>
+              <a:gd name="connsiteY2" fmla="*/ 1219201 h 1727201"/>
+              <a:gd name="connsiteX3" fmla="*/ 116114 w 232445"/>
+              <a:gd name="connsiteY3" fmla="*/ 1727201 h 1727201"/>
+              <a:gd name="connsiteX0" fmla="*/ 0 w 194131"/>
+              <a:gd name="connsiteY0" fmla="*/ 0 h 1635761"/>
+              <a:gd name="connsiteX1" fmla="*/ 194128 w 194131"/>
+              <a:gd name="connsiteY1" fmla="*/ 402046 h 1635761"/>
+              <a:gd name="connsiteX2" fmla="*/ 5443 w 194131"/>
+              <a:gd name="connsiteY2" fmla="*/ 1127761 h 1635761"/>
+              <a:gd name="connsiteX3" fmla="*/ 78014 w 194131"/>
+              <a:gd name="connsiteY3" fmla="*/ 1635761 h 1635761"/>
+              <a:gd name="connsiteX0" fmla="*/ 0 w 194131"/>
+              <a:gd name="connsiteY0" fmla="*/ 0 h 1635761"/>
+              <a:gd name="connsiteX1" fmla="*/ 194128 w 194131"/>
+              <a:gd name="connsiteY1" fmla="*/ 402046 h 1635761"/>
+              <a:gd name="connsiteX2" fmla="*/ 5443 w 194131"/>
+              <a:gd name="connsiteY2" fmla="*/ 1127761 h 1635761"/>
+              <a:gd name="connsiteX3" fmla="*/ 78014 w 194131"/>
+              <a:gd name="connsiteY3" fmla="*/ 1635761 h 1635761"/>
+            </a:gdLst>
+            <a:ahLst/>
+            <a:cxnLst>
+              <a:cxn ang="0">
+                <a:pos x="connsiteX0" y="connsiteY0"/>
+              </a:cxn>
+              <a:cxn ang="0">
+                <a:pos x="connsiteX1" y="connsiteY1"/>
+              </a:cxn>
+              <a:cxn ang="0">
+                <a:pos x="connsiteX2" y="connsiteY2"/>
+              </a:cxn>
+              <a:cxn ang="0">
+                <a:pos x="connsiteX3" y="connsiteY3"/>
+              </a:cxn>
+            </a:cxnLst>
+            <a:rect l="l" t="t" r="r" b="b"/>
+            <a:pathLst>
+              <a:path w="194131" h="1635761">
+                <a:moveTo>
+                  <a:pt x="0" y="0"/>
+                </a:moveTo>
+                <a:cubicBezTo>
+                  <a:pt x="135345" y="73660"/>
+                  <a:pt x="193221" y="214086"/>
+                  <a:pt x="194128" y="402046"/>
+                </a:cubicBezTo>
+                <a:cubicBezTo>
+                  <a:pt x="195035" y="590006"/>
+                  <a:pt x="24795" y="922142"/>
+                  <a:pt x="5443" y="1127761"/>
+                </a:cubicBezTo>
+                <a:cubicBezTo>
+                  <a:pt x="-13909" y="1333380"/>
+                  <a:pt x="32052" y="1484570"/>
+                  <a:pt x="78014" y="1635761"/>
+                </a:cubicBezTo>
+              </a:path>
+            </a:pathLst>
+          </a:custGeom>
+          <a:noFill/>
+          <a:ln w="114300" cap="rnd">
+            <a:solidFill>
+              <a:srgbClr val="1CEA00"/>
+            </a:solidFill>
+            <a:round/>
+          </a:ln>
+        </p:spPr>
+        <p:style>
+          <a:lnRef idx="2">
+            <a:schemeClr val="accent1">
+              <a:shade val="15000"/>
+            </a:schemeClr>
+          </a:lnRef>
+          <a:fillRef idx="1">
+            <a:schemeClr val="accent1"/>
+          </a:fillRef>
+          <a:effectRef idx="0">
+            <a:schemeClr val="accent1"/>
+          </a:effectRef>
+          <a:fontRef idx="minor">
+            <a:schemeClr val="lt1"/>
+          </a:fontRef>
+        </p:style>
+        <p:txBody>
+          <a:bodyPr rtlCol="0" anchor="ctr"/>
+          <a:lstStyle/>
+          <a:p>
+            <a:pPr algn="ctr"/>
+            <a:endParaRPr lang="es-ES"/>
+          </a:p>
+        </p:txBody>
+      </p:sp>
+      <p:sp>
+        <p:nvSpPr>
+          <p:cNvPr id="25" name="Forma libre: forma 24">
+            <a:extLst>
+              <a:ext uri="{FF2B5EF4-FFF2-40B4-BE49-F238E27FC236}">
+                <a16:creationId xmlns:a16="http://schemas.microsoft.com/office/drawing/2014/main" id="{A62C0E5E-F24A-452A-8F38-605C0D29F82E}"/>
+              </a:ext>
+            </a:extLst>
+          </p:cNvPr>
+          <p:cNvSpPr/>
+          <p:nvPr/>
+        </p:nvSpPr>
+        <p:spPr>
+          <a:xfrm>
+            <a:off x="8253377" y="551520"/>
+            <a:ext cx="141265" cy="1490988"/>
+          </a:xfrm>
+          <a:custGeom>
+            <a:avLst/>
+            <a:gdLst>
+              <a:gd name="connsiteX0" fmla="*/ 0 w 232445"/>
+              <a:gd name="connsiteY0" fmla="*/ 0 h 1683658"/>
+              <a:gd name="connsiteX1" fmla="*/ 232228 w 232445"/>
+              <a:gd name="connsiteY1" fmla="*/ 449943 h 1683658"/>
+              <a:gd name="connsiteX2" fmla="*/ 43543 w 232445"/>
+              <a:gd name="connsiteY2" fmla="*/ 1175658 h 1683658"/>
+              <a:gd name="connsiteX3" fmla="*/ 116114 w 232445"/>
+              <a:gd name="connsiteY3" fmla="*/ 1683658 h 1683658"/>
+              <a:gd name="connsiteX0" fmla="*/ 0 w 232445"/>
+              <a:gd name="connsiteY0" fmla="*/ 0 h 1727201"/>
+              <a:gd name="connsiteX1" fmla="*/ 232228 w 232445"/>
+              <a:gd name="connsiteY1" fmla="*/ 493486 h 1727201"/>
+              <a:gd name="connsiteX2" fmla="*/ 43543 w 232445"/>
+              <a:gd name="connsiteY2" fmla="*/ 1219201 h 1727201"/>
+              <a:gd name="connsiteX3" fmla="*/ 116114 w 232445"/>
+              <a:gd name="connsiteY3" fmla="*/ 1727201 h 1727201"/>
+              <a:gd name="connsiteX0" fmla="*/ 0 w 194131"/>
+              <a:gd name="connsiteY0" fmla="*/ 0 h 1635761"/>
+              <a:gd name="connsiteX1" fmla="*/ 194128 w 194131"/>
+              <a:gd name="connsiteY1" fmla="*/ 402046 h 1635761"/>
+              <a:gd name="connsiteX2" fmla="*/ 5443 w 194131"/>
+              <a:gd name="connsiteY2" fmla="*/ 1127761 h 1635761"/>
+              <a:gd name="connsiteX3" fmla="*/ 78014 w 194131"/>
+              <a:gd name="connsiteY3" fmla="*/ 1635761 h 1635761"/>
+              <a:gd name="connsiteX0" fmla="*/ 0 w 194131"/>
+              <a:gd name="connsiteY0" fmla="*/ 0 h 1635761"/>
+              <a:gd name="connsiteX1" fmla="*/ 194128 w 194131"/>
+              <a:gd name="connsiteY1" fmla="*/ 402046 h 1635761"/>
+              <a:gd name="connsiteX2" fmla="*/ 5443 w 194131"/>
+              <a:gd name="connsiteY2" fmla="*/ 1127761 h 1635761"/>
+              <a:gd name="connsiteX3" fmla="*/ 78014 w 194131"/>
+              <a:gd name="connsiteY3" fmla="*/ 1635761 h 1635761"/>
+            </a:gdLst>
+            <a:ahLst/>
+            <a:cxnLst>
+              <a:cxn ang="0">
+                <a:pos x="connsiteX0" y="connsiteY0"/>
+              </a:cxn>
+              <a:cxn ang="0">
+                <a:pos x="connsiteX1" y="connsiteY1"/>
+              </a:cxn>
+              <a:cxn ang="0">
+                <a:pos x="connsiteX2" y="connsiteY2"/>
+              </a:cxn>
+              <a:cxn ang="0">
+                <a:pos x="connsiteX3" y="connsiteY3"/>
+              </a:cxn>
+            </a:cxnLst>
+            <a:rect l="l" t="t" r="r" b="b"/>
+            <a:pathLst>
+              <a:path w="194131" h="1635761">
+                <a:moveTo>
+                  <a:pt x="0" y="0"/>
+                </a:moveTo>
+                <a:cubicBezTo>
+                  <a:pt x="135345" y="73660"/>
+                  <a:pt x="193221" y="214086"/>
+                  <a:pt x="194128" y="402046"/>
+                </a:cubicBezTo>
+                <a:cubicBezTo>
+                  <a:pt x="195035" y="590006"/>
+                  <a:pt x="24795" y="922142"/>
+                  <a:pt x="5443" y="1127761"/>
+                </a:cubicBezTo>
+                <a:cubicBezTo>
+                  <a:pt x="-13909" y="1333380"/>
+                  <a:pt x="32052" y="1484570"/>
+                  <a:pt x="78014" y="1635761"/>
+                </a:cubicBezTo>
+              </a:path>
+            </a:pathLst>
+          </a:custGeom>
+          <a:noFill/>
+          <a:ln w="114300" cap="rnd">
+            <a:solidFill>
+              <a:srgbClr val="1CEA00"/>
+            </a:solidFill>
+            <a:round/>
+          </a:ln>
+        </p:spPr>
+        <p:style>
+          <a:lnRef idx="2">
+            <a:schemeClr val="accent1">
+              <a:shade val="15000"/>
+            </a:schemeClr>
+          </a:lnRef>
+          <a:fillRef idx="1">
+            <a:schemeClr val="accent1"/>
+          </a:fillRef>
+          <a:effectRef idx="0">
+            <a:schemeClr val="accent1"/>
+          </a:effectRef>
+          <a:fontRef idx="minor">
+            <a:schemeClr val="lt1"/>
+          </a:fontRef>
+        </p:style>
+        <p:txBody>
+          <a:bodyPr rtlCol="0" anchor="ctr"/>
+          <a:lstStyle/>
+          <a:p>
+            <a:pPr algn="ctr"/>
+            <a:endParaRPr lang="es-ES"/>
+          </a:p>
+        </p:txBody>
+      </p:sp>
+      <p:sp>
+        <p:nvSpPr>
+          <p:cNvPr id="26" name="Forma libre: forma 25">
+            <a:extLst>
+              <a:ext uri="{FF2B5EF4-FFF2-40B4-BE49-F238E27FC236}">
+                <a16:creationId xmlns:a16="http://schemas.microsoft.com/office/drawing/2014/main" id="{7980CA12-3B3B-3134-108A-A3E3E2054499}"/>
+              </a:ext>
+            </a:extLst>
+          </p:cNvPr>
+          <p:cNvSpPr/>
+          <p:nvPr/>
+        </p:nvSpPr>
+        <p:spPr>
+          <a:xfrm>
+            <a:off x="7419397" y="517979"/>
+            <a:ext cx="141265" cy="1198794"/>
+          </a:xfrm>
+          <a:custGeom>
+            <a:avLst/>
+            <a:gdLst>
+              <a:gd name="connsiteX0" fmla="*/ 0 w 232445"/>
+              <a:gd name="connsiteY0" fmla="*/ 0 h 1683658"/>
+              <a:gd name="connsiteX1" fmla="*/ 232228 w 232445"/>
+              <a:gd name="connsiteY1" fmla="*/ 449943 h 1683658"/>
+              <a:gd name="connsiteX2" fmla="*/ 43543 w 232445"/>
+              <a:gd name="connsiteY2" fmla="*/ 1175658 h 1683658"/>
+              <a:gd name="connsiteX3" fmla="*/ 116114 w 232445"/>
+              <a:gd name="connsiteY3" fmla="*/ 1683658 h 1683658"/>
+              <a:gd name="connsiteX0" fmla="*/ 0 w 232445"/>
+              <a:gd name="connsiteY0" fmla="*/ 0 h 1727201"/>
+              <a:gd name="connsiteX1" fmla="*/ 232228 w 232445"/>
+              <a:gd name="connsiteY1" fmla="*/ 493486 h 1727201"/>
+              <a:gd name="connsiteX2" fmla="*/ 43543 w 232445"/>
+              <a:gd name="connsiteY2" fmla="*/ 1219201 h 1727201"/>
+              <a:gd name="connsiteX3" fmla="*/ 116114 w 232445"/>
+              <a:gd name="connsiteY3" fmla="*/ 1727201 h 1727201"/>
+              <a:gd name="connsiteX0" fmla="*/ 0 w 194131"/>
+              <a:gd name="connsiteY0" fmla="*/ 0 h 1635761"/>
+              <a:gd name="connsiteX1" fmla="*/ 194128 w 194131"/>
+              <a:gd name="connsiteY1" fmla="*/ 402046 h 1635761"/>
+              <a:gd name="connsiteX2" fmla="*/ 5443 w 194131"/>
+              <a:gd name="connsiteY2" fmla="*/ 1127761 h 1635761"/>
+              <a:gd name="connsiteX3" fmla="*/ 78014 w 194131"/>
+              <a:gd name="connsiteY3" fmla="*/ 1635761 h 1635761"/>
+              <a:gd name="connsiteX0" fmla="*/ 0 w 194131"/>
+              <a:gd name="connsiteY0" fmla="*/ 0 h 1635761"/>
+              <a:gd name="connsiteX1" fmla="*/ 194128 w 194131"/>
+              <a:gd name="connsiteY1" fmla="*/ 402046 h 1635761"/>
+              <a:gd name="connsiteX2" fmla="*/ 5443 w 194131"/>
+              <a:gd name="connsiteY2" fmla="*/ 1127761 h 1635761"/>
+              <a:gd name="connsiteX3" fmla="*/ 78014 w 194131"/>
+              <a:gd name="connsiteY3" fmla="*/ 1635761 h 1635761"/>
+            </a:gdLst>
+            <a:ahLst/>
+            <a:cxnLst>
+              <a:cxn ang="0">
+                <a:pos x="connsiteX0" y="connsiteY0"/>
+              </a:cxn>
+              <a:cxn ang="0">
+                <a:pos x="connsiteX1" y="connsiteY1"/>
+              </a:cxn>
+              <a:cxn ang="0">
+                <a:pos x="connsiteX2" y="connsiteY2"/>
+              </a:cxn>
+              <a:cxn ang="0">
+                <a:pos x="connsiteX3" y="connsiteY3"/>
+              </a:cxn>
+            </a:cxnLst>
+            <a:rect l="l" t="t" r="r" b="b"/>
+            <a:pathLst>
+              <a:path w="194131" h="1635761">
+                <a:moveTo>
+                  <a:pt x="0" y="0"/>
+                </a:moveTo>
+                <a:cubicBezTo>
+                  <a:pt x="135345" y="73660"/>
+                  <a:pt x="193221" y="214086"/>
+                  <a:pt x="194128" y="402046"/>
+                </a:cubicBezTo>
+                <a:cubicBezTo>
+                  <a:pt x="195035" y="590006"/>
+                  <a:pt x="24795" y="922142"/>
+                  <a:pt x="5443" y="1127761"/>
+                </a:cubicBezTo>
+                <a:cubicBezTo>
+                  <a:pt x="-13909" y="1333380"/>
+                  <a:pt x="32052" y="1484570"/>
+                  <a:pt x="78014" y="1635761"/>
+                </a:cubicBezTo>
+              </a:path>
+            </a:pathLst>
+          </a:custGeom>
+          <a:noFill/>
+          <a:ln w="114300" cap="rnd">
+            <a:solidFill>
+              <a:srgbClr val="1CEA00"/>
+            </a:solidFill>
+            <a:round/>
+          </a:ln>
+        </p:spPr>
+        <p:style>
+          <a:lnRef idx="2">
+            <a:schemeClr val="accent1">
+              <a:shade val="15000"/>
+            </a:schemeClr>
+          </a:lnRef>
+          <a:fillRef idx="1">
+            <a:schemeClr val="accent1"/>
+          </a:fillRef>
+          <a:effectRef idx="0">
+            <a:schemeClr val="accent1"/>
+          </a:effectRef>
+          <a:fontRef idx="minor">
+            <a:schemeClr val="lt1"/>
+          </a:fontRef>
+        </p:style>
+        <p:txBody>
+          <a:bodyPr rtlCol="0" anchor="ctr"/>
+          <a:lstStyle/>
+          <a:p>
+            <a:pPr algn="ctr"/>
+            <a:endParaRPr lang="es-ES"/>
+          </a:p>
+        </p:txBody>
+      </p:sp>
+      <p:sp>
+        <p:nvSpPr>
+          <p:cNvPr id="27" name="Forma libre: forma 26">
+            <a:extLst>
+              <a:ext uri="{FF2B5EF4-FFF2-40B4-BE49-F238E27FC236}">
+                <a16:creationId xmlns:a16="http://schemas.microsoft.com/office/drawing/2014/main" id="{25A6875C-E994-94BA-70E8-18539BC0DF3F}"/>
+              </a:ext>
+            </a:extLst>
+          </p:cNvPr>
+          <p:cNvSpPr/>
+          <p:nvPr/>
+        </p:nvSpPr>
+        <p:spPr>
+          <a:xfrm>
+            <a:off x="7876677" y="793585"/>
+            <a:ext cx="111072" cy="1176736"/>
+          </a:xfrm>
+          <a:custGeom>
+            <a:avLst/>
+            <a:gdLst>
+              <a:gd name="connsiteX0" fmla="*/ 0 w 232445"/>
+              <a:gd name="connsiteY0" fmla="*/ 0 h 1683658"/>
+              <a:gd name="connsiteX1" fmla="*/ 232228 w 232445"/>
+              <a:gd name="connsiteY1" fmla="*/ 449943 h 1683658"/>
+              <a:gd name="connsiteX2" fmla="*/ 43543 w 232445"/>
+              <a:gd name="connsiteY2" fmla="*/ 1175658 h 1683658"/>
+              <a:gd name="connsiteX3" fmla="*/ 116114 w 232445"/>
+              <a:gd name="connsiteY3" fmla="*/ 1683658 h 1683658"/>
+              <a:gd name="connsiteX0" fmla="*/ 0 w 232445"/>
+              <a:gd name="connsiteY0" fmla="*/ 0 h 1727201"/>
+              <a:gd name="connsiteX1" fmla="*/ 232228 w 232445"/>
+              <a:gd name="connsiteY1" fmla="*/ 493486 h 1727201"/>
+              <a:gd name="connsiteX2" fmla="*/ 43543 w 232445"/>
+              <a:gd name="connsiteY2" fmla="*/ 1219201 h 1727201"/>
+              <a:gd name="connsiteX3" fmla="*/ 116114 w 232445"/>
+              <a:gd name="connsiteY3" fmla="*/ 1727201 h 1727201"/>
+              <a:gd name="connsiteX0" fmla="*/ 0 w 194131"/>
+              <a:gd name="connsiteY0" fmla="*/ 0 h 1635761"/>
+              <a:gd name="connsiteX1" fmla="*/ 194128 w 194131"/>
+              <a:gd name="connsiteY1" fmla="*/ 402046 h 1635761"/>
+              <a:gd name="connsiteX2" fmla="*/ 5443 w 194131"/>
+              <a:gd name="connsiteY2" fmla="*/ 1127761 h 1635761"/>
+              <a:gd name="connsiteX3" fmla="*/ 78014 w 194131"/>
+              <a:gd name="connsiteY3" fmla="*/ 1635761 h 1635761"/>
+              <a:gd name="connsiteX0" fmla="*/ 0 w 194131"/>
+              <a:gd name="connsiteY0" fmla="*/ 0 h 1635761"/>
+              <a:gd name="connsiteX1" fmla="*/ 194128 w 194131"/>
+              <a:gd name="connsiteY1" fmla="*/ 402046 h 1635761"/>
+              <a:gd name="connsiteX2" fmla="*/ 5443 w 194131"/>
+              <a:gd name="connsiteY2" fmla="*/ 1127761 h 1635761"/>
+              <a:gd name="connsiteX3" fmla="*/ 78014 w 194131"/>
+              <a:gd name="connsiteY3" fmla="*/ 1635761 h 1635761"/>
+            </a:gdLst>
+            <a:ahLst/>
+            <a:cxnLst>
+              <a:cxn ang="0">
+                <a:pos x="connsiteX0" y="connsiteY0"/>
+              </a:cxn>
+              <a:cxn ang="0">
+                <a:pos x="connsiteX1" y="connsiteY1"/>
+              </a:cxn>
+              <a:cxn ang="0">
+                <a:pos x="connsiteX2" y="connsiteY2"/>
+              </a:cxn>
+              <a:cxn ang="0">
+                <a:pos x="connsiteX3" y="connsiteY3"/>
+              </a:cxn>
+            </a:cxnLst>
+            <a:rect l="l" t="t" r="r" b="b"/>
+            <a:pathLst>
+              <a:path w="194131" h="1635761">
+                <a:moveTo>
+                  <a:pt x="0" y="0"/>
+                </a:moveTo>
+                <a:cubicBezTo>
+                  <a:pt x="135345" y="73660"/>
+                  <a:pt x="193221" y="214086"/>
+                  <a:pt x="194128" y="402046"/>
+                </a:cubicBezTo>
+                <a:cubicBezTo>
+                  <a:pt x="195035" y="590006"/>
+                  <a:pt x="24795" y="922142"/>
+                  <a:pt x="5443" y="1127761"/>
+                </a:cubicBezTo>
+                <a:cubicBezTo>
+                  <a:pt x="-13909" y="1333380"/>
+                  <a:pt x="32052" y="1484570"/>
+                  <a:pt x="78014" y="1635761"/>
+                </a:cubicBezTo>
+              </a:path>
+            </a:pathLst>
+          </a:custGeom>
+          <a:noFill/>
+          <a:ln w="114300" cap="rnd">
+            <a:solidFill>
+              <a:srgbClr val="1CEA00"/>
+            </a:solidFill>
+            <a:round/>
+          </a:ln>
+        </p:spPr>
+        <p:style>
+          <a:lnRef idx="2">
+            <a:schemeClr val="accent1">
+              <a:shade val="15000"/>
+            </a:schemeClr>
+          </a:lnRef>
+          <a:fillRef idx="1">
+            <a:schemeClr val="accent1"/>
+          </a:fillRef>
+          <a:effectRef idx="0">
+            <a:schemeClr val="accent1"/>
+          </a:effectRef>
+          <a:fontRef idx="minor">
+            <a:schemeClr val="lt1"/>
+          </a:fontRef>
+        </p:style>
+        <p:txBody>
+          <a:bodyPr rtlCol="0" anchor="ctr"/>
+          <a:lstStyle/>
+          <a:p>
+            <a:pPr algn="ctr"/>
+            <a:endParaRPr lang="es-ES"/>
+          </a:p>
+        </p:txBody>
+      </p:sp>
+      <p:sp>
+        <p:nvSpPr>
+          <p:cNvPr id="30" name="Forma libre: forma 29">
+            <a:extLst>
+              <a:ext uri="{FF2B5EF4-FFF2-40B4-BE49-F238E27FC236}">
+                <a16:creationId xmlns:a16="http://schemas.microsoft.com/office/drawing/2014/main" id="{AB35B21C-D480-F560-7BCC-A1A89FA236D9}"/>
+              </a:ext>
+            </a:extLst>
+          </p:cNvPr>
+          <p:cNvSpPr/>
+          <p:nvPr/>
+        </p:nvSpPr>
+        <p:spPr>
+          <a:xfrm>
+            <a:off x="4973711" y="1904370"/>
+            <a:ext cx="3913106" cy="933047"/>
+          </a:xfrm>
+          <a:custGeom>
+            <a:avLst/>
+            <a:gdLst>
+              <a:gd name="connsiteX0" fmla="*/ 0 w 6120580"/>
+              <a:gd name="connsiteY0" fmla="*/ 1193942 h 1326677"/>
+              <a:gd name="connsiteX1" fmla="*/ 943896 w 6120580"/>
+              <a:gd name="connsiteY1" fmla="*/ 397529 h 1326677"/>
+              <a:gd name="connsiteX2" fmla="*/ 2433483 w 6120580"/>
+              <a:gd name="connsiteY2" fmla="*/ 28819 h 1326677"/>
+              <a:gd name="connsiteX3" fmla="*/ 3864077 w 6120580"/>
+              <a:gd name="connsiteY3" fmla="*/ 117310 h 1326677"/>
+              <a:gd name="connsiteX4" fmla="*/ 5427406 w 6120580"/>
+              <a:gd name="connsiteY4" fmla="*/ 854729 h 1326677"/>
+              <a:gd name="connsiteX5" fmla="*/ 6120580 w 6120580"/>
+              <a:gd name="connsiteY5" fmla="*/ 1326677 h 1326677"/>
+            </a:gdLst>
+            <a:ahLst/>
+            <a:cxnLst>
+              <a:cxn ang="0">
+                <a:pos x="connsiteX0" y="connsiteY0"/>
+              </a:cxn>
+              <a:cxn ang="0">
+                <a:pos x="connsiteX1" y="connsiteY1"/>
+              </a:cxn>
+              <a:cxn ang="0">
+                <a:pos x="connsiteX2" y="connsiteY2"/>
+              </a:cxn>
+              <a:cxn ang="0">
+                <a:pos x="connsiteX3" y="connsiteY3"/>
+              </a:cxn>
+              <a:cxn ang="0">
+                <a:pos x="connsiteX4" y="connsiteY4"/>
+              </a:cxn>
+              <a:cxn ang="0">
+                <a:pos x="connsiteX5" y="connsiteY5"/>
+              </a:cxn>
+            </a:cxnLst>
+            <a:rect l="l" t="t" r="r" b="b"/>
+            <a:pathLst>
+              <a:path w="6120580" h="1326677">
+                <a:moveTo>
+                  <a:pt x="0" y="1193942"/>
+                </a:moveTo>
+                <a:cubicBezTo>
+                  <a:pt x="269158" y="892829"/>
+                  <a:pt x="538316" y="591716"/>
+                  <a:pt x="943896" y="397529"/>
+                </a:cubicBezTo>
+                <a:cubicBezTo>
+                  <a:pt x="1349476" y="203342"/>
+                  <a:pt x="1946786" y="75522"/>
+                  <a:pt x="2433483" y="28819"/>
+                </a:cubicBezTo>
+                <a:cubicBezTo>
+                  <a:pt x="2920180" y="-17884"/>
+                  <a:pt x="3365090" y="-20342"/>
+                  <a:pt x="3864077" y="117310"/>
+                </a:cubicBezTo>
+                <a:cubicBezTo>
+                  <a:pt x="4363064" y="254962"/>
+                  <a:pt x="5051322" y="653168"/>
+                  <a:pt x="5427406" y="854729"/>
+                </a:cubicBezTo>
+                <a:cubicBezTo>
+                  <a:pt x="5803490" y="1056290"/>
+                  <a:pt x="5962035" y="1191483"/>
+                  <a:pt x="6120580" y="1326677"/>
+                </a:cubicBezTo>
+              </a:path>
+            </a:pathLst>
+          </a:custGeom>
+          <a:noFill/>
+          <a:ln w="273050">
+            <a:solidFill>
+              <a:srgbClr val="E3DAC9"/>
+            </a:solidFill>
+          </a:ln>
+        </p:spPr>
+        <p:style>
+          <a:lnRef idx="2">
+            <a:schemeClr val="accent1">
+              <a:shade val="15000"/>
+            </a:schemeClr>
+          </a:lnRef>
+          <a:fillRef idx="1">
+            <a:schemeClr val="accent1"/>
+          </a:fillRef>
+          <a:effectRef idx="0">
+            <a:schemeClr val="accent1"/>
+          </a:effectRef>
+          <a:fontRef idx="minor">
+            <a:schemeClr val="lt1"/>
+          </a:fontRef>
+        </p:style>
+        <p:txBody>
+          <a:bodyPr rtlCol="0" anchor="ctr"/>
+          <a:lstStyle/>
+          <a:p>
+            <a:pPr algn="ctr"/>
+            <a:endParaRPr lang="es-ES"/>
+          </a:p>
+        </p:txBody>
+      </p:sp>
+      <p:sp>
+        <p:nvSpPr>
+          <p:cNvPr id="2" name="Círculo parcial 1">
+            <a:extLst>
+              <a:ext uri="{FF2B5EF4-FFF2-40B4-BE49-F238E27FC236}">
+                <a16:creationId xmlns:a16="http://schemas.microsoft.com/office/drawing/2014/main" id="{202BECB9-A4F0-B269-5105-11144188DF41}"/>
+              </a:ext>
+            </a:extLst>
+          </p:cNvPr>
+          <p:cNvSpPr/>
+          <p:nvPr/>
+        </p:nvSpPr>
+        <p:spPr>
+          <a:xfrm>
+            <a:off x="4121936" y="2378575"/>
+            <a:ext cx="1540186" cy="1603489"/>
+          </a:xfrm>
+          <a:custGeom>
+            <a:avLst/>
+            <a:gdLst>
+              <a:gd name="connsiteX0" fmla="*/ 1722108 w 3215148"/>
+              <a:gd name="connsiteY0" fmla="*/ 4085 h 3215148"/>
+              <a:gd name="connsiteX1" fmla="*/ 3110651 w 3215148"/>
+              <a:gd name="connsiteY1" fmla="*/ 1037441 h 3215148"/>
+              <a:gd name="connsiteX2" fmla="*/ 1607574 w 3215148"/>
+              <a:gd name="connsiteY2" fmla="*/ 1607574 h 3215148"/>
+              <a:gd name="connsiteX3" fmla="*/ 1722108 w 3215148"/>
+              <a:gd name="connsiteY3" fmla="*/ 4085 h 3215148"/>
+              <a:gd name="connsiteX0" fmla="*/ 114534 w 1503077"/>
+              <a:gd name="connsiteY0" fmla="*/ 0 h 1603489"/>
+              <a:gd name="connsiteX1" fmla="*/ 1503077 w 1503077"/>
+              <a:gd name="connsiteY1" fmla="*/ 1033356 h 1603489"/>
+              <a:gd name="connsiteX2" fmla="*/ 0 w 1503077"/>
+              <a:gd name="connsiteY2" fmla="*/ 1603489 h 1603489"/>
+              <a:gd name="connsiteX3" fmla="*/ 114534 w 1503077"/>
+              <a:gd name="connsiteY3" fmla="*/ 0 h 1603489"/>
+              <a:gd name="connsiteX0" fmla="*/ 142915 w 1531458"/>
+              <a:gd name="connsiteY0" fmla="*/ 0 h 1603489"/>
+              <a:gd name="connsiteX1" fmla="*/ 1531458 w 1531458"/>
+              <a:gd name="connsiteY1" fmla="*/ 1033356 h 1603489"/>
+              <a:gd name="connsiteX2" fmla="*/ 28381 w 1531458"/>
+              <a:gd name="connsiteY2" fmla="*/ 1603489 h 1603489"/>
+              <a:gd name="connsiteX3" fmla="*/ 142915 w 1531458"/>
+              <a:gd name="connsiteY3" fmla="*/ 0 h 1603489"/>
+              <a:gd name="connsiteX0" fmla="*/ 142915 w 1531458"/>
+              <a:gd name="connsiteY0" fmla="*/ 0 h 1603489"/>
+              <a:gd name="connsiteX1" fmla="*/ 1531458 w 1531458"/>
+              <a:gd name="connsiteY1" fmla="*/ 1033356 h 1603489"/>
+              <a:gd name="connsiteX2" fmla="*/ 28381 w 1531458"/>
+              <a:gd name="connsiteY2" fmla="*/ 1603489 h 1603489"/>
+              <a:gd name="connsiteX3" fmla="*/ 142915 w 1531458"/>
+              <a:gd name="connsiteY3" fmla="*/ 0 h 1603489"/>
+              <a:gd name="connsiteX0" fmla="*/ 170379 w 1558922"/>
+              <a:gd name="connsiteY0" fmla="*/ 0 h 1603489"/>
+              <a:gd name="connsiteX1" fmla="*/ 1558922 w 1558922"/>
+              <a:gd name="connsiteY1" fmla="*/ 1033356 h 1603489"/>
+              <a:gd name="connsiteX2" fmla="*/ 55845 w 1558922"/>
+              <a:gd name="connsiteY2" fmla="*/ 1603489 h 1603489"/>
+              <a:gd name="connsiteX3" fmla="*/ 170379 w 1558922"/>
+              <a:gd name="connsiteY3" fmla="*/ 0 h 1603489"/>
+              <a:gd name="connsiteX0" fmla="*/ 168366 w 1556909"/>
+              <a:gd name="connsiteY0" fmla="*/ 0 h 1603489"/>
+              <a:gd name="connsiteX1" fmla="*/ 1556909 w 1556909"/>
+              <a:gd name="connsiteY1" fmla="*/ 1033356 h 1603489"/>
+              <a:gd name="connsiteX2" fmla="*/ 53832 w 1556909"/>
+              <a:gd name="connsiteY2" fmla="*/ 1603489 h 1603489"/>
+              <a:gd name="connsiteX3" fmla="*/ 168366 w 1556909"/>
+              <a:gd name="connsiteY3" fmla="*/ 0 h 1603489"/>
+              <a:gd name="connsiteX0" fmla="*/ 151643 w 1540186"/>
+              <a:gd name="connsiteY0" fmla="*/ 0 h 1603489"/>
+              <a:gd name="connsiteX1" fmla="*/ 1540186 w 1540186"/>
+              <a:gd name="connsiteY1" fmla="*/ 1033356 h 1603489"/>
+              <a:gd name="connsiteX2" fmla="*/ 37109 w 1540186"/>
+              <a:gd name="connsiteY2" fmla="*/ 1603489 h 1603489"/>
+              <a:gd name="connsiteX3" fmla="*/ 151643 w 1540186"/>
+              <a:gd name="connsiteY3" fmla="*/ 0 h 1603489"/>
+              <a:gd name="connsiteX0" fmla="*/ 151643 w 1540186"/>
+              <a:gd name="connsiteY0" fmla="*/ 0 h 1603489"/>
+              <a:gd name="connsiteX1" fmla="*/ 1540186 w 1540186"/>
+              <a:gd name="connsiteY1" fmla="*/ 1033356 h 1603489"/>
+              <a:gd name="connsiteX2" fmla="*/ 37109 w 1540186"/>
+              <a:gd name="connsiteY2" fmla="*/ 1603489 h 1603489"/>
+              <a:gd name="connsiteX3" fmla="*/ 151643 w 1540186"/>
+              <a:gd name="connsiteY3" fmla="*/ 0 h 1603489"/>
+              <a:gd name="connsiteX0" fmla="*/ 151643 w 1540186"/>
+              <a:gd name="connsiteY0" fmla="*/ 0 h 1603489"/>
+              <a:gd name="connsiteX1" fmla="*/ 1540186 w 1540186"/>
+              <a:gd name="connsiteY1" fmla="*/ 1033356 h 1603489"/>
+              <a:gd name="connsiteX2" fmla="*/ 37109 w 1540186"/>
+              <a:gd name="connsiteY2" fmla="*/ 1603489 h 1603489"/>
+              <a:gd name="connsiteX3" fmla="*/ 151643 w 1540186"/>
+              <a:gd name="connsiteY3" fmla="*/ 0 h 1603489"/>
+              <a:gd name="connsiteX0" fmla="*/ 151643 w 1540186"/>
+              <a:gd name="connsiteY0" fmla="*/ 0 h 1603489"/>
+              <a:gd name="connsiteX1" fmla="*/ 1540186 w 1540186"/>
+              <a:gd name="connsiteY1" fmla="*/ 1033356 h 1603489"/>
+              <a:gd name="connsiteX2" fmla="*/ 37109 w 1540186"/>
+              <a:gd name="connsiteY2" fmla="*/ 1603489 h 1603489"/>
+              <a:gd name="connsiteX3" fmla="*/ 151643 w 1540186"/>
+              <a:gd name="connsiteY3" fmla="*/ 0 h 1603489"/>
+              <a:gd name="connsiteX0" fmla="*/ 151643 w 1540186"/>
+              <a:gd name="connsiteY0" fmla="*/ 0 h 1603489"/>
+              <a:gd name="connsiteX1" fmla="*/ 1540186 w 1540186"/>
+              <a:gd name="connsiteY1" fmla="*/ 1033356 h 1603489"/>
+              <a:gd name="connsiteX2" fmla="*/ 37109 w 1540186"/>
+              <a:gd name="connsiteY2" fmla="*/ 1603489 h 1603489"/>
+              <a:gd name="connsiteX3" fmla="*/ 151643 w 1540186"/>
+              <a:gd name="connsiteY3" fmla="*/ 0 h 1603489"/>
+            </a:gdLst>
+            <a:ahLst/>
+            <a:cxnLst>
+              <a:cxn ang="0">
+                <a:pos x="connsiteX0" y="connsiteY0"/>
+              </a:cxn>
+              <a:cxn ang="0">
+                <a:pos x="connsiteX1" y="connsiteY1"/>
+              </a:cxn>
+              <a:cxn ang="0">
+                <a:pos x="connsiteX2" y="connsiteY2"/>
+              </a:cxn>
+              <a:cxn ang="0">
+                <a:pos x="connsiteX3" y="connsiteY3"/>
+              </a:cxn>
+            </a:cxnLst>
+            <a:rect l="l" t="t" r="r" b="b"/>
+            <a:pathLst>
+              <a:path w="1540186" h="1603489">
+                <a:moveTo>
+                  <a:pt x="151643" y="0"/>
+                </a:moveTo>
+                <a:cubicBezTo>
+                  <a:pt x="776248" y="44614"/>
+                  <a:pt x="1318104" y="447864"/>
+                  <a:pt x="1540186" y="1033356"/>
+                </a:cubicBezTo>
+                <a:cubicBezTo>
+                  <a:pt x="962960" y="1360560"/>
+                  <a:pt x="769910" y="1462340"/>
+                  <a:pt x="37109" y="1603489"/>
+                </a:cubicBezTo>
+                <a:cubicBezTo>
+                  <a:pt x="-19963" y="937548"/>
+                  <a:pt x="-31315" y="785956"/>
+                  <a:pt x="151643" y="0"/>
+                </a:cubicBezTo>
+                <a:close/>
+              </a:path>
+            </a:pathLst>
+          </a:custGeom>
+          <a:solidFill>
+            <a:srgbClr val="3333FF"/>
+          </a:solidFill>
+          <a:ln w="28575">
+            <a:solidFill>
+              <a:schemeClr val="tx1"/>
+            </a:solidFill>
+          </a:ln>
+        </p:spPr>
+        <p:style>
+          <a:lnRef idx="2">
+            <a:schemeClr val="accent1">
+              <a:shade val="15000"/>
+            </a:schemeClr>
+          </a:lnRef>
+          <a:fillRef idx="1">
+            <a:schemeClr val="accent1"/>
+          </a:fillRef>
+          <a:effectRef idx="0">
+            <a:schemeClr val="accent1"/>
+          </a:effectRef>
+          <a:fontRef idx="minor">
+            <a:schemeClr val="lt1"/>
+          </a:fontRef>
+        </p:style>
+        <p:txBody>
+          <a:bodyPr rtlCol="0" anchor="ctr"/>
+          <a:lstStyle/>
+          <a:p>
+            <a:pPr algn="ctr"/>
+            <a:endParaRPr lang="es-ES">
+              <a:solidFill>
+                <a:schemeClr val="tx1"/>
+              </a:solidFill>
+            </a:endParaRPr>
+          </a:p>
+        </p:txBody>
+      </p:sp>
+      <p:sp>
+        <p:nvSpPr>
+          <p:cNvPr id="19" name="Triángulo isósceles 18">
+            <a:extLst>
+              <a:ext uri="{FF2B5EF4-FFF2-40B4-BE49-F238E27FC236}">
+                <a16:creationId xmlns:a16="http://schemas.microsoft.com/office/drawing/2014/main" id="{4D2000E7-5ACA-AC41-3209-2003AD498633}"/>
+              </a:ext>
+            </a:extLst>
+          </p:cNvPr>
+          <p:cNvSpPr/>
+          <p:nvPr/>
+        </p:nvSpPr>
+        <p:spPr>
+          <a:xfrm>
+            <a:off x="4702919" y="3420251"/>
+            <a:ext cx="360701" cy="420120"/>
+          </a:xfrm>
+          <a:custGeom>
+            <a:avLst/>
+            <a:gdLst>
+              <a:gd name="connsiteX0" fmla="*/ 0 w 360701"/>
+              <a:gd name="connsiteY0" fmla="*/ 434408 h 434408"/>
+              <a:gd name="connsiteX1" fmla="*/ 360701 w 360701"/>
+              <a:gd name="connsiteY1" fmla="*/ 0 h 434408"/>
+              <a:gd name="connsiteX2" fmla="*/ 360701 w 360701"/>
+              <a:gd name="connsiteY2" fmla="*/ 434408 h 434408"/>
+              <a:gd name="connsiteX3" fmla="*/ 0 w 360701"/>
+              <a:gd name="connsiteY3" fmla="*/ 434408 h 434408"/>
+              <a:gd name="connsiteX0" fmla="*/ 0 w 360701"/>
+              <a:gd name="connsiteY0" fmla="*/ 434408 h 434408"/>
+              <a:gd name="connsiteX1" fmla="*/ 360701 w 360701"/>
+              <a:gd name="connsiteY1" fmla="*/ 0 h 434408"/>
+              <a:gd name="connsiteX2" fmla="*/ 348001 w 360701"/>
+              <a:gd name="connsiteY2" fmla="*/ 294708 h 434408"/>
+              <a:gd name="connsiteX3" fmla="*/ 0 w 360701"/>
+              <a:gd name="connsiteY3" fmla="*/ 434408 h 434408"/>
+              <a:gd name="connsiteX0" fmla="*/ 0 w 360701"/>
+              <a:gd name="connsiteY0" fmla="*/ 434408 h 434408"/>
+              <a:gd name="connsiteX1" fmla="*/ 360701 w 360701"/>
+              <a:gd name="connsiteY1" fmla="*/ 0 h 434408"/>
+              <a:gd name="connsiteX2" fmla="*/ 192426 w 360701"/>
+              <a:gd name="connsiteY2" fmla="*/ 361383 h 434408"/>
+              <a:gd name="connsiteX3" fmla="*/ 0 w 360701"/>
+              <a:gd name="connsiteY3" fmla="*/ 434408 h 434408"/>
+              <a:gd name="connsiteX0" fmla="*/ 0 w 360701"/>
+              <a:gd name="connsiteY0" fmla="*/ 420120 h 420120"/>
+              <a:gd name="connsiteX1" fmla="*/ 360701 w 360701"/>
+              <a:gd name="connsiteY1" fmla="*/ 0 h 420120"/>
+              <a:gd name="connsiteX2" fmla="*/ 192426 w 360701"/>
+              <a:gd name="connsiteY2" fmla="*/ 361383 h 420120"/>
+              <a:gd name="connsiteX3" fmla="*/ 0 w 360701"/>
+              <a:gd name="connsiteY3" fmla="*/ 420120 h 420120"/>
+            </a:gdLst>
+            <a:ahLst/>
+            <a:cxnLst>
+              <a:cxn ang="0">
+                <a:pos x="connsiteX0" y="connsiteY0"/>
+              </a:cxn>
+              <a:cxn ang="0">
+                <a:pos x="connsiteX1" y="connsiteY1"/>
+              </a:cxn>
+              <a:cxn ang="0">
+                <a:pos x="connsiteX2" y="connsiteY2"/>
+              </a:cxn>
+              <a:cxn ang="0">
+                <a:pos x="connsiteX3" y="connsiteY3"/>
+              </a:cxn>
+            </a:cxnLst>
+            <a:rect l="l" t="t" r="r" b="b"/>
+            <a:pathLst>
+              <a:path w="360701" h="420120">
+                <a:moveTo>
+                  <a:pt x="0" y="420120"/>
+                </a:moveTo>
+                <a:lnTo>
+                  <a:pt x="360701" y="0"/>
+                </a:lnTo>
+                <a:lnTo>
+                  <a:pt x="192426" y="361383"/>
+                </a:lnTo>
+                <a:lnTo>
+                  <a:pt x="0" y="420120"/>
+                </a:lnTo>
+                <a:close/>
+              </a:path>
+            </a:pathLst>
+          </a:custGeom>
+          <a:solidFill>
+            <a:schemeClr val="tx1"/>
+          </a:solidFill>
+          <a:ln>
+            <a:noFill/>
+          </a:ln>
+        </p:spPr>
+        <p:style>
+          <a:lnRef idx="2">
+            <a:schemeClr val="accent1">
+              <a:shade val="15000"/>
+            </a:schemeClr>
+          </a:lnRef>
+          <a:fillRef idx="1">
+            <a:schemeClr val="accent1"/>
+          </a:fillRef>
+          <a:effectRef idx="0">
+            <a:schemeClr val="accent1"/>
+          </a:effectRef>
+          <a:fontRef idx="minor">
+            <a:schemeClr val="lt1"/>
+          </a:fontRef>
+        </p:style>
+        <p:txBody>
+          <a:bodyPr rtlCol="0" anchor="ctr"/>
+          <a:lstStyle/>
+          <a:p>
+            <a:pPr algn="ctr"/>
+            <a:endParaRPr lang="es-ES" dirty="0"/>
+          </a:p>
+        </p:txBody>
+      </p:sp>
+      <p:grpSp>
+        <p:nvGrpSpPr>
+          <p:cNvPr id="46" name="Grupo 45">
+            <a:extLst>
+              <a:ext uri="{FF2B5EF4-FFF2-40B4-BE49-F238E27FC236}">
+                <a16:creationId xmlns:a16="http://schemas.microsoft.com/office/drawing/2014/main" id="{9FE68F90-F3E2-F75C-3D05-6030C7533BB1}"/>
+              </a:ext>
+            </a:extLst>
+          </p:cNvPr>
+          <p:cNvGrpSpPr/>
+          <p:nvPr/>
+        </p:nvGrpSpPr>
+        <p:grpSpPr>
+          <a:xfrm rot="20975761">
+            <a:off x="8488265" y="2418225"/>
+            <a:ext cx="1696278" cy="1544482"/>
+            <a:chOff x="8465620" y="2427838"/>
+            <a:chExt cx="1696278" cy="1544482"/>
+          </a:xfrm>
+        </p:grpSpPr>
+        <p:sp>
+          <p:nvSpPr>
+            <p:cNvPr id="5" name="Triángulo isósceles 4">
+              <a:extLst>
+                <a:ext uri="{FF2B5EF4-FFF2-40B4-BE49-F238E27FC236}">
+                  <a16:creationId xmlns:a16="http://schemas.microsoft.com/office/drawing/2014/main" id="{1BB5BF18-88D1-0522-9D66-57C8E0D9E560}"/>
+                </a:ext>
+              </a:extLst>
+            </p:cNvPr>
+            <p:cNvSpPr/>
+            <p:nvPr/>
+          </p:nvSpPr>
+          <p:spPr>
+            <a:xfrm rot="20468185">
+              <a:off x="8677467" y="2427838"/>
+              <a:ext cx="1484431" cy="782198"/>
+            </a:xfrm>
+            <a:custGeom>
+              <a:avLst/>
+              <a:gdLst>
+                <a:gd name="connsiteX0" fmla="*/ 0 w 1607996"/>
+                <a:gd name="connsiteY0" fmla="*/ 874593 h 874593"/>
+                <a:gd name="connsiteX1" fmla="*/ 802133 w 1607996"/>
+                <a:gd name="connsiteY1" fmla="*/ 0 h 874593"/>
+                <a:gd name="connsiteX2" fmla="*/ 1607996 w 1607996"/>
+                <a:gd name="connsiteY2" fmla="*/ 874593 h 874593"/>
+                <a:gd name="connsiteX3" fmla="*/ 0 w 1607996"/>
+                <a:gd name="connsiteY3" fmla="*/ 874593 h 874593"/>
+                <a:gd name="connsiteX0" fmla="*/ 0 w 1607996"/>
+                <a:gd name="connsiteY0" fmla="*/ 753185 h 753185"/>
+                <a:gd name="connsiteX1" fmla="*/ 803876 w 1607996"/>
+                <a:gd name="connsiteY1" fmla="*/ 0 h 753185"/>
+                <a:gd name="connsiteX2" fmla="*/ 1607996 w 1607996"/>
+                <a:gd name="connsiteY2" fmla="*/ 753185 h 753185"/>
+                <a:gd name="connsiteX3" fmla="*/ 0 w 1607996"/>
+                <a:gd name="connsiteY3" fmla="*/ 753185 h 753185"/>
+                <a:gd name="connsiteX0" fmla="*/ 0 w 1607996"/>
+                <a:gd name="connsiteY0" fmla="*/ 760515 h 760515"/>
+                <a:gd name="connsiteX1" fmla="*/ 803876 w 1607996"/>
+                <a:gd name="connsiteY1" fmla="*/ 7330 h 760515"/>
+                <a:gd name="connsiteX2" fmla="*/ 1607996 w 1607996"/>
+                <a:gd name="connsiteY2" fmla="*/ 760515 h 760515"/>
+                <a:gd name="connsiteX3" fmla="*/ 0 w 1607996"/>
+                <a:gd name="connsiteY3" fmla="*/ 760515 h 760515"/>
+                <a:gd name="connsiteX0" fmla="*/ 0 w 1607996"/>
+                <a:gd name="connsiteY0" fmla="*/ 760515 h 760515"/>
+                <a:gd name="connsiteX1" fmla="*/ 803876 w 1607996"/>
+                <a:gd name="connsiteY1" fmla="*/ 7330 h 760515"/>
+                <a:gd name="connsiteX2" fmla="*/ 1607996 w 1607996"/>
+                <a:gd name="connsiteY2" fmla="*/ 760515 h 760515"/>
+                <a:gd name="connsiteX3" fmla="*/ 0 w 1607996"/>
+                <a:gd name="connsiteY3" fmla="*/ 760515 h 760515"/>
+                <a:gd name="connsiteX0" fmla="*/ 0 w 1607996"/>
+                <a:gd name="connsiteY0" fmla="*/ 760959 h 760959"/>
+                <a:gd name="connsiteX1" fmla="*/ 803876 w 1607996"/>
+                <a:gd name="connsiteY1" fmla="*/ 7774 h 760959"/>
+                <a:gd name="connsiteX2" fmla="*/ 1607996 w 1607996"/>
+                <a:gd name="connsiteY2" fmla="*/ 760959 h 760959"/>
+                <a:gd name="connsiteX3" fmla="*/ 0 w 1607996"/>
+                <a:gd name="connsiteY3" fmla="*/ 760959 h 760959"/>
+                <a:gd name="connsiteX0" fmla="*/ 0 w 1607996"/>
+                <a:gd name="connsiteY0" fmla="*/ 772474 h 772474"/>
+                <a:gd name="connsiteX1" fmla="*/ 807240 w 1607996"/>
+                <a:gd name="connsiteY1" fmla="*/ 7637 h 772474"/>
+                <a:gd name="connsiteX2" fmla="*/ 1607996 w 1607996"/>
+                <a:gd name="connsiteY2" fmla="*/ 772474 h 772474"/>
+                <a:gd name="connsiteX3" fmla="*/ 0 w 1607996"/>
+                <a:gd name="connsiteY3" fmla="*/ 772474 h 772474"/>
+                <a:gd name="connsiteX0" fmla="*/ 0 w 1607996"/>
+                <a:gd name="connsiteY0" fmla="*/ 769923 h 769923"/>
+                <a:gd name="connsiteX1" fmla="*/ 807240 w 1607996"/>
+                <a:gd name="connsiteY1" fmla="*/ 5086 h 769923"/>
+                <a:gd name="connsiteX2" fmla="*/ 1607996 w 1607996"/>
+                <a:gd name="connsiteY2" fmla="*/ 769923 h 769923"/>
+                <a:gd name="connsiteX3" fmla="*/ 0 w 1607996"/>
+                <a:gd name="connsiteY3" fmla="*/ 769923 h 769923"/>
+                <a:gd name="connsiteX0" fmla="*/ 0 w 1607996"/>
+                <a:gd name="connsiteY0" fmla="*/ 764838 h 764838"/>
+                <a:gd name="connsiteX1" fmla="*/ 807240 w 1607996"/>
+                <a:gd name="connsiteY1" fmla="*/ 1 h 764838"/>
+                <a:gd name="connsiteX2" fmla="*/ 1607996 w 1607996"/>
+                <a:gd name="connsiteY2" fmla="*/ 764838 h 764838"/>
+                <a:gd name="connsiteX3" fmla="*/ 0 w 1607996"/>
+                <a:gd name="connsiteY3" fmla="*/ 764838 h 764838"/>
+                <a:gd name="connsiteX0" fmla="*/ 0 w 1190414"/>
+                <a:gd name="connsiteY0" fmla="*/ 764685 h 764838"/>
+                <a:gd name="connsiteX1" fmla="*/ 389658 w 1190414"/>
+                <a:gd name="connsiteY1" fmla="*/ 1 h 764838"/>
+                <a:gd name="connsiteX2" fmla="*/ 1190414 w 1190414"/>
+                <a:gd name="connsiteY2" fmla="*/ 764838 h 764838"/>
+                <a:gd name="connsiteX3" fmla="*/ 0 w 1190414"/>
+                <a:gd name="connsiteY3" fmla="*/ 764685 h 764838"/>
+                <a:gd name="connsiteX0" fmla="*/ 0 w 1190414"/>
+                <a:gd name="connsiteY0" fmla="*/ 764685 h 764838"/>
+                <a:gd name="connsiteX1" fmla="*/ 389658 w 1190414"/>
+                <a:gd name="connsiteY1" fmla="*/ 1 h 764838"/>
+                <a:gd name="connsiteX2" fmla="*/ 1190414 w 1190414"/>
+                <a:gd name="connsiteY2" fmla="*/ 764838 h 764838"/>
+                <a:gd name="connsiteX3" fmla="*/ 0 w 1190414"/>
+                <a:gd name="connsiteY3" fmla="*/ 764685 h 764838"/>
+                <a:gd name="connsiteX0" fmla="*/ 59409 w 1249823"/>
+                <a:gd name="connsiteY0" fmla="*/ 764685 h 764838"/>
+                <a:gd name="connsiteX1" fmla="*/ 449067 w 1249823"/>
+                <a:gd name="connsiteY1" fmla="*/ 1 h 764838"/>
+                <a:gd name="connsiteX2" fmla="*/ 1249823 w 1249823"/>
+                <a:gd name="connsiteY2" fmla="*/ 764838 h 764838"/>
+                <a:gd name="connsiteX3" fmla="*/ 59409 w 1249823"/>
+                <a:gd name="connsiteY3" fmla="*/ 764685 h 764838"/>
+                <a:gd name="connsiteX0" fmla="*/ 58130 w 1248544"/>
+                <a:gd name="connsiteY0" fmla="*/ 710318 h 710471"/>
+                <a:gd name="connsiteX1" fmla="*/ 461274 w 1248544"/>
+                <a:gd name="connsiteY1" fmla="*/ 1 h 710471"/>
+                <a:gd name="connsiteX2" fmla="*/ 1248544 w 1248544"/>
+                <a:gd name="connsiteY2" fmla="*/ 710471 h 710471"/>
+                <a:gd name="connsiteX3" fmla="*/ 58130 w 1248544"/>
+                <a:gd name="connsiteY3" fmla="*/ 710318 h 710471"/>
+                <a:gd name="connsiteX0" fmla="*/ 56990 w 1247404"/>
+                <a:gd name="connsiteY0" fmla="*/ 712270 h 712423"/>
+                <a:gd name="connsiteX1" fmla="*/ 460134 w 1247404"/>
+                <a:gd name="connsiteY1" fmla="*/ 1953 h 712423"/>
+                <a:gd name="connsiteX2" fmla="*/ 1247404 w 1247404"/>
+                <a:gd name="connsiteY2" fmla="*/ 712423 h 712423"/>
+                <a:gd name="connsiteX3" fmla="*/ 56990 w 1247404"/>
+                <a:gd name="connsiteY3" fmla="*/ 712270 h 712423"/>
+                <a:gd name="connsiteX0" fmla="*/ 56990 w 1247404"/>
+                <a:gd name="connsiteY0" fmla="*/ 712271 h 824494"/>
+                <a:gd name="connsiteX1" fmla="*/ 460134 w 1247404"/>
+                <a:gd name="connsiteY1" fmla="*/ 1954 h 824494"/>
+                <a:gd name="connsiteX2" fmla="*/ 1247404 w 1247404"/>
+                <a:gd name="connsiteY2" fmla="*/ 712424 h 824494"/>
+                <a:gd name="connsiteX3" fmla="*/ 56990 w 1247404"/>
+                <a:gd name="connsiteY3" fmla="*/ 712271 h 824494"/>
+                <a:gd name="connsiteX0" fmla="*/ 56990 w 1442752"/>
+                <a:gd name="connsiteY0" fmla="*/ 712271 h 858328"/>
+                <a:gd name="connsiteX1" fmla="*/ 460134 w 1442752"/>
+                <a:gd name="connsiteY1" fmla="*/ 1954 h 858328"/>
+                <a:gd name="connsiteX2" fmla="*/ 1442752 w 1442752"/>
+                <a:gd name="connsiteY2" fmla="*/ 813328 h 858328"/>
+                <a:gd name="connsiteX3" fmla="*/ 56990 w 1442752"/>
+                <a:gd name="connsiteY3" fmla="*/ 712271 h 858328"/>
+                <a:gd name="connsiteX0" fmla="*/ 58537 w 1427467"/>
+                <a:gd name="connsiteY0" fmla="*/ 693136 h 848071"/>
+                <a:gd name="connsiteX1" fmla="*/ 444849 w 1427467"/>
+                <a:gd name="connsiteY1" fmla="*/ 2243 h 848071"/>
+                <a:gd name="connsiteX2" fmla="*/ 1427467 w 1427467"/>
+                <a:gd name="connsiteY2" fmla="*/ 813617 h 848071"/>
+                <a:gd name="connsiteX3" fmla="*/ 58537 w 1427467"/>
+                <a:gd name="connsiteY3" fmla="*/ 693136 h 848071"/>
+                <a:gd name="connsiteX0" fmla="*/ 58537 w 1427467"/>
+                <a:gd name="connsiteY0" fmla="*/ 693136 h 902007"/>
+                <a:gd name="connsiteX1" fmla="*/ 444849 w 1427467"/>
+                <a:gd name="connsiteY1" fmla="*/ 2243 h 902007"/>
+                <a:gd name="connsiteX2" fmla="*/ 1427467 w 1427467"/>
+                <a:gd name="connsiteY2" fmla="*/ 813617 h 902007"/>
+                <a:gd name="connsiteX3" fmla="*/ 58537 w 1427467"/>
+                <a:gd name="connsiteY3" fmla="*/ 693136 h 902007"/>
+                <a:gd name="connsiteX0" fmla="*/ 115501 w 1484431"/>
+                <a:gd name="connsiteY0" fmla="*/ 693199 h 902072"/>
+                <a:gd name="connsiteX1" fmla="*/ 501813 w 1484431"/>
+                <a:gd name="connsiteY1" fmla="*/ 2306 h 902072"/>
+                <a:gd name="connsiteX2" fmla="*/ 1484431 w 1484431"/>
+                <a:gd name="connsiteY2" fmla="*/ 813680 h 902072"/>
+                <a:gd name="connsiteX3" fmla="*/ 115501 w 1484431"/>
+                <a:gd name="connsiteY3" fmla="*/ 693199 h 902072"/>
+              </a:gdLst>
+              <a:ahLst/>
+              <a:cxnLst>
+                <a:cxn ang="0">
+                  <a:pos x="connsiteX0" y="connsiteY0"/>
+                </a:cxn>
+                <a:cxn ang="0">
+                  <a:pos x="connsiteX1" y="connsiteY1"/>
+                </a:cxn>
+                <a:cxn ang="0">
+                  <a:pos x="connsiteX2" y="connsiteY2"/>
+                </a:cxn>
+                <a:cxn ang="0">
+                  <a:pos x="connsiteX3" y="connsiteY3"/>
+                </a:cxn>
+              </a:cxnLst>
+              <a:rect l="l" t="t" r="r" b="b"/>
+              <a:pathLst>
+                <a:path w="1484431" h="902072">
+                  <a:moveTo>
+                    <a:pt x="115501" y="693199"/>
+                  </a:moveTo>
+                  <a:cubicBezTo>
+                    <a:pt x="-246384" y="65651"/>
+                    <a:pt x="343445" y="-16301"/>
+                    <a:pt x="501813" y="2306"/>
+                  </a:cubicBezTo>
+                  <a:cubicBezTo>
+                    <a:pt x="695733" y="2107"/>
+                    <a:pt x="1216391" y="562618"/>
+                    <a:pt x="1484431" y="813680"/>
+                  </a:cubicBezTo>
+                  <a:cubicBezTo>
+                    <a:pt x="1087626" y="813629"/>
+                    <a:pt x="576396" y="1077711"/>
+                    <a:pt x="115501" y="693199"/>
+                  </a:cubicBezTo>
+                  <a:close/>
+                </a:path>
+              </a:pathLst>
+            </a:custGeom>
+            <a:solidFill>
+              <a:srgbClr val="3333FF"/>
+            </a:solidFill>
+            <a:ln w="28575">
+              <a:solidFill>
+                <a:schemeClr val="tx1"/>
+              </a:solidFill>
+            </a:ln>
+          </p:spPr>
+          <p:style>
+            <a:lnRef idx="2">
+              <a:schemeClr val="accent1">
+                <a:shade val="15000"/>
+              </a:schemeClr>
+            </a:lnRef>
+            <a:fillRef idx="1">
+              <a:schemeClr val="accent1"/>
+            </a:fillRef>
+            <a:effectRef idx="0">
+              <a:schemeClr val="accent1"/>
+            </a:effectRef>
+            <a:fontRef idx="minor">
+              <a:schemeClr val="lt1"/>
+            </a:fontRef>
+          </p:style>
+          <p:txBody>
+            <a:bodyPr rtlCol="0" anchor="ctr"/>
+            <a:lstStyle/>
+            <a:p>
+              <a:pPr algn="ctr"/>
+              <a:endParaRPr lang="es-ES" dirty="0"/>
+            </a:p>
+          </p:txBody>
+        </p:sp>
+        <p:sp>
+          <p:nvSpPr>
+            <p:cNvPr id="34" name="Triángulo isósceles 4">
+              <a:extLst>
+                <a:ext uri="{FF2B5EF4-FFF2-40B4-BE49-F238E27FC236}">
+                  <a16:creationId xmlns:a16="http://schemas.microsoft.com/office/drawing/2014/main" id="{F1604D61-6677-402E-2348-9B778339A528}"/>
+                </a:ext>
+              </a:extLst>
+            </p:cNvPr>
+            <p:cNvSpPr/>
+            <p:nvPr/>
+          </p:nvSpPr>
+          <p:spPr>
+            <a:xfrm rot="18377774" flipH="1">
+              <a:off x="8114503" y="2839006"/>
+              <a:ext cx="1484431" cy="782198"/>
+            </a:xfrm>
+            <a:custGeom>
+              <a:avLst/>
+              <a:gdLst>
+                <a:gd name="connsiteX0" fmla="*/ 0 w 1607996"/>
+                <a:gd name="connsiteY0" fmla="*/ 874593 h 874593"/>
+                <a:gd name="connsiteX1" fmla="*/ 802133 w 1607996"/>
+                <a:gd name="connsiteY1" fmla="*/ 0 h 874593"/>
+                <a:gd name="connsiteX2" fmla="*/ 1607996 w 1607996"/>
+                <a:gd name="connsiteY2" fmla="*/ 874593 h 874593"/>
+                <a:gd name="connsiteX3" fmla="*/ 0 w 1607996"/>
+                <a:gd name="connsiteY3" fmla="*/ 874593 h 874593"/>
+                <a:gd name="connsiteX0" fmla="*/ 0 w 1607996"/>
+                <a:gd name="connsiteY0" fmla="*/ 753185 h 753185"/>
+                <a:gd name="connsiteX1" fmla="*/ 803876 w 1607996"/>
+                <a:gd name="connsiteY1" fmla="*/ 0 h 753185"/>
+                <a:gd name="connsiteX2" fmla="*/ 1607996 w 1607996"/>
+                <a:gd name="connsiteY2" fmla="*/ 753185 h 753185"/>
+                <a:gd name="connsiteX3" fmla="*/ 0 w 1607996"/>
+                <a:gd name="connsiteY3" fmla="*/ 753185 h 753185"/>
+                <a:gd name="connsiteX0" fmla="*/ 0 w 1607996"/>
+                <a:gd name="connsiteY0" fmla="*/ 760515 h 760515"/>
+                <a:gd name="connsiteX1" fmla="*/ 803876 w 1607996"/>
+                <a:gd name="connsiteY1" fmla="*/ 7330 h 760515"/>
+                <a:gd name="connsiteX2" fmla="*/ 1607996 w 1607996"/>
+                <a:gd name="connsiteY2" fmla="*/ 760515 h 760515"/>
+                <a:gd name="connsiteX3" fmla="*/ 0 w 1607996"/>
+                <a:gd name="connsiteY3" fmla="*/ 760515 h 760515"/>
+                <a:gd name="connsiteX0" fmla="*/ 0 w 1607996"/>
+                <a:gd name="connsiteY0" fmla="*/ 760515 h 760515"/>
+                <a:gd name="connsiteX1" fmla="*/ 803876 w 1607996"/>
+                <a:gd name="connsiteY1" fmla="*/ 7330 h 760515"/>
+                <a:gd name="connsiteX2" fmla="*/ 1607996 w 1607996"/>
+                <a:gd name="connsiteY2" fmla="*/ 760515 h 760515"/>
+                <a:gd name="connsiteX3" fmla="*/ 0 w 1607996"/>
+                <a:gd name="connsiteY3" fmla="*/ 760515 h 760515"/>
+                <a:gd name="connsiteX0" fmla="*/ 0 w 1607996"/>
+                <a:gd name="connsiteY0" fmla="*/ 760959 h 760959"/>
+                <a:gd name="connsiteX1" fmla="*/ 803876 w 1607996"/>
+                <a:gd name="connsiteY1" fmla="*/ 7774 h 760959"/>
+                <a:gd name="connsiteX2" fmla="*/ 1607996 w 1607996"/>
+                <a:gd name="connsiteY2" fmla="*/ 760959 h 760959"/>
+                <a:gd name="connsiteX3" fmla="*/ 0 w 1607996"/>
+                <a:gd name="connsiteY3" fmla="*/ 760959 h 760959"/>
+                <a:gd name="connsiteX0" fmla="*/ 0 w 1607996"/>
+                <a:gd name="connsiteY0" fmla="*/ 772474 h 772474"/>
+                <a:gd name="connsiteX1" fmla="*/ 807240 w 1607996"/>
+                <a:gd name="connsiteY1" fmla="*/ 7637 h 772474"/>
+                <a:gd name="connsiteX2" fmla="*/ 1607996 w 1607996"/>
+                <a:gd name="connsiteY2" fmla="*/ 772474 h 772474"/>
+                <a:gd name="connsiteX3" fmla="*/ 0 w 1607996"/>
+                <a:gd name="connsiteY3" fmla="*/ 772474 h 772474"/>
+                <a:gd name="connsiteX0" fmla="*/ 0 w 1607996"/>
+                <a:gd name="connsiteY0" fmla="*/ 769923 h 769923"/>
+                <a:gd name="connsiteX1" fmla="*/ 807240 w 1607996"/>
+                <a:gd name="connsiteY1" fmla="*/ 5086 h 769923"/>
+                <a:gd name="connsiteX2" fmla="*/ 1607996 w 1607996"/>
+                <a:gd name="connsiteY2" fmla="*/ 769923 h 769923"/>
+                <a:gd name="connsiteX3" fmla="*/ 0 w 1607996"/>
+                <a:gd name="connsiteY3" fmla="*/ 769923 h 769923"/>
+                <a:gd name="connsiteX0" fmla="*/ 0 w 1607996"/>
+                <a:gd name="connsiteY0" fmla="*/ 764838 h 764838"/>
+                <a:gd name="connsiteX1" fmla="*/ 807240 w 1607996"/>
+                <a:gd name="connsiteY1" fmla="*/ 1 h 764838"/>
+                <a:gd name="connsiteX2" fmla="*/ 1607996 w 1607996"/>
+                <a:gd name="connsiteY2" fmla="*/ 764838 h 764838"/>
+                <a:gd name="connsiteX3" fmla="*/ 0 w 1607996"/>
+                <a:gd name="connsiteY3" fmla="*/ 764838 h 764838"/>
+                <a:gd name="connsiteX0" fmla="*/ 0 w 1190414"/>
+                <a:gd name="connsiteY0" fmla="*/ 764685 h 764838"/>
+                <a:gd name="connsiteX1" fmla="*/ 389658 w 1190414"/>
+                <a:gd name="connsiteY1" fmla="*/ 1 h 764838"/>
+                <a:gd name="connsiteX2" fmla="*/ 1190414 w 1190414"/>
+                <a:gd name="connsiteY2" fmla="*/ 764838 h 764838"/>
+                <a:gd name="connsiteX3" fmla="*/ 0 w 1190414"/>
+                <a:gd name="connsiteY3" fmla="*/ 764685 h 764838"/>
+                <a:gd name="connsiteX0" fmla="*/ 0 w 1190414"/>
+                <a:gd name="connsiteY0" fmla="*/ 764685 h 764838"/>
+                <a:gd name="connsiteX1" fmla="*/ 389658 w 1190414"/>
+                <a:gd name="connsiteY1" fmla="*/ 1 h 764838"/>
+                <a:gd name="connsiteX2" fmla="*/ 1190414 w 1190414"/>
+                <a:gd name="connsiteY2" fmla="*/ 764838 h 764838"/>
+                <a:gd name="connsiteX3" fmla="*/ 0 w 1190414"/>
+                <a:gd name="connsiteY3" fmla="*/ 764685 h 764838"/>
+                <a:gd name="connsiteX0" fmla="*/ 59409 w 1249823"/>
+                <a:gd name="connsiteY0" fmla="*/ 764685 h 764838"/>
+                <a:gd name="connsiteX1" fmla="*/ 449067 w 1249823"/>
+                <a:gd name="connsiteY1" fmla="*/ 1 h 764838"/>
+                <a:gd name="connsiteX2" fmla="*/ 1249823 w 1249823"/>
+                <a:gd name="connsiteY2" fmla="*/ 764838 h 764838"/>
+                <a:gd name="connsiteX3" fmla="*/ 59409 w 1249823"/>
+                <a:gd name="connsiteY3" fmla="*/ 764685 h 764838"/>
+                <a:gd name="connsiteX0" fmla="*/ 58130 w 1248544"/>
+                <a:gd name="connsiteY0" fmla="*/ 710318 h 710471"/>
+                <a:gd name="connsiteX1" fmla="*/ 461274 w 1248544"/>
+                <a:gd name="connsiteY1" fmla="*/ 1 h 710471"/>
+                <a:gd name="connsiteX2" fmla="*/ 1248544 w 1248544"/>
+                <a:gd name="connsiteY2" fmla="*/ 710471 h 710471"/>
+                <a:gd name="connsiteX3" fmla="*/ 58130 w 1248544"/>
+                <a:gd name="connsiteY3" fmla="*/ 710318 h 710471"/>
+                <a:gd name="connsiteX0" fmla="*/ 56990 w 1247404"/>
+                <a:gd name="connsiteY0" fmla="*/ 712270 h 712423"/>
+                <a:gd name="connsiteX1" fmla="*/ 460134 w 1247404"/>
+                <a:gd name="connsiteY1" fmla="*/ 1953 h 712423"/>
+                <a:gd name="connsiteX2" fmla="*/ 1247404 w 1247404"/>
+                <a:gd name="connsiteY2" fmla="*/ 712423 h 712423"/>
+                <a:gd name="connsiteX3" fmla="*/ 56990 w 1247404"/>
+                <a:gd name="connsiteY3" fmla="*/ 712270 h 712423"/>
+                <a:gd name="connsiteX0" fmla="*/ 56990 w 1247404"/>
+                <a:gd name="connsiteY0" fmla="*/ 712271 h 824494"/>
+                <a:gd name="connsiteX1" fmla="*/ 460134 w 1247404"/>
+                <a:gd name="connsiteY1" fmla="*/ 1954 h 824494"/>
+                <a:gd name="connsiteX2" fmla="*/ 1247404 w 1247404"/>
+                <a:gd name="connsiteY2" fmla="*/ 712424 h 824494"/>
+                <a:gd name="connsiteX3" fmla="*/ 56990 w 1247404"/>
+                <a:gd name="connsiteY3" fmla="*/ 712271 h 824494"/>
+                <a:gd name="connsiteX0" fmla="*/ 56990 w 1442752"/>
+                <a:gd name="connsiteY0" fmla="*/ 712271 h 858328"/>
+                <a:gd name="connsiteX1" fmla="*/ 460134 w 1442752"/>
+                <a:gd name="connsiteY1" fmla="*/ 1954 h 858328"/>
+                <a:gd name="connsiteX2" fmla="*/ 1442752 w 1442752"/>
+                <a:gd name="connsiteY2" fmla="*/ 813328 h 858328"/>
+                <a:gd name="connsiteX3" fmla="*/ 56990 w 1442752"/>
+                <a:gd name="connsiteY3" fmla="*/ 712271 h 858328"/>
+                <a:gd name="connsiteX0" fmla="*/ 58537 w 1427467"/>
+                <a:gd name="connsiteY0" fmla="*/ 693136 h 848071"/>
+                <a:gd name="connsiteX1" fmla="*/ 444849 w 1427467"/>
+                <a:gd name="connsiteY1" fmla="*/ 2243 h 848071"/>
+                <a:gd name="connsiteX2" fmla="*/ 1427467 w 1427467"/>
+                <a:gd name="connsiteY2" fmla="*/ 813617 h 848071"/>
+                <a:gd name="connsiteX3" fmla="*/ 58537 w 1427467"/>
+                <a:gd name="connsiteY3" fmla="*/ 693136 h 848071"/>
+                <a:gd name="connsiteX0" fmla="*/ 58537 w 1427467"/>
+                <a:gd name="connsiteY0" fmla="*/ 693136 h 902007"/>
+                <a:gd name="connsiteX1" fmla="*/ 444849 w 1427467"/>
+                <a:gd name="connsiteY1" fmla="*/ 2243 h 902007"/>
+                <a:gd name="connsiteX2" fmla="*/ 1427467 w 1427467"/>
+                <a:gd name="connsiteY2" fmla="*/ 813617 h 902007"/>
+                <a:gd name="connsiteX3" fmla="*/ 58537 w 1427467"/>
+                <a:gd name="connsiteY3" fmla="*/ 693136 h 902007"/>
+                <a:gd name="connsiteX0" fmla="*/ 115501 w 1484431"/>
+                <a:gd name="connsiteY0" fmla="*/ 693199 h 902072"/>
+                <a:gd name="connsiteX1" fmla="*/ 501813 w 1484431"/>
+                <a:gd name="connsiteY1" fmla="*/ 2306 h 902072"/>
+                <a:gd name="connsiteX2" fmla="*/ 1484431 w 1484431"/>
+                <a:gd name="connsiteY2" fmla="*/ 813680 h 902072"/>
+                <a:gd name="connsiteX3" fmla="*/ 115501 w 1484431"/>
+                <a:gd name="connsiteY3" fmla="*/ 693199 h 902072"/>
+              </a:gdLst>
+              <a:ahLst/>
+              <a:cxnLst>
+                <a:cxn ang="0">
+                  <a:pos x="connsiteX0" y="connsiteY0"/>
+                </a:cxn>
+                <a:cxn ang="0">
+                  <a:pos x="connsiteX1" y="connsiteY1"/>
+                </a:cxn>
+                <a:cxn ang="0">
+                  <a:pos x="connsiteX2" y="connsiteY2"/>
+                </a:cxn>
+                <a:cxn ang="0">
+                  <a:pos x="connsiteX3" y="connsiteY3"/>
+                </a:cxn>
+              </a:cxnLst>
+              <a:rect l="l" t="t" r="r" b="b"/>
+              <a:pathLst>
+                <a:path w="1484431" h="902072">
+                  <a:moveTo>
+                    <a:pt x="115501" y="693199"/>
+                  </a:moveTo>
+                  <a:cubicBezTo>
+                    <a:pt x="-246384" y="65651"/>
+                    <a:pt x="343445" y="-16301"/>
+                    <a:pt x="501813" y="2306"/>
+                  </a:cubicBezTo>
+                  <a:cubicBezTo>
+                    <a:pt x="695733" y="2107"/>
+                    <a:pt x="1216391" y="562618"/>
+                    <a:pt x="1484431" y="813680"/>
+                  </a:cubicBezTo>
+                  <a:cubicBezTo>
+                    <a:pt x="1087626" y="813629"/>
+                    <a:pt x="576396" y="1077711"/>
+                    <a:pt x="115501" y="693199"/>
+                  </a:cubicBezTo>
+                  <a:close/>
+                </a:path>
+              </a:pathLst>
+            </a:custGeom>
+            <a:solidFill>
+              <a:srgbClr val="3333FF"/>
+            </a:solidFill>
+            <a:ln w="28575">
+              <a:solidFill>
+                <a:schemeClr val="tx1"/>
+              </a:solidFill>
+            </a:ln>
+          </p:spPr>
+          <p:style>
+            <a:lnRef idx="2">
+              <a:schemeClr val="accent1">
+                <a:shade val="15000"/>
+              </a:schemeClr>
+            </a:lnRef>
+            <a:fillRef idx="1">
+              <a:schemeClr val="accent1"/>
+            </a:fillRef>
+            <a:effectRef idx="0">
+              <a:schemeClr val="accent1"/>
+            </a:effectRef>
+            <a:fontRef idx="minor">
+              <a:schemeClr val="lt1"/>
+            </a:fontRef>
+          </p:style>
+          <p:txBody>
+            <a:bodyPr rtlCol="0" anchor="ctr"/>
+            <a:lstStyle/>
+            <a:p>
+              <a:pPr algn="ctr"/>
+              <a:endParaRPr lang="es-ES" dirty="0"/>
+            </a:p>
+          </p:txBody>
+        </p:sp>
+        <p:grpSp>
+          <p:nvGrpSpPr>
+            <p:cNvPr id="37" name="Grupo 36">
+              <a:extLst>
+                <a:ext uri="{FF2B5EF4-FFF2-40B4-BE49-F238E27FC236}">
+                  <a16:creationId xmlns:a16="http://schemas.microsoft.com/office/drawing/2014/main" id="{9EC41348-CCA1-9FD9-D404-E7103F879458}"/>
+                </a:ext>
+              </a:extLst>
+            </p:cNvPr>
+            <p:cNvGrpSpPr/>
+            <p:nvPr/>
+          </p:nvGrpSpPr>
+          <p:grpSpPr>
+            <a:xfrm>
+              <a:off x="8480159" y="2451007"/>
+              <a:ext cx="1638686" cy="1492044"/>
+              <a:chOff x="8465619" y="2424062"/>
+              <a:chExt cx="1696278" cy="1544482"/>
+            </a:xfrm>
+          </p:grpSpPr>
+          <p:sp>
+            <p:nvSpPr>
+              <p:cNvPr id="35" name="Triángulo isósceles 4">
+                <a:extLst>
+                  <a:ext uri="{FF2B5EF4-FFF2-40B4-BE49-F238E27FC236}">
+                    <a16:creationId xmlns:a16="http://schemas.microsoft.com/office/drawing/2014/main" id="{E4FB7911-6F3C-347C-9438-88EA4C6D91F7}"/>
+                  </a:ext>
+                </a:extLst>
+              </p:cNvPr>
+              <p:cNvSpPr/>
+              <p:nvPr/>
+            </p:nvSpPr>
+            <p:spPr>
+              <a:xfrm rot="20468185">
+                <a:off x="8677466" y="2424062"/>
+                <a:ext cx="1484431" cy="782198"/>
+              </a:xfrm>
+              <a:custGeom>
+                <a:avLst/>
+                <a:gdLst>
+                  <a:gd name="connsiteX0" fmla="*/ 0 w 1607996"/>
+                  <a:gd name="connsiteY0" fmla="*/ 874593 h 874593"/>
+                  <a:gd name="connsiteX1" fmla="*/ 802133 w 1607996"/>
+                  <a:gd name="connsiteY1" fmla="*/ 0 h 874593"/>
+                  <a:gd name="connsiteX2" fmla="*/ 1607996 w 1607996"/>
+                  <a:gd name="connsiteY2" fmla="*/ 874593 h 874593"/>
+                  <a:gd name="connsiteX3" fmla="*/ 0 w 1607996"/>
+                  <a:gd name="connsiteY3" fmla="*/ 874593 h 874593"/>
+                  <a:gd name="connsiteX0" fmla="*/ 0 w 1607996"/>
+                  <a:gd name="connsiteY0" fmla="*/ 753185 h 753185"/>
+                  <a:gd name="connsiteX1" fmla="*/ 803876 w 1607996"/>
+                  <a:gd name="connsiteY1" fmla="*/ 0 h 753185"/>
+                  <a:gd name="connsiteX2" fmla="*/ 1607996 w 1607996"/>
+                  <a:gd name="connsiteY2" fmla="*/ 753185 h 753185"/>
+                  <a:gd name="connsiteX3" fmla="*/ 0 w 1607996"/>
+                  <a:gd name="connsiteY3" fmla="*/ 753185 h 753185"/>
+                  <a:gd name="connsiteX0" fmla="*/ 0 w 1607996"/>
+                  <a:gd name="connsiteY0" fmla="*/ 760515 h 760515"/>
+                  <a:gd name="connsiteX1" fmla="*/ 803876 w 1607996"/>
+                  <a:gd name="connsiteY1" fmla="*/ 7330 h 760515"/>
+                  <a:gd name="connsiteX2" fmla="*/ 1607996 w 1607996"/>
+                  <a:gd name="connsiteY2" fmla="*/ 760515 h 760515"/>
+                  <a:gd name="connsiteX3" fmla="*/ 0 w 1607996"/>
+                  <a:gd name="connsiteY3" fmla="*/ 760515 h 760515"/>
+                  <a:gd name="connsiteX0" fmla="*/ 0 w 1607996"/>
+                  <a:gd name="connsiteY0" fmla="*/ 760515 h 760515"/>
+                  <a:gd name="connsiteX1" fmla="*/ 803876 w 1607996"/>
+                  <a:gd name="connsiteY1" fmla="*/ 7330 h 760515"/>
+                  <a:gd name="connsiteX2" fmla="*/ 1607996 w 1607996"/>
+                  <a:gd name="connsiteY2" fmla="*/ 760515 h 760515"/>
+                  <a:gd name="connsiteX3" fmla="*/ 0 w 1607996"/>
+                  <a:gd name="connsiteY3" fmla="*/ 760515 h 760515"/>
+                  <a:gd name="connsiteX0" fmla="*/ 0 w 1607996"/>
+                  <a:gd name="connsiteY0" fmla="*/ 760959 h 760959"/>
+                  <a:gd name="connsiteX1" fmla="*/ 803876 w 1607996"/>
+                  <a:gd name="connsiteY1" fmla="*/ 7774 h 760959"/>
+                  <a:gd name="connsiteX2" fmla="*/ 1607996 w 1607996"/>
+                  <a:gd name="connsiteY2" fmla="*/ 760959 h 760959"/>
+                  <a:gd name="connsiteX3" fmla="*/ 0 w 1607996"/>
+                  <a:gd name="connsiteY3" fmla="*/ 760959 h 760959"/>
+                  <a:gd name="connsiteX0" fmla="*/ 0 w 1607996"/>
+                  <a:gd name="connsiteY0" fmla="*/ 772474 h 772474"/>
+                  <a:gd name="connsiteX1" fmla="*/ 807240 w 1607996"/>
+                  <a:gd name="connsiteY1" fmla="*/ 7637 h 772474"/>
+                  <a:gd name="connsiteX2" fmla="*/ 1607996 w 1607996"/>
+                  <a:gd name="connsiteY2" fmla="*/ 772474 h 772474"/>
+                  <a:gd name="connsiteX3" fmla="*/ 0 w 1607996"/>
+                  <a:gd name="connsiteY3" fmla="*/ 772474 h 772474"/>
+                  <a:gd name="connsiteX0" fmla="*/ 0 w 1607996"/>
+                  <a:gd name="connsiteY0" fmla="*/ 769923 h 769923"/>
+                  <a:gd name="connsiteX1" fmla="*/ 807240 w 1607996"/>
+                  <a:gd name="connsiteY1" fmla="*/ 5086 h 769923"/>
+                  <a:gd name="connsiteX2" fmla="*/ 1607996 w 1607996"/>
+                  <a:gd name="connsiteY2" fmla="*/ 769923 h 769923"/>
+                  <a:gd name="connsiteX3" fmla="*/ 0 w 1607996"/>
+                  <a:gd name="connsiteY3" fmla="*/ 769923 h 769923"/>
+                  <a:gd name="connsiteX0" fmla="*/ 0 w 1607996"/>
+                  <a:gd name="connsiteY0" fmla="*/ 764838 h 764838"/>
+                  <a:gd name="connsiteX1" fmla="*/ 807240 w 1607996"/>
+                  <a:gd name="connsiteY1" fmla="*/ 1 h 764838"/>
+                  <a:gd name="connsiteX2" fmla="*/ 1607996 w 1607996"/>
+                  <a:gd name="connsiteY2" fmla="*/ 764838 h 764838"/>
+                  <a:gd name="connsiteX3" fmla="*/ 0 w 1607996"/>
+                  <a:gd name="connsiteY3" fmla="*/ 764838 h 764838"/>
+                  <a:gd name="connsiteX0" fmla="*/ 0 w 1190414"/>
+                  <a:gd name="connsiteY0" fmla="*/ 764685 h 764838"/>
+                  <a:gd name="connsiteX1" fmla="*/ 389658 w 1190414"/>
+                  <a:gd name="connsiteY1" fmla="*/ 1 h 764838"/>
+                  <a:gd name="connsiteX2" fmla="*/ 1190414 w 1190414"/>
+                  <a:gd name="connsiteY2" fmla="*/ 764838 h 764838"/>
+                  <a:gd name="connsiteX3" fmla="*/ 0 w 1190414"/>
+                  <a:gd name="connsiteY3" fmla="*/ 764685 h 764838"/>
+                  <a:gd name="connsiteX0" fmla="*/ 0 w 1190414"/>
+                  <a:gd name="connsiteY0" fmla="*/ 764685 h 764838"/>
+                  <a:gd name="connsiteX1" fmla="*/ 389658 w 1190414"/>
+                  <a:gd name="connsiteY1" fmla="*/ 1 h 764838"/>
+                  <a:gd name="connsiteX2" fmla="*/ 1190414 w 1190414"/>
+                  <a:gd name="connsiteY2" fmla="*/ 764838 h 764838"/>
+                  <a:gd name="connsiteX3" fmla="*/ 0 w 1190414"/>
+                  <a:gd name="connsiteY3" fmla="*/ 764685 h 764838"/>
+                  <a:gd name="connsiteX0" fmla="*/ 59409 w 1249823"/>
+                  <a:gd name="connsiteY0" fmla="*/ 764685 h 764838"/>
+                  <a:gd name="connsiteX1" fmla="*/ 449067 w 1249823"/>
+                  <a:gd name="connsiteY1" fmla="*/ 1 h 764838"/>
+                  <a:gd name="connsiteX2" fmla="*/ 1249823 w 1249823"/>
+                  <a:gd name="connsiteY2" fmla="*/ 764838 h 764838"/>
+                  <a:gd name="connsiteX3" fmla="*/ 59409 w 1249823"/>
+                  <a:gd name="connsiteY3" fmla="*/ 764685 h 764838"/>
+                  <a:gd name="connsiteX0" fmla="*/ 58130 w 1248544"/>
+                  <a:gd name="connsiteY0" fmla="*/ 710318 h 710471"/>
+                  <a:gd name="connsiteX1" fmla="*/ 461274 w 1248544"/>
+                  <a:gd name="connsiteY1" fmla="*/ 1 h 710471"/>
+                  <a:gd name="connsiteX2" fmla="*/ 1248544 w 1248544"/>
+                  <a:gd name="connsiteY2" fmla="*/ 710471 h 710471"/>
+                  <a:gd name="connsiteX3" fmla="*/ 58130 w 1248544"/>
+                  <a:gd name="connsiteY3" fmla="*/ 710318 h 710471"/>
+                  <a:gd name="connsiteX0" fmla="*/ 56990 w 1247404"/>
+                  <a:gd name="connsiteY0" fmla="*/ 712270 h 712423"/>
+                  <a:gd name="connsiteX1" fmla="*/ 460134 w 1247404"/>
+                  <a:gd name="connsiteY1" fmla="*/ 1953 h 712423"/>
+                  <a:gd name="connsiteX2" fmla="*/ 1247404 w 1247404"/>
+                  <a:gd name="connsiteY2" fmla="*/ 712423 h 712423"/>
+                  <a:gd name="connsiteX3" fmla="*/ 56990 w 1247404"/>
+                  <a:gd name="connsiteY3" fmla="*/ 712270 h 712423"/>
+                  <a:gd name="connsiteX0" fmla="*/ 56990 w 1247404"/>
+                  <a:gd name="connsiteY0" fmla="*/ 712271 h 824494"/>
+                  <a:gd name="connsiteX1" fmla="*/ 460134 w 1247404"/>
+                  <a:gd name="connsiteY1" fmla="*/ 1954 h 824494"/>
+                  <a:gd name="connsiteX2" fmla="*/ 1247404 w 1247404"/>
+                  <a:gd name="connsiteY2" fmla="*/ 712424 h 824494"/>
+                  <a:gd name="connsiteX3" fmla="*/ 56990 w 1247404"/>
+                  <a:gd name="connsiteY3" fmla="*/ 712271 h 824494"/>
+                  <a:gd name="connsiteX0" fmla="*/ 56990 w 1442752"/>
+                  <a:gd name="connsiteY0" fmla="*/ 712271 h 858328"/>
+                  <a:gd name="connsiteX1" fmla="*/ 460134 w 1442752"/>
+                  <a:gd name="connsiteY1" fmla="*/ 1954 h 858328"/>
+                  <a:gd name="connsiteX2" fmla="*/ 1442752 w 1442752"/>
+                  <a:gd name="connsiteY2" fmla="*/ 813328 h 858328"/>
+                  <a:gd name="connsiteX3" fmla="*/ 56990 w 1442752"/>
+                  <a:gd name="connsiteY3" fmla="*/ 712271 h 858328"/>
+                  <a:gd name="connsiteX0" fmla="*/ 58537 w 1427467"/>
+                  <a:gd name="connsiteY0" fmla="*/ 693136 h 848071"/>
+                  <a:gd name="connsiteX1" fmla="*/ 444849 w 1427467"/>
+                  <a:gd name="connsiteY1" fmla="*/ 2243 h 848071"/>
+                  <a:gd name="connsiteX2" fmla="*/ 1427467 w 1427467"/>
+                  <a:gd name="connsiteY2" fmla="*/ 813617 h 848071"/>
+                  <a:gd name="connsiteX3" fmla="*/ 58537 w 1427467"/>
+                  <a:gd name="connsiteY3" fmla="*/ 693136 h 848071"/>
+                  <a:gd name="connsiteX0" fmla="*/ 58537 w 1427467"/>
+                  <a:gd name="connsiteY0" fmla="*/ 693136 h 902007"/>
+                  <a:gd name="connsiteX1" fmla="*/ 444849 w 1427467"/>
+                  <a:gd name="connsiteY1" fmla="*/ 2243 h 902007"/>
+                  <a:gd name="connsiteX2" fmla="*/ 1427467 w 1427467"/>
+                  <a:gd name="connsiteY2" fmla="*/ 813617 h 902007"/>
+                  <a:gd name="connsiteX3" fmla="*/ 58537 w 1427467"/>
+                  <a:gd name="connsiteY3" fmla="*/ 693136 h 902007"/>
+                  <a:gd name="connsiteX0" fmla="*/ 115501 w 1484431"/>
+                  <a:gd name="connsiteY0" fmla="*/ 693199 h 902072"/>
+                  <a:gd name="connsiteX1" fmla="*/ 501813 w 1484431"/>
+                  <a:gd name="connsiteY1" fmla="*/ 2306 h 902072"/>
+                  <a:gd name="connsiteX2" fmla="*/ 1484431 w 1484431"/>
+                  <a:gd name="connsiteY2" fmla="*/ 813680 h 902072"/>
+                  <a:gd name="connsiteX3" fmla="*/ 115501 w 1484431"/>
+                  <a:gd name="connsiteY3" fmla="*/ 693199 h 902072"/>
+                </a:gdLst>
+                <a:ahLst/>
+                <a:cxnLst>
+                  <a:cxn ang="0">
+                    <a:pos x="connsiteX0" y="connsiteY0"/>
+                  </a:cxn>
+                  <a:cxn ang="0">
+                    <a:pos x="connsiteX1" y="connsiteY1"/>
+                  </a:cxn>
+                  <a:cxn ang="0">
+                    <a:pos x="connsiteX2" y="connsiteY2"/>
+                  </a:cxn>
+                  <a:cxn ang="0">
+                    <a:pos x="connsiteX3" y="connsiteY3"/>
+                  </a:cxn>
+                </a:cxnLst>
+                <a:rect l="l" t="t" r="r" b="b"/>
+                <a:pathLst>
+                  <a:path w="1484431" h="902072">
+                    <a:moveTo>
+                      <a:pt x="115501" y="693199"/>
+                    </a:moveTo>
+                    <a:cubicBezTo>
+                      <a:pt x="-246384" y="65651"/>
+                      <a:pt x="343445" y="-16301"/>
+                      <a:pt x="501813" y="2306"/>
+                    </a:cubicBezTo>
+                    <a:cubicBezTo>
+                      <a:pt x="695733" y="2107"/>
+                      <a:pt x="1216391" y="562618"/>
+                      <a:pt x="1484431" y="813680"/>
+                    </a:cubicBezTo>
+                    <a:cubicBezTo>
+                      <a:pt x="1087626" y="813629"/>
+                      <a:pt x="576396" y="1077711"/>
+                      <a:pt x="115501" y="693199"/>
+                    </a:cubicBezTo>
+                    <a:close/>
+                  </a:path>
+                </a:pathLst>
+              </a:custGeom>
+              <a:solidFill>
+                <a:srgbClr val="3333FF"/>
+              </a:solidFill>
+              <a:ln w="28575">
+                <a:noFill/>
+              </a:ln>
+            </p:spPr>
+            <p:style>
+              <a:lnRef idx="2">
+                <a:schemeClr val="accent1">
+                  <a:shade val="15000"/>
+                </a:schemeClr>
+              </a:lnRef>
+              <a:fillRef idx="1">
+                <a:schemeClr val="accent1"/>
+              </a:fillRef>
+              <a:effectRef idx="0">
+                <a:schemeClr val="accent1"/>
+              </a:effectRef>
+              <a:fontRef idx="minor">
+                <a:schemeClr val="lt1"/>
+              </a:fontRef>
+            </p:style>
+            <p:txBody>
+              <a:bodyPr rtlCol="0" anchor="ctr"/>
+              <a:lstStyle/>
+              <a:p>
+                <a:pPr algn="ctr"/>
+                <a:endParaRPr lang="es-ES" dirty="0"/>
+              </a:p>
+            </p:txBody>
+          </p:sp>
+          <p:sp>
+            <p:nvSpPr>
+              <p:cNvPr id="36" name="Triángulo isósceles 4">
+                <a:extLst>
+                  <a:ext uri="{FF2B5EF4-FFF2-40B4-BE49-F238E27FC236}">
+                    <a16:creationId xmlns:a16="http://schemas.microsoft.com/office/drawing/2014/main" id="{D6BF0EA9-398A-E492-A4F4-F108E8430E14}"/>
+                  </a:ext>
+                </a:extLst>
+              </p:cNvPr>
+              <p:cNvSpPr/>
+              <p:nvPr/>
+            </p:nvSpPr>
+            <p:spPr>
+              <a:xfrm rot="18377774" flipH="1">
+                <a:off x="8114502" y="2835230"/>
+                <a:ext cx="1484431" cy="782198"/>
+              </a:xfrm>
+              <a:custGeom>
+                <a:avLst/>
+                <a:gdLst>
+                  <a:gd name="connsiteX0" fmla="*/ 0 w 1607996"/>
+                  <a:gd name="connsiteY0" fmla="*/ 874593 h 874593"/>
+                  <a:gd name="connsiteX1" fmla="*/ 802133 w 1607996"/>
+                  <a:gd name="connsiteY1" fmla="*/ 0 h 874593"/>
+                  <a:gd name="connsiteX2" fmla="*/ 1607996 w 1607996"/>
+                  <a:gd name="connsiteY2" fmla="*/ 874593 h 874593"/>
+                  <a:gd name="connsiteX3" fmla="*/ 0 w 1607996"/>
+                  <a:gd name="connsiteY3" fmla="*/ 874593 h 874593"/>
+                  <a:gd name="connsiteX0" fmla="*/ 0 w 1607996"/>
+                  <a:gd name="connsiteY0" fmla="*/ 753185 h 753185"/>
+                  <a:gd name="connsiteX1" fmla="*/ 803876 w 1607996"/>
+                  <a:gd name="connsiteY1" fmla="*/ 0 h 753185"/>
+                  <a:gd name="connsiteX2" fmla="*/ 1607996 w 1607996"/>
+                  <a:gd name="connsiteY2" fmla="*/ 753185 h 753185"/>
+                  <a:gd name="connsiteX3" fmla="*/ 0 w 1607996"/>
+                  <a:gd name="connsiteY3" fmla="*/ 753185 h 753185"/>
+                  <a:gd name="connsiteX0" fmla="*/ 0 w 1607996"/>
+                  <a:gd name="connsiteY0" fmla="*/ 760515 h 760515"/>
+                  <a:gd name="connsiteX1" fmla="*/ 803876 w 1607996"/>
+                  <a:gd name="connsiteY1" fmla="*/ 7330 h 760515"/>
+                  <a:gd name="connsiteX2" fmla="*/ 1607996 w 1607996"/>
+                  <a:gd name="connsiteY2" fmla="*/ 760515 h 760515"/>
+                  <a:gd name="connsiteX3" fmla="*/ 0 w 1607996"/>
+                  <a:gd name="connsiteY3" fmla="*/ 760515 h 760515"/>
+                  <a:gd name="connsiteX0" fmla="*/ 0 w 1607996"/>
+                  <a:gd name="connsiteY0" fmla="*/ 760515 h 760515"/>
+                  <a:gd name="connsiteX1" fmla="*/ 803876 w 1607996"/>
+                  <a:gd name="connsiteY1" fmla="*/ 7330 h 760515"/>
+                  <a:gd name="connsiteX2" fmla="*/ 1607996 w 1607996"/>
+                  <a:gd name="connsiteY2" fmla="*/ 760515 h 760515"/>
+                  <a:gd name="connsiteX3" fmla="*/ 0 w 1607996"/>
+                  <a:gd name="connsiteY3" fmla="*/ 760515 h 760515"/>
+                  <a:gd name="connsiteX0" fmla="*/ 0 w 1607996"/>
+                  <a:gd name="connsiteY0" fmla="*/ 760959 h 760959"/>
+                  <a:gd name="connsiteX1" fmla="*/ 803876 w 1607996"/>
+                  <a:gd name="connsiteY1" fmla="*/ 7774 h 760959"/>
+                  <a:gd name="connsiteX2" fmla="*/ 1607996 w 1607996"/>
+                  <a:gd name="connsiteY2" fmla="*/ 760959 h 760959"/>
+                  <a:gd name="connsiteX3" fmla="*/ 0 w 1607996"/>
+                  <a:gd name="connsiteY3" fmla="*/ 760959 h 760959"/>
+                  <a:gd name="connsiteX0" fmla="*/ 0 w 1607996"/>
+                  <a:gd name="connsiteY0" fmla="*/ 772474 h 772474"/>
+                  <a:gd name="connsiteX1" fmla="*/ 807240 w 1607996"/>
+                  <a:gd name="connsiteY1" fmla="*/ 7637 h 772474"/>
+                  <a:gd name="connsiteX2" fmla="*/ 1607996 w 1607996"/>
+                  <a:gd name="connsiteY2" fmla="*/ 772474 h 772474"/>
+                  <a:gd name="connsiteX3" fmla="*/ 0 w 1607996"/>
+                  <a:gd name="connsiteY3" fmla="*/ 772474 h 772474"/>
+                  <a:gd name="connsiteX0" fmla="*/ 0 w 1607996"/>
+                  <a:gd name="connsiteY0" fmla="*/ 769923 h 769923"/>
+                  <a:gd name="connsiteX1" fmla="*/ 807240 w 1607996"/>
+                  <a:gd name="connsiteY1" fmla="*/ 5086 h 769923"/>
+                  <a:gd name="connsiteX2" fmla="*/ 1607996 w 1607996"/>
+                  <a:gd name="connsiteY2" fmla="*/ 769923 h 769923"/>
+                  <a:gd name="connsiteX3" fmla="*/ 0 w 1607996"/>
+                  <a:gd name="connsiteY3" fmla="*/ 769923 h 769923"/>
+                  <a:gd name="connsiteX0" fmla="*/ 0 w 1607996"/>
+                  <a:gd name="connsiteY0" fmla="*/ 764838 h 764838"/>
+                  <a:gd name="connsiteX1" fmla="*/ 807240 w 1607996"/>
+                  <a:gd name="connsiteY1" fmla="*/ 1 h 764838"/>
+                  <a:gd name="connsiteX2" fmla="*/ 1607996 w 1607996"/>
+                  <a:gd name="connsiteY2" fmla="*/ 764838 h 764838"/>
+                  <a:gd name="connsiteX3" fmla="*/ 0 w 1607996"/>
+                  <a:gd name="connsiteY3" fmla="*/ 764838 h 764838"/>
+                  <a:gd name="connsiteX0" fmla="*/ 0 w 1190414"/>
+                  <a:gd name="connsiteY0" fmla="*/ 764685 h 764838"/>
+                  <a:gd name="connsiteX1" fmla="*/ 389658 w 1190414"/>
+                  <a:gd name="connsiteY1" fmla="*/ 1 h 764838"/>
+                  <a:gd name="connsiteX2" fmla="*/ 1190414 w 1190414"/>
+                  <a:gd name="connsiteY2" fmla="*/ 764838 h 764838"/>
+                  <a:gd name="connsiteX3" fmla="*/ 0 w 1190414"/>
+                  <a:gd name="connsiteY3" fmla="*/ 764685 h 764838"/>
+                  <a:gd name="connsiteX0" fmla="*/ 0 w 1190414"/>
+                  <a:gd name="connsiteY0" fmla="*/ 764685 h 764838"/>
+                  <a:gd name="connsiteX1" fmla="*/ 389658 w 1190414"/>
+                  <a:gd name="connsiteY1" fmla="*/ 1 h 764838"/>
+                  <a:gd name="connsiteX2" fmla="*/ 1190414 w 1190414"/>
+                  <a:gd name="connsiteY2" fmla="*/ 764838 h 764838"/>
+                  <a:gd name="connsiteX3" fmla="*/ 0 w 1190414"/>
+                  <a:gd name="connsiteY3" fmla="*/ 764685 h 764838"/>
+                  <a:gd name="connsiteX0" fmla="*/ 59409 w 1249823"/>
+                  <a:gd name="connsiteY0" fmla="*/ 764685 h 764838"/>
+                  <a:gd name="connsiteX1" fmla="*/ 449067 w 1249823"/>
+                  <a:gd name="connsiteY1" fmla="*/ 1 h 764838"/>
+                  <a:gd name="connsiteX2" fmla="*/ 1249823 w 1249823"/>
+                  <a:gd name="connsiteY2" fmla="*/ 764838 h 764838"/>
+                  <a:gd name="connsiteX3" fmla="*/ 59409 w 1249823"/>
+                  <a:gd name="connsiteY3" fmla="*/ 764685 h 764838"/>
+                  <a:gd name="connsiteX0" fmla="*/ 58130 w 1248544"/>
+                  <a:gd name="connsiteY0" fmla="*/ 710318 h 710471"/>
+                  <a:gd name="connsiteX1" fmla="*/ 461274 w 1248544"/>
+                  <a:gd name="connsiteY1" fmla="*/ 1 h 710471"/>
+                  <a:gd name="connsiteX2" fmla="*/ 1248544 w 1248544"/>
+                  <a:gd name="connsiteY2" fmla="*/ 710471 h 710471"/>
+                  <a:gd name="connsiteX3" fmla="*/ 58130 w 1248544"/>
+                  <a:gd name="connsiteY3" fmla="*/ 710318 h 710471"/>
+                  <a:gd name="connsiteX0" fmla="*/ 56990 w 1247404"/>
+                  <a:gd name="connsiteY0" fmla="*/ 712270 h 712423"/>
+                  <a:gd name="connsiteX1" fmla="*/ 460134 w 1247404"/>
+                  <a:gd name="connsiteY1" fmla="*/ 1953 h 712423"/>
+                  <a:gd name="connsiteX2" fmla="*/ 1247404 w 1247404"/>
+                  <a:gd name="connsiteY2" fmla="*/ 712423 h 712423"/>
+                  <a:gd name="connsiteX3" fmla="*/ 56990 w 1247404"/>
+                  <a:gd name="connsiteY3" fmla="*/ 712270 h 712423"/>
+                  <a:gd name="connsiteX0" fmla="*/ 56990 w 1247404"/>
+                  <a:gd name="connsiteY0" fmla="*/ 712271 h 824494"/>
+                  <a:gd name="connsiteX1" fmla="*/ 460134 w 1247404"/>
+                  <a:gd name="connsiteY1" fmla="*/ 1954 h 824494"/>
+                  <a:gd name="connsiteX2" fmla="*/ 1247404 w 1247404"/>
+                  <a:gd name="connsiteY2" fmla="*/ 712424 h 824494"/>
+                  <a:gd name="connsiteX3" fmla="*/ 56990 w 1247404"/>
+                  <a:gd name="connsiteY3" fmla="*/ 712271 h 824494"/>
+                  <a:gd name="connsiteX0" fmla="*/ 56990 w 1442752"/>
+                  <a:gd name="connsiteY0" fmla="*/ 712271 h 858328"/>
+                  <a:gd name="connsiteX1" fmla="*/ 460134 w 1442752"/>
+                  <a:gd name="connsiteY1" fmla="*/ 1954 h 858328"/>
+                  <a:gd name="connsiteX2" fmla="*/ 1442752 w 1442752"/>
+                  <a:gd name="connsiteY2" fmla="*/ 813328 h 858328"/>
+                  <a:gd name="connsiteX3" fmla="*/ 56990 w 1442752"/>
+                  <a:gd name="connsiteY3" fmla="*/ 712271 h 858328"/>
+                  <a:gd name="connsiteX0" fmla="*/ 58537 w 1427467"/>
+                  <a:gd name="connsiteY0" fmla="*/ 693136 h 848071"/>
+                  <a:gd name="connsiteX1" fmla="*/ 444849 w 1427467"/>
+                  <a:gd name="connsiteY1" fmla="*/ 2243 h 848071"/>
+                  <a:gd name="connsiteX2" fmla="*/ 1427467 w 1427467"/>
+                  <a:gd name="connsiteY2" fmla="*/ 813617 h 848071"/>
+                  <a:gd name="connsiteX3" fmla="*/ 58537 w 1427467"/>
+                  <a:gd name="connsiteY3" fmla="*/ 693136 h 848071"/>
+                  <a:gd name="connsiteX0" fmla="*/ 58537 w 1427467"/>
+                  <a:gd name="connsiteY0" fmla="*/ 693136 h 902007"/>
+                  <a:gd name="connsiteX1" fmla="*/ 444849 w 1427467"/>
+                  <a:gd name="connsiteY1" fmla="*/ 2243 h 902007"/>
+                  <a:gd name="connsiteX2" fmla="*/ 1427467 w 1427467"/>
+                  <a:gd name="connsiteY2" fmla="*/ 813617 h 902007"/>
+                  <a:gd name="connsiteX3" fmla="*/ 58537 w 1427467"/>
+                  <a:gd name="connsiteY3" fmla="*/ 693136 h 902007"/>
+                  <a:gd name="connsiteX0" fmla="*/ 115501 w 1484431"/>
+                  <a:gd name="connsiteY0" fmla="*/ 693199 h 902072"/>
+                  <a:gd name="connsiteX1" fmla="*/ 501813 w 1484431"/>
+                  <a:gd name="connsiteY1" fmla="*/ 2306 h 902072"/>
+                  <a:gd name="connsiteX2" fmla="*/ 1484431 w 1484431"/>
+                  <a:gd name="connsiteY2" fmla="*/ 813680 h 902072"/>
+                  <a:gd name="connsiteX3" fmla="*/ 115501 w 1484431"/>
+                  <a:gd name="connsiteY3" fmla="*/ 693199 h 902072"/>
+                </a:gdLst>
+                <a:ahLst/>
+                <a:cxnLst>
+                  <a:cxn ang="0">
+                    <a:pos x="connsiteX0" y="connsiteY0"/>
+                  </a:cxn>
+                  <a:cxn ang="0">
+                    <a:pos x="connsiteX1" y="connsiteY1"/>
+                  </a:cxn>
+                  <a:cxn ang="0">
+                    <a:pos x="connsiteX2" y="connsiteY2"/>
+                  </a:cxn>
+                  <a:cxn ang="0">
+                    <a:pos x="connsiteX3" y="connsiteY3"/>
+                  </a:cxn>
+                </a:cxnLst>
+                <a:rect l="l" t="t" r="r" b="b"/>
+                <a:pathLst>
+                  <a:path w="1484431" h="902072">
+                    <a:moveTo>
+                      <a:pt x="115501" y="693199"/>
+                    </a:moveTo>
+                    <a:cubicBezTo>
+                      <a:pt x="-246384" y="65651"/>
+                      <a:pt x="343445" y="-16301"/>
+                      <a:pt x="501813" y="2306"/>
+                    </a:cubicBezTo>
+                    <a:cubicBezTo>
+                      <a:pt x="695733" y="2107"/>
+                      <a:pt x="1216391" y="562618"/>
+                      <a:pt x="1484431" y="813680"/>
+                    </a:cubicBezTo>
+                    <a:cubicBezTo>
+                      <a:pt x="1087626" y="813629"/>
+                      <a:pt x="576396" y="1077711"/>
+                      <a:pt x="115501" y="693199"/>
+                    </a:cubicBezTo>
+                    <a:close/>
+                  </a:path>
+                </a:pathLst>
+              </a:custGeom>
+              <a:solidFill>
+                <a:srgbClr val="3333FF"/>
+              </a:solidFill>
+              <a:ln w="28575">
+                <a:noFill/>
+              </a:ln>
+            </p:spPr>
+            <p:style>
+              <a:lnRef idx="2">
+                <a:schemeClr val="accent1">
+                  <a:shade val="15000"/>
+                </a:schemeClr>
+              </a:lnRef>
+              <a:fillRef idx="1">
+                <a:schemeClr val="accent1"/>
+              </a:fillRef>
+              <a:effectRef idx="0">
+                <a:schemeClr val="accent1"/>
+              </a:effectRef>
+              <a:fontRef idx="minor">
+                <a:schemeClr val="lt1"/>
+              </a:fontRef>
+            </p:style>
+            <p:txBody>
+              <a:bodyPr rtlCol="0" anchor="ctr"/>
+              <a:lstStyle/>
+              <a:p>
+                <a:pPr algn="ctr"/>
+                <a:endParaRPr lang="es-ES" dirty="0"/>
+              </a:p>
+            </p:txBody>
+          </p:sp>
+        </p:grpSp>
+        <p:grpSp>
+          <p:nvGrpSpPr>
+            <p:cNvPr id="41" name="Grupo 40">
+              <a:extLst>
+                <a:ext uri="{FF2B5EF4-FFF2-40B4-BE49-F238E27FC236}">
+                  <a16:creationId xmlns:a16="http://schemas.microsoft.com/office/drawing/2014/main" id="{3FEB4D2C-B87F-3B74-32E1-7CE81C5419CF}"/>
+                </a:ext>
+              </a:extLst>
+            </p:cNvPr>
+            <p:cNvGrpSpPr/>
+            <p:nvPr/>
+          </p:nvGrpSpPr>
+          <p:grpSpPr>
+            <a:xfrm>
+              <a:off x="8987114" y="2648306"/>
+              <a:ext cx="1003460" cy="369168"/>
+              <a:chOff x="8987114" y="2648306"/>
+              <a:chExt cx="1003460" cy="369168"/>
+            </a:xfrm>
+          </p:grpSpPr>
+          <p:sp>
+            <p:nvSpPr>
+              <p:cNvPr id="38" name="Forma libre: forma 37">
+                <a:extLst>
+                  <a:ext uri="{FF2B5EF4-FFF2-40B4-BE49-F238E27FC236}">
+                    <a16:creationId xmlns:a16="http://schemas.microsoft.com/office/drawing/2014/main" id="{79CCCB9C-6618-BCD1-59E6-5A2CED08A2F3}"/>
+                  </a:ext>
+                </a:extLst>
+              </p:cNvPr>
+              <p:cNvSpPr/>
+              <p:nvPr/>
+            </p:nvSpPr>
+            <p:spPr>
+              <a:xfrm>
+                <a:off x="8991600" y="2648306"/>
+                <a:ext cx="998974" cy="242532"/>
+              </a:xfrm>
+              <a:custGeom>
+                <a:avLst/>
+                <a:gdLst>
+                  <a:gd name="connsiteX0" fmla="*/ 0 w 985838"/>
+                  <a:gd name="connsiteY0" fmla="*/ 81386 h 209974"/>
+                  <a:gd name="connsiteX1" fmla="*/ 200025 w 985838"/>
+                  <a:gd name="connsiteY1" fmla="*/ 5186 h 209974"/>
+                  <a:gd name="connsiteX2" fmla="*/ 985838 w 985838"/>
+                  <a:gd name="connsiteY2" fmla="*/ 209974 h 209974"/>
+                  <a:gd name="connsiteX0" fmla="*/ 0 w 938213"/>
+                  <a:gd name="connsiteY0" fmla="*/ 33488 h 223989"/>
+                  <a:gd name="connsiteX1" fmla="*/ 152400 w 938213"/>
+                  <a:gd name="connsiteY1" fmla="*/ 19201 h 223989"/>
+                  <a:gd name="connsiteX2" fmla="*/ 938213 w 938213"/>
+                  <a:gd name="connsiteY2" fmla="*/ 223989 h 223989"/>
+                  <a:gd name="connsiteX0" fmla="*/ 0 w 938213"/>
+                  <a:gd name="connsiteY0" fmla="*/ 30094 h 220595"/>
+                  <a:gd name="connsiteX1" fmla="*/ 152400 w 938213"/>
+                  <a:gd name="connsiteY1" fmla="*/ 15807 h 220595"/>
+                  <a:gd name="connsiteX2" fmla="*/ 938213 w 938213"/>
+                  <a:gd name="connsiteY2" fmla="*/ 220595 h 220595"/>
+                  <a:gd name="connsiteX0" fmla="*/ 0 w 938213"/>
+                  <a:gd name="connsiteY0" fmla="*/ 23588 h 214089"/>
+                  <a:gd name="connsiteX1" fmla="*/ 152400 w 938213"/>
+                  <a:gd name="connsiteY1" fmla="*/ 9301 h 214089"/>
+                  <a:gd name="connsiteX2" fmla="*/ 938213 w 938213"/>
+                  <a:gd name="connsiteY2" fmla="*/ 214089 h 214089"/>
+                  <a:gd name="connsiteX0" fmla="*/ 0 w 938213"/>
+                  <a:gd name="connsiteY0" fmla="*/ 13930 h 204431"/>
+                  <a:gd name="connsiteX1" fmla="*/ 219075 w 938213"/>
+                  <a:gd name="connsiteY1" fmla="*/ 13931 h 204431"/>
+                  <a:gd name="connsiteX2" fmla="*/ 938213 w 938213"/>
+                  <a:gd name="connsiteY2" fmla="*/ 204431 h 204431"/>
+                </a:gdLst>
+                <a:ahLst/>
+                <a:cxnLst>
+                  <a:cxn ang="0">
+                    <a:pos x="connsiteX0" y="connsiteY0"/>
+                  </a:cxn>
+                  <a:cxn ang="0">
+                    <a:pos x="connsiteX1" y="connsiteY1"/>
+                  </a:cxn>
+                  <a:cxn ang="0">
+                    <a:pos x="connsiteX2" y="connsiteY2"/>
+                  </a:cxn>
+                </a:cxnLst>
+                <a:rect l="l" t="t" r="r" b="b"/>
+                <a:pathLst>
+                  <a:path w="938213" h="204431">
+                    <a:moveTo>
+                      <a:pt x="0" y="13930"/>
+                    </a:moveTo>
+                    <a:cubicBezTo>
+                      <a:pt x="127396" y="-1548"/>
+                      <a:pt x="54769" y="-7500"/>
+                      <a:pt x="219075" y="13931"/>
+                    </a:cubicBezTo>
+                    <a:cubicBezTo>
+                      <a:pt x="383381" y="35362"/>
+                      <a:pt x="627459" y="112752"/>
+                      <a:pt x="938213" y="204431"/>
+                    </a:cubicBezTo>
+                  </a:path>
+                </a:pathLst>
+              </a:custGeom>
+              <a:noFill/>
+            </p:spPr>
+            <p:style>
+              <a:lnRef idx="2">
+                <a:schemeClr val="accent1">
+                  <a:shade val="15000"/>
+                </a:schemeClr>
+              </a:lnRef>
+              <a:fillRef idx="1">
+                <a:schemeClr val="accent1"/>
+              </a:fillRef>
+              <a:effectRef idx="0">
+                <a:schemeClr val="accent1"/>
+              </a:effectRef>
+              <a:fontRef idx="minor">
+                <a:schemeClr val="lt1"/>
+              </a:fontRef>
+            </p:style>
+            <p:txBody>
+              <a:bodyPr rtlCol="0" anchor="ctr"/>
+              <a:lstStyle/>
+              <a:p>
+                <a:pPr algn="ctr"/>
+                <a:endParaRPr lang="es-ES"/>
+              </a:p>
+            </p:txBody>
+          </p:sp>
+          <p:sp>
+            <p:nvSpPr>
+              <p:cNvPr id="39" name="Forma libre: forma 38">
+                <a:extLst>
+                  <a:ext uri="{FF2B5EF4-FFF2-40B4-BE49-F238E27FC236}">
+                    <a16:creationId xmlns:a16="http://schemas.microsoft.com/office/drawing/2014/main" id="{02D317BB-A1E0-FF72-7FF7-B185A3A1A71E}"/>
+                  </a:ext>
+                </a:extLst>
+              </p:cNvPr>
+              <p:cNvSpPr/>
+              <p:nvPr/>
+            </p:nvSpPr>
+            <p:spPr>
+              <a:xfrm>
+                <a:off x="8987114" y="2729063"/>
+                <a:ext cx="789157" cy="204432"/>
+              </a:xfrm>
+              <a:custGeom>
+                <a:avLst/>
+                <a:gdLst>
+                  <a:gd name="connsiteX0" fmla="*/ 0 w 985838"/>
+                  <a:gd name="connsiteY0" fmla="*/ 81386 h 209974"/>
+                  <a:gd name="connsiteX1" fmla="*/ 200025 w 985838"/>
+                  <a:gd name="connsiteY1" fmla="*/ 5186 h 209974"/>
+                  <a:gd name="connsiteX2" fmla="*/ 985838 w 985838"/>
+                  <a:gd name="connsiteY2" fmla="*/ 209974 h 209974"/>
+                  <a:gd name="connsiteX0" fmla="*/ 22925 w 875413"/>
+                  <a:gd name="connsiteY0" fmla="*/ 38808 h 219784"/>
+                  <a:gd name="connsiteX1" fmla="*/ 89600 w 875413"/>
+                  <a:gd name="connsiteY1" fmla="*/ 14996 h 219784"/>
+                  <a:gd name="connsiteX2" fmla="*/ 875413 w 875413"/>
+                  <a:gd name="connsiteY2" fmla="*/ 219784 h 219784"/>
+                  <a:gd name="connsiteX0" fmla="*/ 0 w 923926"/>
+                  <a:gd name="connsiteY0" fmla="*/ 24113 h 238426"/>
+                  <a:gd name="connsiteX1" fmla="*/ 138113 w 923926"/>
+                  <a:gd name="connsiteY1" fmla="*/ 33638 h 238426"/>
+                  <a:gd name="connsiteX2" fmla="*/ 923926 w 923926"/>
+                  <a:gd name="connsiteY2" fmla="*/ 238426 h 238426"/>
+                  <a:gd name="connsiteX0" fmla="*/ 41455 w 865369"/>
+                  <a:gd name="connsiteY0" fmla="*/ 27279 h 232067"/>
+                  <a:gd name="connsiteX1" fmla="*/ 79556 w 865369"/>
+                  <a:gd name="connsiteY1" fmla="*/ 27279 h 232067"/>
+                  <a:gd name="connsiteX2" fmla="*/ 865369 w 865369"/>
+                  <a:gd name="connsiteY2" fmla="*/ 232067 h 232067"/>
+                  <a:gd name="connsiteX0" fmla="*/ 84262 w 908176"/>
+                  <a:gd name="connsiteY0" fmla="*/ 17439 h 222227"/>
+                  <a:gd name="connsiteX1" fmla="*/ 122363 w 908176"/>
+                  <a:gd name="connsiteY1" fmla="*/ 17439 h 222227"/>
+                  <a:gd name="connsiteX2" fmla="*/ 908176 w 908176"/>
+                  <a:gd name="connsiteY2" fmla="*/ 222227 h 222227"/>
+                  <a:gd name="connsiteX0" fmla="*/ 86125 w 910039"/>
+                  <a:gd name="connsiteY0" fmla="*/ 10991 h 215779"/>
+                  <a:gd name="connsiteX1" fmla="*/ 124226 w 910039"/>
+                  <a:gd name="connsiteY1" fmla="*/ 10991 h 215779"/>
+                  <a:gd name="connsiteX2" fmla="*/ 910039 w 910039"/>
+                  <a:gd name="connsiteY2" fmla="*/ 215779 h 215779"/>
+                </a:gdLst>
+                <a:ahLst/>
+                <a:cxnLst>
+                  <a:cxn ang="0">
+                    <a:pos x="connsiteX0" y="connsiteY0"/>
+                  </a:cxn>
+                  <a:cxn ang="0">
+                    <a:pos x="connsiteX1" y="connsiteY1"/>
+                  </a:cxn>
+                  <a:cxn ang="0">
+                    <a:pos x="connsiteX2" y="connsiteY2"/>
+                  </a:cxn>
+                </a:cxnLst>
+                <a:rect l="l" t="t" r="r" b="b"/>
+                <a:pathLst>
+                  <a:path w="910039" h="215779">
+                    <a:moveTo>
+                      <a:pt x="86125" y="10991"/>
+                    </a:moveTo>
+                    <a:cubicBezTo>
+                      <a:pt x="-29366" y="5037"/>
+                      <a:pt x="-40080" y="-10440"/>
+                      <a:pt x="124226" y="10991"/>
+                    </a:cubicBezTo>
+                    <a:cubicBezTo>
+                      <a:pt x="288532" y="32422"/>
+                      <a:pt x="599285" y="124100"/>
+                      <a:pt x="910039" y="215779"/>
+                    </a:cubicBezTo>
+                  </a:path>
+                </a:pathLst>
+              </a:custGeom>
+              <a:noFill/>
+            </p:spPr>
+            <p:style>
+              <a:lnRef idx="2">
+                <a:schemeClr val="accent1">
+                  <a:shade val="15000"/>
+                </a:schemeClr>
+              </a:lnRef>
+              <a:fillRef idx="1">
+                <a:schemeClr val="accent1"/>
+              </a:fillRef>
+              <a:effectRef idx="0">
+                <a:schemeClr val="accent1"/>
+              </a:effectRef>
+              <a:fontRef idx="minor">
+                <a:schemeClr val="lt1"/>
+              </a:fontRef>
+            </p:style>
+            <p:txBody>
+              <a:bodyPr rtlCol="0" anchor="ctr"/>
+              <a:lstStyle/>
+              <a:p>
+                <a:pPr algn="ctr"/>
+                <a:endParaRPr lang="es-ES"/>
+              </a:p>
+            </p:txBody>
+          </p:sp>
+          <p:sp>
+            <p:nvSpPr>
+              <p:cNvPr id="40" name="Forma libre: forma 39">
+                <a:extLst>
+                  <a:ext uri="{FF2B5EF4-FFF2-40B4-BE49-F238E27FC236}">
+                    <a16:creationId xmlns:a16="http://schemas.microsoft.com/office/drawing/2014/main" id="{CAB0591E-0F6E-B843-D487-DD70D272C37D}"/>
+                  </a:ext>
+                </a:extLst>
+              </p:cNvPr>
+              <p:cNvSpPr/>
+              <p:nvPr/>
+            </p:nvSpPr>
+            <p:spPr>
+              <a:xfrm>
+                <a:off x="9088244" y="2843820"/>
+                <a:ext cx="640174" cy="173654"/>
+              </a:xfrm>
+              <a:custGeom>
+                <a:avLst/>
+                <a:gdLst>
+                  <a:gd name="connsiteX0" fmla="*/ 0 w 985838"/>
+                  <a:gd name="connsiteY0" fmla="*/ 81386 h 209974"/>
+                  <a:gd name="connsiteX1" fmla="*/ 200025 w 985838"/>
+                  <a:gd name="connsiteY1" fmla="*/ 5186 h 209974"/>
+                  <a:gd name="connsiteX2" fmla="*/ 985838 w 985838"/>
+                  <a:gd name="connsiteY2" fmla="*/ 209974 h 209974"/>
+                  <a:gd name="connsiteX0" fmla="*/ 22925 w 875413"/>
+                  <a:gd name="connsiteY0" fmla="*/ 38808 h 219784"/>
+                  <a:gd name="connsiteX1" fmla="*/ 89600 w 875413"/>
+                  <a:gd name="connsiteY1" fmla="*/ 14996 h 219784"/>
+                  <a:gd name="connsiteX2" fmla="*/ 875413 w 875413"/>
+                  <a:gd name="connsiteY2" fmla="*/ 219784 h 219784"/>
+                  <a:gd name="connsiteX0" fmla="*/ 0 w 923926"/>
+                  <a:gd name="connsiteY0" fmla="*/ 24113 h 238426"/>
+                  <a:gd name="connsiteX1" fmla="*/ 138113 w 923926"/>
+                  <a:gd name="connsiteY1" fmla="*/ 33638 h 238426"/>
+                  <a:gd name="connsiteX2" fmla="*/ 923926 w 923926"/>
+                  <a:gd name="connsiteY2" fmla="*/ 238426 h 238426"/>
+                  <a:gd name="connsiteX0" fmla="*/ 41455 w 865369"/>
+                  <a:gd name="connsiteY0" fmla="*/ 27279 h 232067"/>
+                  <a:gd name="connsiteX1" fmla="*/ 79556 w 865369"/>
+                  <a:gd name="connsiteY1" fmla="*/ 27279 h 232067"/>
+                  <a:gd name="connsiteX2" fmla="*/ 865369 w 865369"/>
+                  <a:gd name="connsiteY2" fmla="*/ 232067 h 232067"/>
+                  <a:gd name="connsiteX0" fmla="*/ 84262 w 908176"/>
+                  <a:gd name="connsiteY0" fmla="*/ 17439 h 222227"/>
+                  <a:gd name="connsiteX1" fmla="*/ 122363 w 908176"/>
+                  <a:gd name="connsiteY1" fmla="*/ 17439 h 222227"/>
+                  <a:gd name="connsiteX2" fmla="*/ 908176 w 908176"/>
+                  <a:gd name="connsiteY2" fmla="*/ 222227 h 222227"/>
+                  <a:gd name="connsiteX0" fmla="*/ 86125 w 910039"/>
+                  <a:gd name="connsiteY0" fmla="*/ 10991 h 215779"/>
+                  <a:gd name="connsiteX1" fmla="*/ 124226 w 910039"/>
+                  <a:gd name="connsiteY1" fmla="*/ 10991 h 215779"/>
+                  <a:gd name="connsiteX2" fmla="*/ 910039 w 910039"/>
+                  <a:gd name="connsiteY2" fmla="*/ 215779 h 215779"/>
+                </a:gdLst>
+                <a:ahLst/>
+                <a:cxnLst>
+                  <a:cxn ang="0">
+                    <a:pos x="connsiteX0" y="connsiteY0"/>
+                  </a:cxn>
+                  <a:cxn ang="0">
+                    <a:pos x="connsiteX1" y="connsiteY1"/>
+                  </a:cxn>
+                  <a:cxn ang="0">
+                    <a:pos x="connsiteX2" y="connsiteY2"/>
+                  </a:cxn>
+                </a:cxnLst>
+                <a:rect l="l" t="t" r="r" b="b"/>
+                <a:pathLst>
+                  <a:path w="910039" h="215779">
+                    <a:moveTo>
+                      <a:pt x="86125" y="10991"/>
+                    </a:moveTo>
+                    <a:cubicBezTo>
+                      <a:pt x="-29366" y="5037"/>
+                      <a:pt x="-40080" y="-10440"/>
+                      <a:pt x="124226" y="10991"/>
+                    </a:cubicBezTo>
+                    <a:cubicBezTo>
+                      <a:pt x="288532" y="32422"/>
+                      <a:pt x="599285" y="124100"/>
+                      <a:pt x="910039" y="215779"/>
+                    </a:cubicBezTo>
+                  </a:path>
+                </a:pathLst>
+              </a:custGeom>
+              <a:noFill/>
+            </p:spPr>
+            <p:style>
+              <a:lnRef idx="2">
+                <a:schemeClr val="accent1">
+                  <a:shade val="15000"/>
+                </a:schemeClr>
+              </a:lnRef>
+              <a:fillRef idx="1">
+                <a:schemeClr val="accent1"/>
+              </a:fillRef>
+              <a:effectRef idx="0">
+                <a:schemeClr val="accent1"/>
+              </a:effectRef>
+              <a:fontRef idx="minor">
+                <a:schemeClr val="lt1"/>
+              </a:fontRef>
+            </p:style>
+            <p:txBody>
+              <a:bodyPr rtlCol="0" anchor="ctr"/>
+              <a:lstStyle/>
+              <a:p>
+                <a:pPr algn="ctr"/>
+                <a:endParaRPr lang="es-ES"/>
+              </a:p>
+            </p:txBody>
+          </p:sp>
+        </p:grpSp>
+        <p:grpSp>
+          <p:nvGrpSpPr>
+            <p:cNvPr id="42" name="Grupo 41">
+              <a:extLst>
+                <a:ext uri="{FF2B5EF4-FFF2-40B4-BE49-F238E27FC236}">
+                  <a16:creationId xmlns:a16="http://schemas.microsoft.com/office/drawing/2014/main" id="{1C69B719-DFE1-B17E-495A-BDCF341EE964}"/>
+                </a:ext>
+              </a:extLst>
+            </p:cNvPr>
+            <p:cNvGrpSpPr/>
+            <p:nvPr/>
+          </p:nvGrpSpPr>
+          <p:grpSpPr>
+            <a:xfrm rot="17248643" flipH="1">
+              <a:off x="8316498" y="3148851"/>
+              <a:ext cx="1003460" cy="369168"/>
+              <a:chOff x="8987114" y="2648306"/>
+              <a:chExt cx="1003460" cy="369168"/>
+            </a:xfrm>
+          </p:grpSpPr>
+          <p:sp>
+            <p:nvSpPr>
+              <p:cNvPr id="43" name="Forma libre: forma 42">
+                <a:extLst>
+                  <a:ext uri="{FF2B5EF4-FFF2-40B4-BE49-F238E27FC236}">
+                    <a16:creationId xmlns:a16="http://schemas.microsoft.com/office/drawing/2014/main" id="{8790D69D-1B37-BC7B-7230-795D15A6A8E4}"/>
+                  </a:ext>
+                </a:extLst>
+              </p:cNvPr>
+              <p:cNvSpPr/>
+              <p:nvPr/>
+            </p:nvSpPr>
+            <p:spPr>
+              <a:xfrm>
+                <a:off x="8991600" y="2648306"/>
+                <a:ext cx="998974" cy="242532"/>
+              </a:xfrm>
+              <a:custGeom>
+                <a:avLst/>
+                <a:gdLst>
+                  <a:gd name="connsiteX0" fmla="*/ 0 w 985838"/>
+                  <a:gd name="connsiteY0" fmla="*/ 81386 h 209974"/>
+                  <a:gd name="connsiteX1" fmla="*/ 200025 w 985838"/>
+                  <a:gd name="connsiteY1" fmla="*/ 5186 h 209974"/>
+                  <a:gd name="connsiteX2" fmla="*/ 985838 w 985838"/>
+                  <a:gd name="connsiteY2" fmla="*/ 209974 h 209974"/>
+                  <a:gd name="connsiteX0" fmla="*/ 0 w 938213"/>
+                  <a:gd name="connsiteY0" fmla="*/ 33488 h 223989"/>
+                  <a:gd name="connsiteX1" fmla="*/ 152400 w 938213"/>
+                  <a:gd name="connsiteY1" fmla="*/ 19201 h 223989"/>
+                  <a:gd name="connsiteX2" fmla="*/ 938213 w 938213"/>
+                  <a:gd name="connsiteY2" fmla="*/ 223989 h 223989"/>
+                  <a:gd name="connsiteX0" fmla="*/ 0 w 938213"/>
+                  <a:gd name="connsiteY0" fmla="*/ 30094 h 220595"/>
+                  <a:gd name="connsiteX1" fmla="*/ 152400 w 938213"/>
+                  <a:gd name="connsiteY1" fmla="*/ 15807 h 220595"/>
+                  <a:gd name="connsiteX2" fmla="*/ 938213 w 938213"/>
+                  <a:gd name="connsiteY2" fmla="*/ 220595 h 220595"/>
+                  <a:gd name="connsiteX0" fmla="*/ 0 w 938213"/>
+                  <a:gd name="connsiteY0" fmla="*/ 23588 h 214089"/>
+                  <a:gd name="connsiteX1" fmla="*/ 152400 w 938213"/>
+                  <a:gd name="connsiteY1" fmla="*/ 9301 h 214089"/>
+                  <a:gd name="connsiteX2" fmla="*/ 938213 w 938213"/>
+                  <a:gd name="connsiteY2" fmla="*/ 214089 h 214089"/>
+                  <a:gd name="connsiteX0" fmla="*/ 0 w 938213"/>
+                  <a:gd name="connsiteY0" fmla="*/ 13930 h 204431"/>
+                  <a:gd name="connsiteX1" fmla="*/ 219075 w 938213"/>
+                  <a:gd name="connsiteY1" fmla="*/ 13931 h 204431"/>
+                  <a:gd name="connsiteX2" fmla="*/ 938213 w 938213"/>
+                  <a:gd name="connsiteY2" fmla="*/ 204431 h 204431"/>
+                </a:gdLst>
+                <a:ahLst/>
+                <a:cxnLst>
+                  <a:cxn ang="0">
+                    <a:pos x="connsiteX0" y="connsiteY0"/>
+                  </a:cxn>
+                  <a:cxn ang="0">
+                    <a:pos x="connsiteX1" y="connsiteY1"/>
+                  </a:cxn>
+                  <a:cxn ang="0">
+                    <a:pos x="connsiteX2" y="connsiteY2"/>
+                  </a:cxn>
+                </a:cxnLst>
+                <a:rect l="l" t="t" r="r" b="b"/>
+                <a:pathLst>
+                  <a:path w="938213" h="204431">
+                    <a:moveTo>
+                      <a:pt x="0" y="13930"/>
+                    </a:moveTo>
+                    <a:cubicBezTo>
+                      <a:pt x="127396" y="-1548"/>
+                      <a:pt x="54769" y="-7500"/>
+                      <a:pt x="219075" y="13931"/>
+                    </a:cubicBezTo>
+                    <a:cubicBezTo>
+                      <a:pt x="383381" y="35362"/>
+                      <a:pt x="627459" y="112752"/>
+                      <a:pt x="938213" y="204431"/>
+                    </a:cubicBezTo>
+                  </a:path>
+                </a:pathLst>
+              </a:custGeom>
+              <a:noFill/>
+            </p:spPr>
+            <p:style>
+              <a:lnRef idx="2">
+                <a:schemeClr val="accent1">
+                  <a:shade val="15000"/>
+                </a:schemeClr>
+              </a:lnRef>
+              <a:fillRef idx="1">
+                <a:schemeClr val="accent1"/>
+              </a:fillRef>
+              <a:effectRef idx="0">
+                <a:schemeClr val="accent1"/>
+              </a:effectRef>
+              <a:fontRef idx="minor">
+                <a:schemeClr val="lt1"/>
+              </a:fontRef>
+            </p:style>
+            <p:txBody>
+              <a:bodyPr rtlCol="0" anchor="ctr"/>
+              <a:lstStyle/>
+              <a:p>
+                <a:pPr algn="ctr"/>
+                <a:endParaRPr lang="es-ES"/>
+              </a:p>
+            </p:txBody>
+          </p:sp>
+          <p:sp>
+            <p:nvSpPr>
+              <p:cNvPr id="44" name="Forma libre: forma 43">
+                <a:extLst>
+                  <a:ext uri="{FF2B5EF4-FFF2-40B4-BE49-F238E27FC236}">
+                    <a16:creationId xmlns:a16="http://schemas.microsoft.com/office/drawing/2014/main" id="{3FC359F2-3CC6-6AE1-8BAB-A84877D41D2B}"/>
+                  </a:ext>
+                </a:extLst>
+              </p:cNvPr>
+              <p:cNvSpPr/>
+              <p:nvPr/>
+            </p:nvSpPr>
+            <p:spPr>
+              <a:xfrm>
+                <a:off x="8987114" y="2729063"/>
+                <a:ext cx="789157" cy="204432"/>
+              </a:xfrm>
+              <a:custGeom>
+                <a:avLst/>
+                <a:gdLst>
+                  <a:gd name="connsiteX0" fmla="*/ 0 w 985838"/>
+                  <a:gd name="connsiteY0" fmla="*/ 81386 h 209974"/>
+                  <a:gd name="connsiteX1" fmla="*/ 200025 w 985838"/>
+                  <a:gd name="connsiteY1" fmla="*/ 5186 h 209974"/>
+                  <a:gd name="connsiteX2" fmla="*/ 985838 w 985838"/>
+                  <a:gd name="connsiteY2" fmla="*/ 209974 h 209974"/>
+                  <a:gd name="connsiteX0" fmla="*/ 22925 w 875413"/>
+                  <a:gd name="connsiteY0" fmla="*/ 38808 h 219784"/>
+                  <a:gd name="connsiteX1" fmla="*/ 89600 w 875413"/>
+                  <a:gd name="connsiteY1" fmla="*/ 14996 h 219784"/>
+                  <a:gd name="connsiteX2" fmla="*/ 875413 w 875413"/>
+                  <a:gd name="connsiteY2" fmla="*/ 219784 h 219784"/>
+                  <a:gd name="connsiteX0" fmla="*/ 0 w 923926"/>
+                  <a:gd name="connsiteY0" fmla="*/ 24113 h 238426"/>
+                  <a:gd name="connsiteX1" fmla="*/ 138113 w 923926"/>
+                  <a:gd name="connsiteY1" fmla="*/ 33638 h 238426"/>
+                  <a:gd name="connsiteX2" fmla="*/ 923926 w 923926"/>
+                  <a:gd name="connsiteY2" fmla="*/ 238426 h 238426"/>
+                  <a:gd name="connsiteX0" fmla="*/ 41455 w 865369"/>
+                  <a:gd name="connsiteY0" fmla="*/ 27279 h 232067"/>
+                  <a:gd name="connsiteX1" fmla="*/ 79556 w 865369"/>
+                  <a:gd name="connsiteY1" fmla="*/ 27279 h 232067"/>
+                  <a:gd name="connsiteX2" fmla="*/ 865369 w 865369"/>
+                  <a:gd name="connsiteY2" fmla="*/ 232067 h 232067"/>
+                  <a:gd name="connsiteX0" fmla="*/ 84262 w 908176"/>
+                  <a:gd name="connsiteY0" fmla="*/ 17439 h 222227"/>
+                  <a:gd name="connsiteX1" fmla="*/ 122363 w 908176"/>
+                  <a:gd name="connsiteY1" fmla="*/ 17439 h 222227"/>
+                  <a:gd name="connsiteX2" fmla="*/ 908176 w 908176"/>
+                  <a:gd name="connsiteY2" fmla="*/ 222227 h 222227"/>
+                  <a:gd name="connsiteX0" fmla="*/ 86125 w 910039"/>
+                  <a:gd name="connsiteY0" fmla="*/ 10991 h 215779"/>
+                  <a:gd name="connsiteX1" fmla="*/ 124226 w 910039"/>
+                  <a:gd name="connsiteY1" fmla="*/ 10991 h 215779"/>
+                  <a:gd name="connsiteX2" fmla="*/ 910039 w 910039"/>
+                  <a:gd name="connsiteY2" fmla="*/ 215779 h 215779"/>
+                </a:gdLst>
+                <a:ahLst/>
+                <a:cxnLst>
+                  <a:cxn ang="0">
+                    <a:pos x="connsiteX0" y="connsiteY0"/>
+                  </a:cxn>
+                  <a:cxn ang="0">
+                    <a:pos x="connsiteX1" y="connsiteY1"/>
+                  </a:cxn>
+                  <a:cxn ang="0">
+                    <a:pos x="connsiteX2" y="connsiteY2"/>
+                  </a:cxn>
+                </a:cxnLst>
+                <a:rect l="l" t="t" r="r" b="b"/>
+                <a:pathLst>
+                  <a:path w="910039" h="215779">
+                    <a:moveTo>
+                      <a:pt x="86125" y="10991"/>
+                    </a:moveTo>
+                    <a:cubicBezTo>
+                      <a:pt x="-29366" y="5037"/>
+                      <a:pt x="-40080" y="-10440"/>
+                      <a:pt x="124226" y="10991"/>
+                    </a:cubicBezTo>
+                    <a:cubicBezTo>
+                      <a:pt x="288532" y="32422"/>
+                      <a:pt x="599285" y="124100"/>
+                      <a:pt x="910039" y="215779"/>
+                    </a:cubicBezTo>
+                  </a:path>
+                </a:pathLst>
+              </a:custGeom>
+              <a:noFill/>
+            </p:spPr>
+            <p:style>
+              <a:lnRef idx="2">
+                <a:schemeClr val="accent1">
+                  <a:shade val="15000"/>
+                </a:schemeClr>
+              </a:lnRef>
+              <a:fillRef idx="1">
+                <a:schemeClr val="accent1"/>
+              </a:fillRef>
+              <a:effectRef idx="0">
+                <a:schemeClr val="accent1"/>
+              </a:effectRef>
+              <a:fontRef idx="minor">
+                <a:schemeClr val="lt1"/>
+              </a:fontRef>
+            </p:style>
+            <p:txBody>
+              <a:bodyPr rtlCol="0" anchor="ctr"/>
+              <a:lstStyle/>
+              <a:p>
+                <a:pPr algn="ctr"/>
+                <a:endParaRPr lang="es-ES"/>
+              </a:p>
+            </p:txBody>
+          </p:sp>
+          <p:sp>
+            <p:nvSpPr>
+              <p:cNvPr id="45" name="Forma libre: forma 44">
+                <a:extLst>
+                  <a:ext uri="{FF2B5EF4-FFF2-40B4-BE49-F238E27FC236}">
+                    <a16:creationId xmlns:a16="http://schemas.microsoft.com/office/drawing/2014/main" id="{361A25FE-1F55-D757-7C7B-26CEDCBB88B6}"/>
+                  </a:ext>
+                </a:extLst>
+              </p:cNvPr>
+              <p:cNvSpPr/>
+              <p:nvPr/>
+            </p:nvSpPr>
+            <p:spPr>
+              <a:xfrm>
+                <a:off x="9088244" y="2843820"/>
+                <a:ext cx="640174" cy="173654"/>
+              </a:xfrm>
+              <a:custGeom>
+                <a:avLst/>
+                <a:gdLst>
+                  <a:gd name="connsiteX0" fmla="*/ 0 w 985838"/>
+                  <a:gd name="connsiteY0" fmla="*/ 81386 h 209974"/>
+                  <a:gd name="connsiteX1" fmla="*/ 200025 w 985838"/>
+                  <a:gd name="connsiteY1" fmla="*/ 5186 h 209974"/>
+                  <a:gd name="connsiteX2" fmla="*/ 985838 w 985838"/>
+                  <a:gd name="connsiteY2" fmla="*/ 209974 h 209974"/>
+                  <a:gd name="connsiteX0" fmla="*/ 22925 w 875413"/>
+                  <a:gd name="connsiteY0" fmla="*/ 38808 h 219784"/>
+                  <a:gd name="connsiteX1" fmla="*/ 89600 w 875413"/>
+                  <a:gd name="connsiteY1" fmla="*/ 14996 h 219784"/>
+                  <a:gd name="connsiteX2" fmla="*/ 875413 w 875413"/>
+                  <a:gd name="connsiteY2" fmla="*/ 219784 h 219784"/>
+                  <a:gd name="connsiteX0" fmla="*/ 0 w 923926"/>
+                  <a:gd name="connsiteY0" fmla="*/ 24113 h 238426"/>
+                  <a:gd name="connsiteX1" fmla="*/ 138113 w 923926"/>
+                  <a:gd name="connsiteY1" fmla="*/ 33638 h 238426"/>
+                  <a:gd name="connsiteX2" fmla="*/ 923926 w 923926"/>
+                  <a:gd name="connsiteY2" fmla="*/ 238426 h 238426"/>
+                  <a:gd name="connsiteX0" fmla="*/ 41455 w 865369"/>
+                  <a:gd name="connsiteY0" fmla="*/ 27279 h 232067"/>
+                  <a:gd name="connsiteX1" fmla="*/ 79556 w 865369"/>
+                  <a:gd name="connsiteY1" fmla="*/ 27279 h 232067"/>
+                  <a:gd name="connsiteX2" fmla="*/ 865369 w 865369"/>
+                  <a:gd name="connsiteY2" fmla="*/ 232067 h 232067"/>
+                  <a:gd name="connsiteX0" fmla="*/ 84262 w 908176"/>
+                  <a:gd name="connsiteY0" fmla="*/ 17439 h 222227"/>
+                  <a:gd name="connsiteX1" fmla="*/ 122363 w 908176"/>
+                  <a:gd name="connsiteY1" fmla="*/ 17439 h 222227"/>
+                  <a:gd name="connsiteX2" fmla="*/ 908176 w 908176"/>
+                  <a:gd name="connsiteY2" fmla="*/ 222227 h 222227"/>
+                  <a:gd name="connsiteX0" fmla="*/ 86125 w 910039"/>
+                  <a:gd name="connsiteY0" fmla="*/ 10991 h 215779"/>
+                  <a:gd name="connsiteX1" fmla="*/ 124226 w 910039"/>
+                  <a:gd name="connsiteY1" fmla="*/ 10991 h 215779"/>
+                  <a:gd name="connsiteX2" fmla="*/ 910039 w 910039"/>
+                  <a:gd name="connsiteY2" fmla="*/ 215779 h 215779"/>
+                </a:gdLst>
+                <a:ahLst/>
+                <a:cxnLst>
+                  <a:cxn ang="0">
+                    <a:pos x="connsiteX0" y="connsiteY0"/>
+                  </a:cxn>
+                  <a:cxn ang="0">
+                    <a:pos x="connsiteX1" y="connsiteY1"/>
+                  </a:cxn>
+                  <a:cxn ang="0">
+                    <a:pos x="connsiteX2" y="connsiteY2"/>
+                  </a:cxn>
+                </a:cxnLst>
+                <a:rect l="l" t="t" r="r" b="b"/>
+                <a:pathLst>
+                  <a:path w="910039" h="215779">
+                    <a:moveTo>
+                      <a:pt x="86125" y="10991"/>
+                    </a:moveTo>
+                    <a:cubicBezTo>
+                      <a:pt x="-29366" y="5037"/>
+                      <a:pt x="-40080" y="-10440"/>
+                      <a:pt x="124226" y="10991"/>
+                    </a:cubicBezTo>
+                    <a:cubicBezTo>
+                      <a:pt x="288532" y="32422"/>
+                      <a:pt x="599285" y="124100"/>
+                      <a:pt x="910039" y="215779"/>
+                    </a:cubicBezTo>
+                  </a:path>
+                </a:pathLst>
+              </a:custGeom>
+              <a:noFill/>
+            </p:spPr>
+            <p:style>
+              <a:lnRef idx="2">
+                <a:schemeClr val="accent1">
+                  <a:shade val="15000"/>
+                </a:schemeClr>
+              </a:lnRef>
+              <a:fillRef idx="1">
+                <a:schemeClr val="accent1"/>
+              </a:fillRef>
+              <a:effectRef idx="0">
+                <a:schemeClr val="accent1"/>
+              </a:effectRef>
+              <a:fontRef idx="minor">
+                <a:schemeClr val="lt1"/>
+              </a:fontRef>
+            </p:style>
+            <p:txBody>
+              <a:bodyPr rtlCol="0" anchor="ctr"/>
+              <a:lstStyle/>
+              <a:p>
+                <a:pPr algn="ctr"/>
+                <a:endParaRPr lang="es-ES"/>
+              </a:p>
+            </p:txBody>
+          </p:sp>
+        </p:grpSp>
+      </p:grpSp>
+      <p:sp>
+        <p:nvSpPr>
+          <p:cNvPr id="48" name="Signo de multiplicación 47">
+            <a:extLst>
+              <a:ext uri="{FF2B5EF4-FFF2-40B4-BE49-F238E27FC236}">
+                <a16:creationId xmlns:a16="http://schemas.microsoft.com/office/drawing/2014/main" id="{D0058028-321B-C4FD-837E-5E9339D024B4}"/>
+              </a:ext>
+            </a:extLst>
+          </p:cNvPr>
+          <p:cNvSpPr/>
+          <p:nvPr/>
+        </p:nvSpPr>
+        <p:spPr>
+          <a:xfrm>
+            <a:off x="4244052" y="2709535"/>
+            <a:ext cx="509725" cy="872805"/>
+          </a:xfrm>
+          <a:prstGeom prst="mathMultiply">
+            <a:avLst/>
+          </a:prstGeom>
+          <a:ln>
+            <a:noFill/>
+          </a:ln>
+        </p:spPr>
+        <p:style>
+          <a:lnRef idx="2">
+            <a:schemeClr val="dk1">
+              <a:shade val="15000"/>
+            </a:schemeClr>
+          </a:lnRef>
+          <a:fillRef idx="1">
+            <a:schemeClr val="dk1"/>
+          </a:fillRef>
+          <a:effectRef idx="0">
+            <a:schemeClr val="dk1"/>
+          </a:effectRef>
+          <a:fontRef idx="minor">
+            <a:schemeClr val="lt1"/>
+          </a:fontRef>
+        </p:style>
+        <p:txBody>
+          <a:bodyPr rtlCol="0" anchor="ctr"/>
+          <a:lstStyle/>
+          <a:p>
+            <a:pPr algn="ctr"/>
+            <a:endParaRPr lang="es-ES"/>
+          </a:p>
+        </p:txBody>
+      </p:sp>
+    </p:spTree>
+    <p:extLst>
+      <p:ext uri="{BB962C8B-B14F-4D97-AF65-F5344CB8AC3E}">
+        <p14:creationId xmlns:p14="http://schemas.microsoft.com/office/powerpoint/2010/main" val="1937644585"/>
+      </p:ext>
+    </p:extLst>
+  </p:cSld>
+  <p:clrMapOvr>
+    <a:masterClrMapping/>
+  </p:clrMapOvr>
+</p:sld>
+</file>
+
+<file path=ppt/slides/slide5.xml><?xml version="1.0" encoding="utf-8"?>
 <p:sld xmlns:a="http://schemas.openxmlformats.org/drawingml/2006/main" xmlns:r="http://schemas.openxmlformats.org/officeDocument/2006/relationships" xmlns:p="http://schemas.openxmlformats.org/presentationml/2006/main">
   <p:cSld>
     <p:spTree>

--- a/imagenes/Sprites.pptx
+++ b/imagenes/Sprites.pptx
@@ -265,7 +265,7 @@
           <a:p>
             <a:fld id="{8C70C46D-AAA7-4A9A-9CF4-FA9347CFCFDD}" type="datetimeFigureOut">
               <a:rPr lang="es-PE" smtClean="0"/>
-              <a:t>3/06/2024</a:t>
+              <a:t>4/06/2024</a:t>
             </a:fld>
             <a:endParaRPr lang="es-PE"/>
           </a:p>
@@ -465,7 +465,7 @@
           <a:p>
             <a:fld id="{8C70C46D-AAA7-4A9A-9CF4-FA9347CFCFDD}" type="datetimeFigureOut">
               <a:rPr lang="es-PE" smtClean="0"/>
-              <a:t>3/06/2024</a:t>
+              <a:t>4/06/2024</a:t>
             </a:fld>
             <a:endParaRPr lang="es-PE"/>
           </a:p>
@@ -675,7 +675,7 @@
           <a:p>
             <a:fld id="{8C70C46D-AAA7-4A9A-9CF4-FA9347CFCFDD}" type="datetimeFigureOut">
               <a:rPr lang="es-PE" smtClean="0"/>
-              <a:t>3/06/2024</a:t>
+              <a:t>4/06/2024</a:t>
             </a:fld>
             <a:endParaRPr lang="es-PE"/>
           </a:p>
@@ -875,7 +875,7 @@
           <a:p>
             <a:fld id="{8C70C46D-AAA7-4A9A-9CF4-FA9347CFCFDD}" type="datetimeFigureOut">
               <a:rPr lang="es-PE" smtClean="0"/>
-              <a:t>3/06/2024</a:t>
+              <a:t>4/06/2024</a:t>
             </a:fld>
             <a:endParaRPr lang="es-PE"/>
           </a:p>
@@ -1151,7 +1151,7 @@
           <a:p>
             <a:fld id="{8C70C46D-AAA7-4A9A-9CF4-FA9347CFCFDD}" type="datetimeFigureOut">
               <a:rPr lang="es-PE" smtClean="0"/>
-              <a:t>3/06/2024</a:t>
+              <a:t>4/06/2024</a:t>
             </a:fld>
             <a:endParaRPr lang="es-PE"/>
           </a:p>
@@ -1419,7 +1419,7 @@
           <a:p>
             <a:fld id="{8C70C46D-AAA7-4A9A-9CF4-FA9347CFCFDD}" type="datetimeFigureOut">
               <a:rPr lang="es-PE" smtClean="0"/>
-              <a:t>3/06/2024</a:t>
+              <a:t>4/06/2024</a:t>
             </a:fld>
             <a:endParaRPr lang="es-PE"/>
           </a:p>
@@ -1834,7 +1834,7 @@
           <a:p>
             <a:fld id="{8C70C46D-AAA7-4A9A-9CF4-FA9347CFCFDD}" type="datetimeFigureOut">
               <a:rPr lang="es-PE" smtClean="0"/>
-              <a:t>3/06/2024</a:t>
+              <a:t>4/06/2024</a:t>
             </a:fld>
             <a:endParaRPr lang="es-PE"/>
           </a:p>
@@ -1976,7 +1976,7 @@
           <a:p>
             <a:fld id="{8C70C46D-AAA7-4A9A-9CF4-FA9347CFCFDD}" type="datetimeFigureOut">
               <a:rPr lang="es-PE" smtClean="0"/>
-              <a:t>3/06/2024</a:t>
+              <a:t>4/06/2024</a:t>
             </a:fld>
             <a:endParaRPr lang="es-PE"/>
           </a:p>
@@ -2089,7 +2089,7 @@
           <a:p>
             <a:fld id="{8C70C46D-AAA7-4A9A-9CF4-FA9347CFCFDD}" type="datetimeFigureOut">
               <a:rPr lang="es-PE" smtClean="0"/>
-              <a:t>3/06/2024</a:t>
+              <a:t>4/06/2024</a:t>
             </a:fld>
             <a:endParaRPr lang="es-PE"/>
           </a:p>
@@ -2402,7 +2402,7 @@
           <a:p>
             <a:fld id="{8C70C46D-AAA7-4A9A-9CF4-FA9347CFCFDD}" type="datetimeFigureOut">
               <a:rPr lang="es-PE" smtClean="0"/>
-              <a:t>3/06/2024</a:t>
+              <a:t>4/06/2024</a:t>
             </a:fld>
             <a:endParaRPr lang="es-PE"/>
           </a:p>
@@ -2691,7 +2691,7 @@
           <a:p>
             <a:fld id="{8C70C46D-AAA7-4A9A-9CF4-FA9347CFCFDD}" type="datetimeFigureOut">
               <a:rPr lang="es-PE" smtClean="0"/>
-              <a:t>3/06/2024</a:t>
+              <a:t>4/06/2024</a:t>
             </a:fld>
             <a:endParaRPr lang="es-PE"/>
           </a:p>
@@ -2934,7 +2934,7 @@
           <a:p>
             <a:fld id="{8C70C46D-AAA7-4A9A-9CF4-FA9347CFCFDD}" type="datetimeFigureOut">
               <a:rPr lang="es-PE" smtClean="0"/>
-              <a:t>3/06/2024</a:t>
+              <a:t>4/06/2024</a:t>
             </a:fld>
             <a:endParaRPr lang="es-PE"/>
           </a:p>
@@ -11384,10 +11384,7 @@
             </a:avLst>
           </a:prstGeom>
           <a:solidFill>
-            <a:schemeClr val="accent4">
-              <a:lumMod val="40000"/>
-              <a:lumOff val="60000"/>
-            </a:schemeClr>
+            <a:srgbClr val="002060"/>
           </a:solidFill>
           <a:ln>
             <a:solidFill>
@@ -26644,10 +26641,7 @@
             </a:avLst>
           </a:prstGeom>
           <a:solidFill>
-            <a:schemeClr val="accent4">
-              <a:lumMod val="40000"/>
-              <a:lumOff val="60000"/>
-            </a:schemeClr>
+            <a:srgbClr val="002060"/>
           </a:solidFill>
           <a:ln>
             <a:solidFill>
@@ -26689,66 +26683,6 @@
       </p:sp>
       <p:pic>
         <p:nvPicPr>
-          <p:cNvPr id="470" name="Imagen 469">
-            <a:extLst>
-              <a:ext uri="{FF2B5EF4-FFF2-40B4-BE49-F238E27FC236}">
-                <a16:creationId xmlns:a16="http://schemas.microsoft.com/office/drawing/2014/main" id="{BE48BD71-6A15-6E1D-592D-9F08D05DD9B7}"/>
-              </a:ext>
-            </a:extLst>
-          </p:cNvPr>
-          <p:cNvPicPr>
-            <a:picLocks noChangeAspect="1"/>
-          </p:cNvPicPr>
-          <p:nvPr/>
-        </p:nvPicPr>
-        <p:blipFill>
-          <a:blip r:embed="rId10"/>
-          <a:stretch>
-            <a:fillRect/>
-          </a:stretch>
-        </p:blipFill>
-        <p:spPr>
-          <a:xfrm rot="19800000">
-            <a:off x="910322" y="619864"/>
-            <a:ext cx="203920" cy="409074"/>
-          </a:xfrm>
-          <a:prstGeom prst="rect">
-            <a:avLst/>
-          </a:prstGeom>
-        </p:spPr>
-      </p:pic>
-      <p:pic>
-        <p:nvPicPr>
-          <p:cNvPr id="471" name="Imagen 470">
-            <a:extLst>
-              <a:ext uri="{FF2B5EF4-FFF2-40B4-BE49-F238E27FC236}">
-                <a16:creationId xmlns:a16="http://schemas.microsoft.com/office/drawing/2014/main" id="{EB0DD33B-2280-3303-9293-22884044AC2C}"/>
-              </a:ext>
-            </a:extLst>
-          </p:cNvPr>
-          <p:cNvPicPr>
-            <a:picLocks noChangeAspect="1"/>
-          </p:cNvPicPr>
-          <p:nvPr/>
-        </p:nvPicPr>
-        <p:blipFill>
-          <a:blip r:embed="rId11"/>
-          <a:stretch>
-            <a:fillRect/>
-          </a:stretch>
-        </p:blipFill>
-        <p:spPr>
-          <a:xfrm rot="19800000">
-            <a:off x="1151483" y="626243"/>
-            <a:ext cx="203920" cy="409074"/>
-          </a:xfrm>
-          <a:prstGeom prst="rect">
-            <a:avLst/>
-          </a:prstGeom>
-        </p:spPr>
-      </p:pic>
-      <p:pic>
-        <p:nvPicPr>
           <p:cNvPr id="498" name="Imagen 497">
             <a:extLst>
               <a:ext uri="{FF2B5EF4-FFF2-40B4-BE49-F238E27FC236}">
@@ -26762,7 +26696,7 @@
           <p:nvPr/>
         </p:nvPicPr>
         <p:blipFill>
-          <a:blip r:embed="rId12"/>
+          <a:blip r:embed="rId10"/>
           <a:stretch>
             <a:fillRect/>
           </a:stretch>
@@ -27080,7 +27014,7 @@
           <p:nvPr/>
         </p:nvPicPr>
         <p:blipFill>
-          <a:blip r:embed="rId13"/>
+          <a:blip r:embed="rId11"/>
           <a:stretch>
             <a:fillRect/>
           </a:stretch>
@@ -30258,7 +30192,7 @@
           <p:nvPr/>
         </p:nvPicPr>
         <p:blipFill>
-          <a:blip r:embed="rId14"/>
+          <a:blip r:embed="rId12"/>
           <a:stretch>
             <a:fillRect/>
           </a:stretch>
@@ -31044,7 +30978,7 @@
           <p:nvPr/>
         </p:nvPicPr>
         <p:blipFill>
-          <a:blip r:embed="rId12"/>
+          <a:blip r:embed="rId10"/>
           <a:stretch>
             <a:fillRect/>
           </a:stretch>
@@ -31074,7 +31008,7 @@
           <p:nvPr/>
         </p:nvPicPr>
         <p:blipFill>
-          <a:blip r:embed="rId13"/>
+          <a:blip r:embed="rId11"/>
           <a:stretch>
             <a:fillRect/>
           </a:stretch>
@@ -31104,7 +31038,7 @@
           <p:nvPr/>
         </p:nvPicPr>
         <p:blipFill>
-          <a:blip r:embed="rId14"/>
+          <a:blip r:embed="rId12"/>
           <a:stretch>
             <a:fillRect/>
           </a:stretch>
@@ -31134,7 +31068,7 @@
           <p:nvPr/>
         </p:nvPicPr>
         <p:blipFill>
-          <a:blip r:embed="rId15">
+          <a:blip r:embed="rId13">
             <a:extLst>
               <a:ext uri="{28A0092B-C50C-407E-A947-70E740481C1C}">
                 <a14:useLocalDpi xmlns:a14="http://schemas.microsoft.com/office/drawing/2010/main" val="0"/>
@@ -31396,7 +31330,7 @@
           <p:nvPr/>
         </p:nvPicPr>
         <p:blipFill>
-          <a:blip r:embed="rId16"/>
+          <a:blip r:embed="rId14"/>
           <a:stretch>
             <a:fillRect/>
           </a:stretch>
@@ -31760,7 +31694,7 @@
           <p:nvPr/>
         </p:nvPicPr>
         <p:blipFill>
-          <a:blip r:embed="rId17"/>
+          <a:blip r:embed="rId15"/>
           <a:stretch>
             <a:fillRect/>
           </a:stretch>
@@ -31790,7 +31724,7 @@
           <p:nvPr/>
         </p:nvPicPr>
         <p:blipFill>
-          <a:blip r:embed="rId18"/>
+          <a:blip r:embed="rId16"/>
           <a:stretch>
             <a:fillRect/>
           </a:stretch>
@@ -31820,7 +31754,7 @@
           <p:nvPr/>
         </p:nvPicPr>
         <p:blipFill>
-          <a:blip r:embed="rId19"/>
+          <a:blip r:embed="rId17"/>
           <a:stretch>
             <a:fillRect/>
           </a:stretch>
@@ -31850,7 +31784,7 @@
           <p:nvPr/>
         </p:nvPicPr>
         <p:blipFill>
-          <a:blip r:embed="rId20"/>
+          <a:blip r:embed="rId18"/>
           <a:stretch>
             <a:fillRect/>
           </a:stretch>
@@ -31859,6 +31793,1833 @@
           <a:xfrm>
             <a:off x="1964548" y="1457603"/>
             <a:ext cx="553607" cy="372386"/>
+          </a:xfrm>
+          <a:prstGeom prst="rect">
+            <a:avLst/>
+          </a:prstGeom>
+        </p:spPr>
+      </p:pic>
+      <p:grpSp>
+        <p:nvGrpSpPr>
+          <p:cNvPr id="95" name="Grupo 94">
+            <a:extLst>
+              <a:ext uri="{FF2B5EF4-FFF2-40B4-BE49-F238E27FC236}">
+                <a16:creationId xmlns:a16="http://schemas.microsoft.com/office/drawing/2014/main" id="{BAC5656D-6C1B-9665-264E-B88D7C4635A6}"/>
+              </a:ext>
+            </a:extLst>
+          </p:cNvPr>
+          <p:cNvGrpSpPr/>
+          <p:nvPr/>
+        </p:nvGrpSpPr>
+        <p:grpSpPr>
+          <a:xfrm rot="1179042">
+            <a:off x="676231" y="4718990"/>
+            <a:ext cx="715200" cy="208882"/>
+            <a:chOff x="729734" y="4738832"/>
+            <a:chExt cx="715200" cy="208882"/>
+          </a:xfrm>
+        </p:grpSpPr>
+        <p:sp>
+          <p:nvSpPr>
+            <p:cNvPr id="76" name="Rectángulo: esquinas redondeadas 75">
+              <a:extLst>
+                <a:ext uri="{FF2B5EF4-FFF2-40B4-BE49-F238E27FC236}">
+                  <a16:creationId xmlns:a16="http://schemas.microsoft.com/office/drawing/2014/main" id="{AD75304E-5435-F287-C6FC-B18CD42735AE}"/>
+                </a:ext>
+              </a:extLst>
+            </p:cNvPr>
+            <p:cNvSpPr/>
+            <p:nvPr/>
+          </p:nvSpPr>
+          <p:spPr>
+            <a:xfrm>
+              <a:off x="792478" y="4795414"/>
+              <a:ext cx="602631" cy="105306"/>
+            </a:xfrm>
+            <a:prstGeom prst="roundRect">
+              <a:avLst>
+                <a:gd name="adj" fmla="val 50000"/>
+              </a:avLst>
+            </a:prstGeom>
+            <a:solidFill>
+              <a:schemeClr val="tx1"/>
+            </a:solidFill>
+            <a:ln>
+              <a:solidFill>
+                <a:schemeClr val="tx1"/>
+              </a:solidFill>
+            </a:ln>
+          </p:spPr>
+          <p:style>
+            <a:lnRef idx="2">
+              <a:schemeClr val="dk1">
+                <a:shade val="15000"/>
+              </a:schemeClr>
+            </a:lnRef>
+            <a:fillRef idx="1">
+              <a:schemeClr val="dk1"/>
+            </a:fillRef>
+            <a:effectRef idx="0">
+              <a:schemeClr val="dk1"/>
+            </a:effectRef>
+            <a:fontRef idx="minor">
+              <a:schemeClr val="lt1"/>
+            </a:fontRef>
+          </p:style>
+          <p:txBody>
+            <a:bodyPr rtlCol="0" anchor="ctr"/>
+            <a:lstStyle/>
+            <a:p>
+              <a:pPr algn="ctr"/>
+              <a:endParaRPr lang="es-ES"/>
+            </a:p>
+          </p:txBody>
+        </p:sp>
+        <p:sp>
+          <p:nvSpPr>
+            <p:cNvPr id="77" name="Elipse 76">
+              <a:extLst>
+                <a:ext uri="{FF2B5EF4-FFF2-40B4-BE49-F238E27FC236}">
+                  <a16:creationId xmlns:a16="http://schemas.microsoft.com/office/drawing/2014/main" id="{0AECA5C5-AC2F-6DE1-0869-46FDEC0E465F}"/>
+                </a:ext>
+              </a:extLst>
+            </p:cNvPr>
+            <p:cNvSpPr/>
+            <p:nvPr/>
+          </p:nvSpPr>
+          <p:spPr>
+            <a:xfrm>
+              <a:off x="729734" y="4738832"/>
+              <a:ext cx="116185" cy="105306"/>
+            </a:xfrm>
+            <a:prstGeom prst="ellipse">
+              <a:avLst/>
+            </a:prstGeom>
+            <a:solidFill>
+              <a:schemeClr val="tx1"/>
+            </a:solidFill>
+            <a:ln>
+              <a:solidFill>
+                <a:schemeClr val="tx1"/>
+              </a:solidFill>
+            </a:ln>
+          </p:spPr>
+          <p:style>
+            <a:lnRef idx="2">
+              <a:schemeClr val="dk1">
+                <a:shade val="15000"/>
+              </a:schemeClr>
+            </a:lnRef>
+            <a:fillRef idx="1">
+              <a:schemeClr val="dk1"/>
+            </a:fillRef>
+            <a:effectRef idx="0">
+              <a:schemeClr val="dk1"/>
+            </a:effectRef>
+            <a:fontRef idx="minor">
+              <a:schemeClr val="lt1"/>
+            </a:fontRef>
+          </p:style>
+          <p:txBody>
+            <a:bodyPr rtlCol="0" anchor="ctr"/>
+            <a:lstStyle/>
+            <a:p>
+              <a:pPr algn="ctr"/>
+              <a:endParaRPr lang="es-ES"/>
+            </a:p>
+          </p:txBody>
+        </p:sp>
+        <p:sp>
+          <p:nvSpPr>
+            <p:cNvPr id="78" name="Elipse 77">
+              <a:extLst>
+                <a:ext uri="{FF2B5EF4-FFF2-40B4-BE49-F238E27FC236}">
+                  <a16:creationId xmlns:a16="http://schemas.microsoft.com/office/drawing/2014/main" id="{435B1F38-F8CE-515F-C6F7-DBBBA1265E22}"/>
+                </a:ext>
+              </a:extLst>
+            </p:cNvPr>
+            <p:cNvSpPr/>
+            <p:nvPr/>
+          </p:nvSpPr>
+          <p:spPr>
+            <a:xfrm>
+              <a:off x="729734" y="4842408"/>
+              <a:ext cx="116185" cy="105306"/>
+            </a:xfrm>
+            <a:prstGeom prst="ellipse">
+              <a:avLst/>
+            </a:prstGeom>
+            <a:solidFill>
+              <a:schemeClr val="tx1"/>
+            </a:solidFill>
+            <a:ln>
+              <a:solidFill>
+                <a:schemeClr val="tx1"/>
+              </a:solidFill>
+            </a:ln>
+          </p:spPr>
+          <p:style>
+            <a:lnRef idx="2">
+              <a:schemeClr val="dk1">
+                <a:shade val="15000"/>
+              </a:schemeClr>
+            </a:lnRef>
+            <a:fillRef idx="1">
+              <a:schemeClr val="dk1"/>
+            </a:fillRef>
+            <a:effectRef idx="0">
+              <a:schemeClr val="dk1"/>
+            </a:effectRef>
+            <a:fontRef idx="minor">
+              <a:schemeClr val="lt1"/>
+            </a:fontRef>
+          </p:style>
+          <p:txBody>
+            <a:bodyPr rtlCol="0" anchor="ctr"/>
+            <a:lstStyle/>
+            <a:p>
+              <a:pPr algn="ctr"/>
+              <a:endParaRPr lang="es-ES"/>
+            </a:p>
+          </p:txBody>
+        </p:sp>
+        <p:sp>
+          <p:nvSpPr>
+            <p:cNvPr id="79" name="Elipse 78">
+              <a:extLst>
+                <a:ext uri="{FF2B5EF4-FFF2-40B4-BE49-F238E27FC236}">
+                  <a16:creationId xmlns:a16="http://schemas.microsoft.com/office/drawing/2014/main" id="{433E4E53-6655-37F4-8CC1-B627E59CA220}"/>
+                </a:ext>
+              </a:extLst>
+            </p:cNvPr>
+            <p:cNvSpPr/>
+            <p:nvPr/>
+          </p:nvSpPr>
+          <p:spPr>
+            <a:xfrm>
+              <a:off x="1328749" y="4738832"/>
+              <a:ext cx="116185" cy="105306"/>
+            </a:xfrm>
+            <a:prstGeom prst="ellipse">
+              <a:avLst/>
+            </a:prstGeom>
+            <a:solidFill>
+              <a:schemeClr val="tx1"/>
+            </a:solidFill>
+            <a:ln>
+              <a:solidFill>
+                <a:schemeClr val="tx1"/>
+              </a:solidFill>
+            </a:ln>
+          </p:spPr>
+          <p:style>
+            <a:lnRef idx="2">
+              <a:schemeClr val="dk1">
+                <a:shade val="15000"/>
+              </a:schemeClr>
+            </a:lnRef>
+            <a:fillRef idx="1">
+              <a:schemeClr val="dk1"/>
+            </a:fillRef>
+            <a:effectRef idx="0">
+              <a:schemeClr val="dk1"/>
+            </a:effectRef>
+            <a:fontRef idx="minor">
+              <a:schemeClr val="lt1"/>
+            </a:fontRef>
+          </p:style>
+          <p:txBody>
+            <a:bodyPr rtlCol="0" anchor="ctr"/>
+            <a:lstStyle/>
+            <a:p>
+              <a:pPr algn="ctr"/>
+              <a:endParaRPr lang="es-ES"/>
+            </a:p>
+          </p:txBody>
+        </p:sp>
+        <p:sp>
+          <p:nvSpPr>
+            <p:cNvPr id="80" name="Elipse 79">
+              <a:extLst>
+                <a:ext uri="{FF2B5EF4-FFF2-40B4-BE49-F238E27FC236}">
+                  <a16:creationId xmlns:a16="http://schemas.microsoft.com/office/drawing/2014/main" id="{FB002C9B-35CC-AF6A-6082-A2942E70ED80}"/>
+                </a:ext>
+              </a:extLst>
+            </p:cNvPr>
+            <p:cNvSpPr/>
+            <p:nvPr/>
+          </p:nvSpPr>
+          <p:spPr>
+            <a:xfrm>
+              <a:off x="1328749" y="4842408"/>
+              <a:ext cx="116185" cy="105306"/>
+            </a:xfrm>
+            <a:prstGeom prst="ellipse">
+              <a:avLst/>
+            </a:prstGeom>
+            <a:solidFill>
+              <a:schemeClr val="tx1"/>
+            </a:solidFill>
+            <a:ln>
+              <a:solidFill>
+                <a:schemeClr val="tx1"/>
+              </a:solidFill>
+            </a:ln>
+          </p:spPr>
+          <p:style>
+            <a:lnRef idx="2">
+              <a:schemeClr val="dk1">
+                <a:shade val="15000"/>
+              </a:schemeClr>
+            </a:lnRef>
+            <a:fillRef idx="1">
+              <a:schemeClr val="dk1"/>
+            </a:fillRef>
+            <a:effectRef idx="0">
+              <a:schemeClr val="dk1"/>
+            </a:effectRef>
+            <a:fontRef idx="minor">
+              <a:schemeClr val="lt1"/>
+            </a:fontRef>
+          </p:style>
+          <p:txBody>
+            <a:bodyPr rtlCol="0" anchor="ctr"/>
+            <a:lstStyle/>
+            <a:p>
+              <a:pPr algn="ctr"/>
+              <a:endParaRPr lang="es-ES"/>
+            </a:p>
+          </p:txBody>
+        </p:sp>
+        <p:grpSp>
+          <p:nvGrpSpPr>
+            <p:cNvPr id="94" name="Grupo 93">
+              <a:extLst>
+                <a:ext uri="{FF2B5EF4-FFF2-40B4-BE49-F238E27FC236}">
+                  <a16:creationId xmlns:a16="http://schemas.microsoft.com/office/drawing/2014/main" id="{02311B56-808B-C632-B7D4-CC253B07A9BA}"/>
+                </a:ext>
+              </a:extLst>
+            </p:cNvPr>
+            <p:cNvGrpSpPr/>
+            <p:nvPr/>
+          </p:nvGrpSpPr>
+          <p:grpSpPr>
+            <a:xfrm>
+              <a:off x="737431" y="4750543"/>
+              <a:ext cx="699581" cy="187913"/>
+              <a:chOff x="877146" y="4898328"/>
+              <a:chExt cx="732655" cy="196797"/>
+            </a:xfrm>
+          </p:grpSpPr>
+          <p:sp>
+            <p:nvSpPr>
+              <p:cNvPr id="81" name="Rectángulo: esquinas redondeadas 80">
+                <a:extLst>
+                  <a:ext uri="{FF2B5EF4-FFF2-40B4-BE49-F238E27FC236}">
+                    <a16:creationId xmlns:a16="http://schemas.microsoft.com/office/drawing/2014/main" id="{4FF1FB19-34F7-35AD-19CB-0FFC5DF3F641}"/>
+                  </a:ext>
+                </a:extLst>
+              </p:cNvPr>
+              <p:cNvSpPr/>
+              <p:nvPr/>
+            </p:nvSpPr>
+            <p:spPr>
+              <a:xfrm>
+                <a:off x="944878" y="4953110"/>
+                <a:ext cx="602631" cy="94714"/>
+              </a:xfrm>
+              <a:prstGeom prst="roundRect">
+                <a:avLst>
+                  <a:gd name="adj" fmla="val 50000"/>
+                </a:avLst>
+              </a:prstGeom>
+              <a:solidFill>
+                <a:schemeClr val="bg1"/>
+              </a:solidFill>
+              <a:ln>
+                <a:solidFill>
+                  <a:schemeClr val="bg1"/>
+                </a:solidFill>
+              </a:ln>
+            </p:spPr>
+            <p:style>
+              <a:lnRef idx="2">
+                <a:schemeClr val="dk1">
+                  <a:shade val="15000"/>
+                </a:schemeClr>
+              </a:lnRef>
+              <a:fillRef idx="1">
+                <a:schemeClr val="dk1"/>
+              </a:fillRef>
+              <a:effectRef idx="0">
+                <a:schemeClr val="dk1"/>
+              </a:effectRef>
+              <a:fontRef idx="minor">
+                <a:schemeClr val="lt1"/>
+              </a:fontRef>
+            </p:style>
+            <p:txBody>
+              <a:bodyPr rtlCol="0" anchor="ctr"/>
+              <a:lstStyle/>
+              <a:p>
+                <a:pPr algn="ctr"/>
+                <a:endParaRPr lang="es-ES"/>
+              </a:p>
+            </p:txBody>
+          </p:sp>
+          <p:sp>
+            <p:nvSpPr>
+              <p:cNvPr id="83" name="Elipse 82">
+                <a:extLst>
+                  <a:ext uri="{FF2B5EF4-FFF2-40B4-BE49-F238E27FC236}">
+                    <a16:creationId xmlns:a16="http://schemas.microsoft.com/office/drawing/2014/main" id="{FFE433D2-479E-9659-1091-EEC930BC6641}"/>
+                  </a:ext>
+                </a:extLst>
+              </p:cNvPr>
+              <p:cNvSpPr/>
+              <p:nvPr/>
+            </p:nvSpPr>
+            <p:spPr>
+              <a:xfrm>
+                <a:off x="877146" y="4898328"/>
+                <a:ext cx="102852" cy="93221"/>
+              </a:xfrm>
+              <a:prstGeom prst="ellipse">
+                <a:avLst/>
+              </a:prstGeom>
+              <a:solidFill>
+                <a:schemeClr val="bg1"/>
+              </a:solidFill>
+              <a:ln>
+                <a:solidFill>
+                  <a:schemeClr val="bg1"/>
+                </a:solidFill>
+              </a:ln>
+            </p:spPr>
+            <p:style>
+              <a:lnRef idx="2">
+                <a:schemeClr val="dk1">
+                  <a:shade val="15000"/>
+                </a:schemeClr>
+              </a:lnRef>
+              <a:fillRef idx="1">
+                <a:schemeClr val="dk1"/>
+              </a:fillRef>
+              <a:effectRef idx="0">
+                <a:schemeClr val="dk1"/>
+              </a:effectRef>
+              <a:fontRef idx="minor">
+                <a:schemeClr val="lt1"/>
+              </a:fontRef>
+            </p:style>
+            <p:txBody>
+              <a:bodyPr rtlCol="0" anchor="ctr"/>
+              <a:lstStyle/>
+              <a:p>
+                <a:pPr algn="ctr"/>
+                <a:endParaRPr lang="es-ES"/>
+              </a:p>
+            </p:txBody>
+          </p:sp>
+          <p:sp>
+            <p:nvSpPr>
+              <p:cNvPr id="84" name="Elipse 83">
+                <a:extLst>
+                  <a:ext uri="{FF2B5EF4-FFF2-40B4-BE49-F238E27FC236}">
+                    <a16:creationId xmlns:a16="http://schemas.microsoft.com/office/drawing/2014/main" id="{011E5C92-D1F3-46DE-2282-CE0D15BF3EAF}"/>
+                  </a:ext>
+                </a:extLst>
+              </p:cNvPr>
+              <p:cNvSpPr/>
+              <p:nvPr/>
+            </p:nvSpPr>
+            <p:spPr>
+              <a:xfrm>
+                <a:off x="877148" y="5001904"/>
+                <a:ext cx="102852" cy="93221"/>
+              </a:xfrm>
+              <a:prstGeom prst="ellipse">
+                <a:avLst/>
+              </a:prstGeom>
+              <a:solidFill>
+                <a:schemeClr val="bg1"/>
+              </a:solidFill>
+              <a:ln>
+                <a:solidFill>
+                  <a:schemeClr val="bg1"/>
+                </a:solidFill>
+              </a:ln>
+            </p:spPr>
+            <p:style>
+              <a:lnRef idx="2">
+                <a:schemeClr val="dk1">
+                  <a:shade val="15000"/>
+                </a:schemeClr>
+              </a:lnRef>
+              <a:fillRef idx="1">
+                <a:schemeClr val="dk1"/>
+              </a:fillRef>
+              <a:effectRef idx="0">
+                <a:schemeClr val="dk1"/>
+              </a:effectRef>
+              <a:fontRef idx="minor">
+                <a:schemeClr val="lt1"/>
+              </a:fontRef>
+            </p:style>
+            <p:txBody>
+              <a:bodyPr rtlCol="0" anchor="ctr"/>
+              <a:lstStyle/>
+              <a:p>
+                <a:pPr algn="ctr"/>
+                <a:endParaRPr lang="es-ES"/>
+              </a:p>
+            </p:txBody>
+          </p:sp>
+          <p:sp>
+            <p:nvSpPr>
+              <p:cNvPr id="85" name="Elipse 84">
+                <a:extLst>
+                  <a:ext uri="{FF2B5EF4-FFF2-40B4-BE49-F238E27FC236}">
+                    <a16:creationId xmlns:a16="http://schemas.microsoft.com/office/drawing/2014/main" id="{48F47695-F9F1-6E83-F7D3-CFECF56AB1A6}"/>
+                  </a:ext>
+                </a:extLst>
+              </p:cNvPr>
+              <p:cNvSpPr/>
+              <p:nvPr/>
+            </p:nvSpPr>
+            <p:spPr>
+              <a:xfrm>
+                <a:off x="1509710" y="4898341"/>
+                <a:ext cx="100088" cy="90716"/>
+              </a:xfrm>
+              <a:prstGeom prst="ellipse">
+                <a:avLst/>
+              </a:prstGeom>
+              <a:solidFill>
+                <a:schemeClr val="bg1"/>
+              </a:solidFill>
+              <a:ln>
+                <a:solidFill>
+                  <a:schemeClr val="bg1"/>
+                </a:solidFill>
+              </a:ln>
+            </p:spPr>
+            <p:style>
+              <a:lnRef idx="2">
+                <a:schemeClr val="dk1">
+                  <a:shade val="15000"/>
+                </a:schemeClr>
+              </a:lnRef>
+              <a:fillRef idx="1">
+                <a:schemeClr val="dk1"/>
+              </a:fillRef>
+              <a:effectRef idx="0">
+                <a:schemeClr val="dk1"/>
+              </a:effectRef>
+              <a:fontRef idx="minor">
+                <a:schemeClr val="lt1"/>
+              </a:fontRef>
+            </p:style>
+            <p:txBody>
+              <a:bodyPr rtlCol="0" anchor="ctr"/>
+              <a:lstStyle/>
+              <a:p>
+                <a:pPr algn="ctr"/>
+                <a:endParaRPr lang="es-ES"/>
+              </a:p>
+            </p:txBody>
+          </p:sp>
+          <p:sp>
+            <p:nvSpPr>
+              <p:cNvPr id="87" name="Elipse 86">
+                <a:extLst>
+                  <a:ext uri="{FF2B5EF4-FFF2-40B4-BE49-F238E27FC236}">
+                    <a16:creationId xmlns:a16="http://schemas.microsoft.com/office/drawing/2014/main" id="{3126A82B-AF75-5F9E-7860-B32AC7B1BEED}"/>
+                  </a:ext>
+                </a:extLst>
+              </p:cNvPr>
+              <p:cNvSpPr/>
+              <p:nvPr/>
+            </p:nvSpPr>
+            <p:spPr>
+              <a:xfrm>
+                <a:off x="1509713" y="5001924"/>
+                <a:ext cx="100088" cy="90717"/>
+              </a:xfrm>
+              <a:prstGeom prst="ellipse">
+                <a:avLst/>
+              </a:prstGeom>
+              <a:solidFill>
+                <a:schemeClr val="bg1"/>
+              </a:solidFill>
+              <a:ln>
+                <a:solidFill>
+                  <a:schemeClr val="bg1"/>
+                </a:solidFill>
+              </a:ln>
+            </p:spPr>
+            <p:style>
+              <a:lnRef idx="2">
+                <a:schemeClr val="dk1">
+                  <a:shade val="15000"/>
+                </a:schemeClr>
+              </a:lnRef>
+              <a:fillRef idx="1">
+                <a:schemeClr val="dk1"/>
+              </a:fillRef>
+              <a:effectRef idx="0">
+                <a:schemeClr val="dk1"/>
+              </a:effectRef>
+              <a:fontRef idx="minor">
+                <a:schemeClr val="lt1"/>
+              </a:fontRef>
+            </p:style>
+            <p:txBody>
+              <a:bodyPr rtlCol="0" anchor="ctr"/>
+              <a:lstStyle/>
+              <a:p>
+                <a:pPr algn="ctr"/>
+                <a:endParaRPr lang="es-ES"/>
+              </a:p>
+            </p:txBody>
+          </p:sp>
+        </p:grpSp>
+      </p:grpSp>
+      <p:grpSp>
+        <p:nvGrpSpPr>
+          <p:cNvPr id="96" name="Grupo 95">
+            <a:extLst>
+              <a:ext uri="{FF2B5EF4-FFF2-40B4-BE49-F238E27FC236}">
+                <a16:creationId xmlns:a16="http://schemas.microsoft.com/office/drawing/2014/main" id="{2209BFC0-D1E6-6D26-F5CA-2400F56CE5C0}"/>
+              </a:ext>
+            </a:extLst>
+          </p:cNvPr>
+          <p:cNvGrpSpPr/>
+          <p:nvPr/>
+        </p:nvGrpSpPr>
+        <p:grpSpPr>
+          <a:xfrm rot="20420958" flipV="1">
+            <a:off x="675570" y="4718992"/>
+            <a:ext cx="715200" cy="208882"/>
+            <a:chOff x="729734" y="4738832"/>
+            <a:chExt cx="715200" cy="208882"/>
+          </a:xfrm>
+        </p:grpSpPr>
+        <p:sp>
+          <p:nvSpPr>
+            <p:cNvPr id="97" name="Rectángulo: esquinas redondeadas 96">
+              <a:extLst>
+                <a:ext uri="{FF2B5EF4-FFF2-40B4-BE49-F238E27FC236}">
+                  <a16:creationId xmlns:a16="http://schemas.microsoft.com/office/drawing/2014/main" id="{6503944B-F43F-1865-6F1E-798EA080134E}"/>
+                </a:ext>
+              </a:extLst>
+            </p:cNvPr>
+            <p:cNvSpPr/>
+            <p:nvPr/>
+          </p:nvSpPr>
+          <p:spPr>
+            <a:xfrm>
+              <a:off x="792478" y="4795414"/>
+              <a:ext cx="602631" cy="105306"/>
+            </a:xfrm>
+            <a:prstGeom prst="roundRect">
+              <a:avLst>
+                <a:gd name="adj" fmla="val 50000"/>
+              </a:avLst>
+            </a:prstGeom>
+            <a:solidFill>
+              <a:schemeClr val="tx1"/>
+            </a:solidFill>
+            <a:ln>
+              <a:solidFill>
+                <a:schemeClr val="tx1"/>
+              </a:solidFill>
+            </a:ln>
+          </p:spPr>
+          <p:style>
+            <a:lnRef idx="2">
+              <a:schemeClr val="dk1">
+                <a:shade val="15000"/>
+              </a:schemeClr>
+            </a:lnRef>
+            <a:fillRef idx="1">
+              <a:schemeClr val="dk1"/>
+            </a:fillRef>
+            <a:effectRef idx="0">
+              <a:schemeClr val="dk1"/>
+            </a:effectRef>
+            <a:fontRef idx="minor">
+              <a:schemeClr val="lt1"/>
+            </a:fontRef>
+          </p:style>
+          <p:txBody>
+            <a:bodyPr rtlCol="0" anchor="ctr"/>
+            <a:lstStyle/>
+            <a:p>
+              <a:pPr algn="ctr"/>
+              <a:endParaRPr lang="es-ES"/>
+            </a:p>
+          </p:txBody>
+        </p:sp>
+        <p:sp>
+          <p:nvSpPr>
+            <p:cNvPr id="98" name="Elipse 97">
+              <a:extLst>
+                <a:ext uri="{FF2B5EF4-FFF2-40B4-BE49-F238E27FC236}">
+                  <a16:creationId xmlns:a16="http://schemas.microsoft.com/office/drawing/2014/main" id="{7EF84FFD-D82F-495D-3F9B-0A0AF6346ED4}"/>
+                </a:ext>
+              </a:extLst>
+            </p:cNvPr>
+            <p:cNvSpPr/>
+            <p:nvPr/>
+          </p:nvSpPr>
+          <p:spPr>
+            <a:xfrm>
+              <a:off x="729734" y="4738832"/>
+              <a:ext cx="116185" cy="105306"/>
+            </a:xfrm>
+            <a:prstGeom prst="ellipse">
+              <a:avLst/>
+            </a:prstGeom>
+            <a:solidFill>
+              <a:schemeClr val="tx1"/>
+            </a:solidFill>
+            <a:ln>
+              <a:solidFill>
+                <a:schemeClr val="tx1"/>
+              </a:solidFill>
+            </a:ln>
+          </p:spPr>
+          <p:style>
+            <a:lnRef idx="2">
+              <a:schemeClr val="dk1">
+                <a:shade val="15000"/>
+              </a:schemeClr>
+            </a:lnRef>
+            <a:fillRef idx="1">
+              <a:schemeClr val="dk1"/>
+            </a:fillRef>
+            <a:effectRef idx="0">
+              <a:schemeClr val="dk1"/>
+            </a:effectRef>
+            <a:fontRef idx="minor">
+              <a:schemeClr val="lt1"/>
+            </a:fontRef>
+          </p:style>
+          <p:txBody>
+            <a:bodyPr rtlCol="0" anchor="ctr"/>
+            <a:lstStyle/>
+            <a:p>
+              <a:pPr algn="ctr"/>
+              <a:endParaRPr lang="es-ES"/>
+            </a:p>
+          </p:txBody>
+        </p:sp>
+        <p:sp>
+          <p:nvSpPr>
+            <p:cNvPr id="99" name="Elipse 98">
+              <a:extLst>
+                <a:ext uri="{FF2B5EF4-FFF2-40B4-BE49-F238E27FC236}">
+                  <a16:creationId xmlns:a16="http://schemas.microsoft.com/office/drawing/2014/main" id="{A2E3F56A-692B-4F96-49DE-14CB6A482FD2}"/>
+                </a:ext>
+              </a:extLst>
+            </p:cNvPr>
+            <p:cNvSpPr/>
+            <p:nvPr/>
+          </p:nvSpPr>
+          <p:spPr>
+            <a:xfrm>
+              <a:off x="729734" y="4842408"/>
+              <a:ext cx="116185" cy="105306"/>
+            </a:xfrm>
+            <a:prstGeom prst="ellipse">
+              <a:avLst/>
+            </a:prstGeom>
+            <a:solidFill>
+              <a:schemeClr val="tx1"/>
+            </a:solidFill>
+            <a:ln>
+              <a:solidFill>
+                <a:schemeClr val="tx1"/>
+              </a:solidFill>
+            </a:ln>
+          </p:spPr>
+          <p:style>
+            <a:lnRef idx="2">
+              <a:schemeClr val="dk1">
+                <a:shade val="15000"/>
+              </a:schemeClr>
+            </a:lnRef>
+            <a:fillRef idx="1">
+              <a:schemeClr val="dk1"/>
+            </a:fillRef>
+            <a:effectRef idx="0">
+              <a:schemeClr val="dk1"/>
+            </a:effectRef>
+            <a:fontRef idx="minor">
+              <a:schemeClr val="lt1"/>
+            </a:fontRef>
+          </p:style>
+          <p:txBody>
+            <a:bodyPr rtlCol="0" anchor="ctr"/>
+            <a:lstStyle/>
+            <a:p>
+              <a:pPr algn="ctr"/>
+              <a:endParaRPr lang="es-ES"/>
+            </a:p>
+          </p:txBody>
+        </p:sp>
+        <p:sp>
+          <p:nvSpPr>
+            <p:cNvPr id="100" name="Elipse 99">
+              <a:extLst>
+                <a:ext uri="{FF2B5EF4-FFF2-40B4-BE49-F238E27FC236}">
+                  <a16:creationId xmlns:a16="http://schemas.microsoft.com/office/drawing/2014/main" id="{AEB64980-36BC-CDC1-AA01-4F21BB970766}"/>
+                </a:ext>
+              </a:extLst>
+            </p:cNvPr>
+            <p:cNvSpPr/>
+            <p:nvPr/>
+          </p:nvSpPr>
+          <p:spPr>
+            <a:xfrm>
+              <a:off x="1328749" y="4738832"/>
+              <a:ext cx="116185" cy="105306"/>
+            </a:xfrm>
+            <a:prstGeom prst="ellipse">
+              <a:avLst/>
+            </a:prstGeom>
+            <a:solidFill>
+              <a:schemeClr val="tx1"/>
+            </a:solidFill>
+            <a:ln>
+              <a:solidFill>
+                <a:schemeClr val="tx1"/>
+              </a:solidFill>
+            </a:ln>
+          </p:spPr>
+          <p:style>
+            <a:lnRef idx="2">
+              <a:schemeClr val="dk1">
+                <a:shade val="15000"/>
+              </a:schemeClr>
+            </a:lnRef>
+            <a:fillRef idx="1">
+              <a:schemeClr val="dk1"/>
+            </a:fillRef>
+            <a:effectRef idx="0">
+              <a:schemeClr val="dk1"/>
+            </a:effectRef>
+            <a:fontRef idx="minor">
+              <a:schemeClr val="lt1"/>
+            </a:fontRef>
+          </p:style>
+          <p:txBody>
+            <a:bodyPr rtlCol="0" anchor="ctr"/>
+            <a:lstStyle/>
+            <a:p>
+              <a:pPr algn="ctr"/>
+              <a:endParaRPr lang="es-ES"/>
+            </a:p>
+          </p:txBody>
+        </p:sp>
+        <p:sp>
+          <p:nvSpPr>
+            <p:cNvPr id="102" name="Elipse 101">
+              <a:extLst>
+                <a:ext uri="{FF2B5EF4-FFF2-40B4-BE49-F238E27FC236}">
+                  <a16:creationId xmlns:a16="http://schemas.microsoft.com/office/drawing/2014/main" id="{51775CC8-B2A7-66CC-8960-AD74BAAC444B}"/>
+                </a:ext>
+              </a:extLst>
+            </p:cNvPr>
+            <p:cNvSpPr/>
+            <p:nvPr/>
+          </p:nvSpPr>
+          <p:spPr>
+            <a:xfrm>
+              <a:off x="1328749" y="4842408"/>
+              <a:ext cx="116185" cy="105306"/>
+            </a:xfrm>
+            <a:prstGeom prst="ellipse">
+              <a:avLst/>
+            </a:prstGeom>
+            <a:solidFill>
+              <a:schemeClr val="tx1"/>
+            </a:solidFill>
+            <a:ln>
+              <a:solidFill>
+                <a:schemeClr val="tx1"/>
+              </a:solidFill>
+            </a:ln>
+          </p:spPr>
+          <p:style>
+            <a:lnRef idx="2">
+              <a:schemeClr val="dk1">
+                <a:shade val="15000"/>
+              </a:schemeClr>
+            </a:lnRef>
+            <a:fillRef idx="1">
+              <a:schemeClr val="dk1"/>
+            </a:fillRef>
+            <a:effectRef idx="0">
+              <a:schemeClr val="dk1"/>
+            </a:effectRef>
+            <a:fontRef idx="minor">
+              <a:schemeClr val="lt1"/>
+            </a:fontRef>
+          </p:style>
+          <p:txBody>
+            <a:bodyPr rtlCol="0" anchor="ctr"/>
+            <a:lstStyle/>
+            <a:p>
+              <a:pPr algn="ctr"/>
+              <a:endParaRPr lang="es-ES"/>
+            </a:p>
+          </p:txBody>
+        </p:sp>
+        <p:grpSp>
+          <p:nvGrpSpPr>
+            <p:cNvPr id="103" name="Grupo 102">
+              <a:extLst>
+                <a:ext uri="{FF2B5EF4-FFF2-40B4-BE49-F238E27FC236}">
+                  <a16:creationId xmlns:a16="http://schemas.microsoft.com/office/drawing/2014/main" id="{853BAE4E-7750-B4E9-5183-BA92214B0DD5}"/>
+                </a:ext>
+              </a:extLst>
+            </p:cNvPr>
+            <p:cNvGrpSpPr/>
+            <p:nvPr/>
+          </p:nvGrpSpPr>
+          <p:grpSpPr>
+            <a:xfrm>
+              <a:off x="737431" y="4750543"/>
+              <a:ext cx="699581" cy="187913"/>
+              <a:chOff x="877146" y="4898328"/>
+              <a:chExt cx="732655" cy="196797"/>
+            </a:xfrm>
+          </p:grpSpPr>
+          <p:sp>
+            <p:nvSpPr>
+              <p:cNvPr id="105" name="Rectángulo: esquinas redondeadas 104">
+                <a:extLst>
+                  <a:ext uri="{FF2B5EF4-FFF2-40B4-BE49-F238E27FC236}">
+                    <a16:creationId xmlns:a16="http://schemas.microsoft.com/office/drawing/2014/main" id="{2AAFFC05-AC5A-0EE5-1281-E22C864173C1}"/>
+                  </a:ext>
+                </a:extLst>
+              </p:cNvPr>
+              <p:cNvSpPr/>
+              <p:nvPr/>
+            </p:nvSpPr>
+            <p:spPr>
+              <a:xfrm>
+                <a:off x="944878" y="4953110"/>
+                <a:ext cx="602631" cy="94714"/>
+              </a:xfrm>
+              <a:prstGeom prst="roundRect">
+                <a:avLst>
+                  <a:gd name="adj" fmla="val 50000"/>
+                </a:avLst>
+              </a:prstGeom>
+              <a:solidFill>
+                <a:schemeClr val="bg1"/>
+              </a:solidFill>
+              <a:ln>
+                <a:solidFill>
+                  <a:schemeClr val="bg1"/>
+                </a:solidFill>
+              </a:ln>
+            </p:spPr>
+            <p:style>
+              <a:lnRef idx="2">
+                <a:schemeClr val="dk1">
+                  <a:shade val="15000"/>
+                </a:schemeClr>
+              </a:lnRef>
+              <a:fillRef idx="1">
+                <a:schemeClr val="dk1"/>
+              </a:fillRef>
+              <a:effectRef idx="0">
+                <a:schemeClr val="dk1"/>
+              </a:effectRef>
+              <a:fontRef idx="minor">
+                <a:schemeClr val="lt1"/>
+              </a:fontRef>
+            </p:style>
+            <p:txBody>
+              <a:bodyPr rtlCol="0" anchor="ctr"/>
+              <a:lstStyle/>
+              <a:p>
+                <a:pPr algn="ctr"/>
+                <a:endParaRPr lang="es-ES"/>
+              </a:p>
+            </p:txBody>
+          </p:sp>
+          <p:sp>
+            <p:nvSpPr>
+              <p:cNvPr id="106" name="Elipse 105">
+                <a:extLst>
+                  <a:ext uri="{FF2B5EF4-FFF2-40B4-BE49-F238E27FC236}">
+                    <a16:creationId xmlns:a16="http://schemas.microsoft.com/office/drawing/2014/main" id="{43FCCDDD-5DE6-614B-C7E0-3CE6C2511CC2}"/>
+                  </a:ext>
+                </a:extLst>
+              </p:cNvPr>
+              <p:cNvSpPr/>
+              <p:nvPr/>
+            </p:nvSpPr>
+            <p:spPr>
+              <a:xfrm>
+                <a:off x="877146" y="4898328"/>
+                <a:ext cx="102852" cy="93221"/>
+              </a:xfrm>
+              <a:prstGeom prst="ellipse">
+                <a:avLst/>
+              </a:prstGeom>
+              <a:solidFill>
+                <a:schemeClr val="bg1"/>
+              </a:solidFill>
+              <a:ln>
+                <a:solidFill>
+                  <a:schemeClr val="bg1"/>
+                </a:solidFill>
+              </a:ln>
+            </p:spPr>
+            <p:style>
+              <a:lnRef idx="2">
+                <a:schemeClr val="dk1">
+                  <a:shade val="15000"/>
+                </a:schemeClr>
+              </a:lnRef>
+              <a:fillRef idx="1">
+                <a:schemeClr val="dk1"/>
+              </a:fillRef>
+              <a:effectRef idx="0">
+                <a:schemeClr val="dk1"/>
+              </a:effectRef>
+              <a:fontRef idx="minor">
+                <a:schemeClr val="lt1"/>
+              </a:fontRef>
+            </p:style>
+            <p:txBody>
+              <a:bodyPr rtlCol="0" anchor="ctr"/>
+              <a:lstStyle/>
+              <a:p>
+                <a:pPr algn="ctr"/>
+                <a:endParaRPr lang="es-ES"/>
+              </a:p>
+            </p:txBody>
+          </p:sp>
+          <p:sp>
+            <p:nvSpPr>
+              <p:cNvPr id="107" name="Elipse 106">
+                <a:extLst>
+                  <a:ext uri="{FF2B5EF4-FFF2-40B4-BE49-F238E27FC236}">
+                    <a16:creationId xmlns:a16="http://schemas.microsoft.com/office/drawing/2014/main" id="{D9F8FFA1-BD25-FABE-575F-2462984F53A3}"/>
+                  </a:ext>
+                </a:extLst>
+              </p:cNvPr>
+              <p:cNvSpPr/>
+              <p:nvPr/>
+            </p:nvSpPr>
+            <p:spPr>
+              <a:xfrm>
+                <a:off x="877148" y="5001904"/>
+                <a:ext cx="102852" cy="93221"/>
+              </a:xfrm>
+              <a:prstGeom prst="ellipse">
+                <a:avLst/>
+              </a:prstGeom>
+              <a:solidFill>
+                <a:schemeClr val="bg1"/>
+              </a:solidFill>
+              <a:ln>
+                <a:solidFill>
+                  <a:schemeClr val="bg1"/>
+                </a:solidFill>
+              </a:ln>
+            </p:spPr>
+            <p:style>
+              <a:lnRef idx="2">
+                <a:schemeClr val="dk1">
+                  <a:shade val="15000"/>
+                </a:schemeClr>
+              </a:lnRef>
+              <a:fillRef idx="1">
+                <a:schemeClr val="dk1"/>
+              </a:fillRef>
+              <a:effectRef idx="0">
+                <a:schemeClr val="dk1"/>
+              </a:effectRef>
+              <a:fontRef idx="minor">
+                <a:schemeClr val="lt1"/>
+              </a:fontRef>
+            </p:style>
+            <p:txBody>
+              <a:bodyPr rtlCol="0" anchor="ctr"/>
+              <a:lstStyle/>
+              <a:p>
+                <a:pPr algn="ctr"/>
+                <a:endParaRPr lang="es-ES"/>
+              </a:p>
+            </p:txBody>
+          </p:sp>
+          <p:sp>
+            <p:nvSpPr>
+              <p:cNvPr id="108" name="Elipse 107">
+                <a:extLst>
+                  <a:ext uri="{FF2B5EF4-FFF2-40B4-BE49-F238E27FC236}">
+                    <a16:creationId xmlns:a16="http://schemas.microsoft.com/office/drawing/2014/main" id="{440F021E-A060-817E-3355-4B72C16D784B}"/>
+                  </a:ext>
+                </a:extLst>
+              </p:cNvPr>
+              <p:cNvSpPr/>
+              <p:nvPr/>
+            </p:nvSpPr>
+            <p:spPr>
+              <a:xfrm>
+                <a:off x="1509710" y="4898341"/>
+                <a:ext cx="100088" cy="90716"/>
+              </a:xfrm>
+              <a:prstGeom prst="ellipse">
+                <a:avLst/>
+              </a:prstGeom>
+              <a:solidFill>
+                <a:schemeClr val="bg1"/>
+              </a:solidFill>
+              <a:ln>
+                <a:solidFill>
+                  <a:schemeClr val="bg1"/>
+                </a:solidFill>
+              </a:ln>
+            </p:spPr>
+            <p:style>
+              <a:lnRef idx="2">
+                <a:schemeClr val="dk1">
+                  <a:shade val="15000"/>
+                </a:schemeClr>
+              </a:lnRef>
+              <a:fillRef idx="1">
+                <a:schemeClr val="dk1"/>
+              </a:fillRef>
+              <a:effectRef idx="0">
+                <a:schemeClr val="dk1"/>
+              </a:effectRef>
+              <a:fontRef idx="minor">
+                <a:schemeClr val="lt1"/>
+              </a:fontRef>
+            </p:style>
+            <p:txBody>
+              <a:bodyPr rtlCol="0" anchor="ctr"/>
+              <a:lstStyle/>
+              <a:p>
+                <a:pPr algn="ctr"/>
+                <a:endParaRPr lang="es-ES"/>
+              </a:p>
+            </p:txBody>
+          </p:sp>
+          <p:sp>
+            <p:nvSpPr>
+              <p:cNvPr id="109" name="Elipse 108">
+                <a:extLst>
+                  <a:ext uri="{FF2B5EF4-FFF2-40B4-BE49-F238E27FC236}">
+                    <a16:creationId xmlns:a16="http://schemas.microsoft.com/office/drawing/2014/main" id="{7226D6C7-37E9-A0F5-71CA-7CF3D8C1FA0E}"/>
+                  </a:ext>
+                </a:extLst>
+              </p:cNvPr>
+              <p:cNvSpPr/>
+              <p:nvPr/>
+            </p:nvSpPr>
+            <p:spPr>
+              <a:xfrm>
+                <a:off x="1509713" y="5001924"/>
+                <a:ext cx="100088" cy="90717"/>
+              </a:xfrm>
+              <a:prstGeom prst="ellipse">
+                <a:avLst/>
+              </a:prstGeom>
+              <a:solidFill>
+                <a:schemeClr val="bg1"/>
+              </a:solidFill>
+              <a:ln>
+                <a:solidFill>
+                  <a:schemeClr val="bg1"/>
+                </a:solidFill>
+              </a:ln>
+            </p:spPr>
+            <p:style>
+              <a:lnRef idx="2">
+                <a:schemeClr val="dk1">
+                  <a:shade val="15000"/>
+                </a:schemeClr>
+              </a:lnRef>
+              <a:fillRef idx="1">
+                <a:schemeClr val="dk1"/>
+              </a:fillRef>
+              <a:effectRef idx="0">
+                <a:schemeClr val="dk1"/>
+              </a:effectRef>
+              <a:fontRef idx="minor">
+                <a:schemeClr val="lt1"/>
+              </a:fontRef>
+            </p:style>
+            <p:txBody>
+              <a:bodyPr rtlCol="0" anchor="ctr"/>
+              <a:lstStyle/>
+              <a:p>
+                <a:pPr algn="ctr"/>
+                <a:endParaRPr lang="es-ES"/>
+              </a:p>
+            </p:txBody>
+          </p:sp>
+        </p:grpSp>
+      </p:grpSp>
+      <p:grpSp>
+        <p:nvGrpSpPr>
+          <p:cNvPr id="490" name="Grupo 489">
+            <a:extLst>
+              <a:ext uri="{FF2B5EF4-FFF2-40B4-BE49-F238E27FC236}">
+                <a16:creationId xmlns:a16="http://schemas.microsoft.com/office/drawing/2014/main" id="{B0A7F397-A046-FB5B-2DCF-C83466F6FE0B}"/>
+              </a:ext>
+            </a:extLst>
+          </p:cNvPr>
+          <p:cNvGrpSpPr/>
+          <p:nvPr/>
+        </p:nvGrpSpPr>
+        <p:grpSpPr>
+          <a:xfrm>
+            <a:off x="794859" y="4264042"/>
+            <a:ext cx="451426" cy="458185"/>
+            <a:chOff x="792478" y="4332250"/>
+            <a:chExt cx="451426" cy="458185"/>
+          </a:xfrm>
+        </p:grpSpPr>
+        <p:sp>
+          <p:nvSpPr>
+            <p:cNvPr id="488" name="Rectángulo 487">
+              <a:extLst>
+                <a:ext uri="{FF2B5EF4-FFF2-40B4-BE49-F238E27FC236}">
+                  <a16:creationId xmlns:a16="http://schemas.microsoft.com/office/drawing/2014/main" id="{4FAD1877-7B51-BB39-E7CF-61FFAC511C86}"/>
+                </a:ext>
+              </a:extLst>
+            </p:cNvPr>
+            <p:cNvSpPr/>
+            <p:nvPr/>
+          </p:nvSpPr>
+          <p:spPr>
+            <a:xfrm>
+              <a:off x="905676" y="4574589"/>
+              <a:ext cx="229321" cy="215846"/>
+            </a:xfrm>
+            <a:prstGeom prst="rect">
+              <a:avLst/>
+            </a:prstGeom>
+            <a:solidFill>
+              <a:schemeClr val="tx1"/>
+            </a:solidFill>
+            <a:ln>
+              <a:solidFill>
+                <a:schemeClr val="tx1"/>
+              </a:solidFill>
+            </a:ln>
+          </p:spPr>
+          <p:style>
+            <a:lnRef idx="2">
+              <a:schemeClr val="dk1">
+                <a:shade val="15000"/>
+              </a:schemeClr>
+            </a:lnRef>
+            <a:fillRef idx="1">
+              <a:schemeClr val="dk1"/>
+            </a:fillRef>
+            <a:effectRef idx="0">
+              <a:schemeClr val="dk1"/>
+            </a:effectRef>
+            <a:fontRef idx="minor">
+              <a:schemeClr val="lt1"/>
+            </a:fontRef>
+          </p:style>
+          <p:txBody>
+            <a:bodyPr rtlCol="0" anchor="ctr"/>
+            <a:lstStyle/>
+            <a:p>
+              <a:pPr algn="ctr"/>
+              <a:endParaRPr lang="es-ES"/>
+            </a:p>
+          </p:txBody>
+        </p:sp>
+        <p:sp>
+          <p:nvSpPr>
+            <p:cNvPr id="49" name="Elipse 48">
+              <a:extLst>
+                <a:ext uri="{FF2B5EF4-FFF2-40B4-BE49-F238E27FC236}">
+                  <a16:creationId xmlns:a16="http://schemas.microsoft.com/office/drawing/2014/main" id="{5AD01200-170C-AD10-7B79-9717BFB5B6B4}"/>
+                </a:ext>
+              </a:extLst>
+            </p:cNvPr>
+            <p:cNvSpPr/>
+            <p:nvPr/>
+          </p:nvSpPr>
+          <p:spPr>
+            <a:xfrm>
+              <a:off x="792478" y="4332250"/>
+              <a:ext cx="451426" cy="388607"/>
+            </a:xfrm>
+            <a:prstGeom prst="ellipse">
+              <a:avLst/>
+            </a:prstGeom>
+            <a:solidFill>
+              <a:schemeClr val="bg1"/>
+            </a:solidFill>
+          </p:spPr>
+          <p:style>
+            <a:lnRef idx="2">
+              <a:schemeClr val="dk1">
+                <a:shade val="15000"/>
+              </a:schemeClr>
+            </a:lnRef>
+            <a:fillRef idx="1">
+              <a:schemeClr val="dk1"/>
+            </a:fillRef>
+            <a:effectRef idx="0">
+              <a:schemeClr val="dk1"/>
+            </a:effectRef>
+            <a:fontRef idx="minor">
+              <a:schemeClr val="lt1"/>
+            </a:fontRef>
+          </p:style>
+          <p:txBody>
+            <a:bodyPr rtlCol="0" anchor="ctr"/>
+            <a:lstStyle/>
+            <a:p>
+              <a:pPr algn="ctr"/>
+              <a:endParaRPr lang="es-ES"/>
+            </a:p>
+          </p:txBody>
+        </p:sp>
+        <p:sp>
+          <p:nvSpPr>
+            <p:cNvPr id="472" name="Rectángulo 471">
+              <a:extLst>
+                <a:ext uri="{FF2B5EF4-FFF2-40B4-BE49-F238E27FC236}">
+                  <a16:creationId xmlns:a16="http://schemas.microsoft.com/office/drawing/2014/main" id="{64C4EEE0-967C-210C-C4EB-418F68B2CBE4}"/>
+                </a:ext>
+              </a:extLst>
+            </p:cNvPr>
+            <p:cNvSpPr/>
+            <p:nvPr/>
+          </p:nvSpPr>
+          <p:spPr>
+            <a:xfrm>
+              <a:off x="914546" y="4569827"/>
+              <a:ext cx="213859" cy="215846"/>
+            </a:xfrm>
+            <a:prstGeom prst="rect">
+              <a:avLst/>
+            </a:prstGeom>
+            <a:solidFill>
+              <a:schemeClr val="bg1"/>
+            </a:solidFill>
+            <a:ln>
+              <a:noFill/>
+            </a:ln>
+          </p:spPr>
+          <p:style>
+            <a:lnRef idx="2">
+              <a:schemeClr val="dk1">
+                <a:shade val="15000"/>
+              </a:schemeClr>
+            </a:lnRef>
+            <a:fillRef idx="1">
+              <a:schemeClr val="dk1"/>
+            </a:fillRef>
+            <a:effectRef idx="0">
+              <a:schemeClr val="dk1"/>
+            </a:effectRef>
+            <a:fontRef idx="minor">
+              <a:schemeClr val="lt1"/>
+            </a:fontRef>
+          </p:style>
+          <p:txBody>
+            <a:bodyPr rtlCol="0" anchor="ctr"/>
+            <a:lstStyle/>
+            <a:p>
+              <a:pPr algn="ctr"/>
+              <a:endParaRPr lang="es-ES"/>
+            </a:p>
+          </p:txBody>
+        </p:sp>
+        <p:sp>
+          <p:nvSpPr>
+            <p:cNvPr id="473" name="Elipse 472">
+              <a:extLst>
+                <a:ext uri="{FF2B5EF4-FFF2-40B4-BE49-F238E27FC236}">
+                  <a16:creationId xmlns:a16="http://schemas.microsoft.com/office/drawing/2014/main" id="{FB1018F9-7155-3E25-2E76-B3C22AE0F85B}"/>
+                </a:ext>
+              </a:extLst>
+            </p:cNvPr>
+            <p:cNvSpPr/>
+            <p:nvPr/>
+          </p:nvSpPr>
+          <p:spPr>
+            <a:xfrm rot="900000">
+              <a:off x="854528" y="4467963"/>
+              <a:ext cx="85720" cy="79378"/>
+            </a:xfrm>
+            <a:prstGeom prst="ellipse">
+              <a:avLst/>
+            </a:prstGeom>
+            <a:ln/>
+            <a:scene3d>
+              <a:camera prst="orthographicFront"/>
+              <a:lightRig rig="threePt" dir="t"/>
+            </a:scene3d>
+            <a:sp3d>
+              <a:bevelT w="431800" h="196850" prst="softRound"/>
+            </a:sp3d>
+          </p:spPr>
+          <p:style>
+            <a:lnRef idx="2">
+              <a:schemeClr val="dk1">
+                <a:shade val="15000"/>
+              </a:schemeClr>
+            </a:lnRef>
+            <a:fillRef idx="1">
+              <a:schemeClr val="dk1"/>
+            </a:fillRef>
+            <a:effectRef idx="0">
+              <a:schemeClr val="dk1"/>
+            </a:effectRef>
+            <a:fontRef idx="minor">
+              <a:schemeClr val="lt1"/>
+            </a:fontRef>
+          </p:style>
+          <p:txBody>
+            <a:bodyPr rtlCol="0" anchor="ctr"/>
+            <a:lstStyle/>
+            <a:p>
+              <a:pPr algn="ctr"/>
+              <a:endParaRPr lang="es-ES"/>
+            </a:p>
+          </p:txBody>
+        </p:sp>
+        <p:sp>
+          <p:nvSpPr>
+            <p:cNvPr id="474" name="Elipse 473">
+              <a:extLst>
+                <a:ext uri="{FF2B5EF4-FFF2-40B4-BE49-F238E27FC236}">
+                  <a16:creationId xmlns:a16="http://schemas.microsoft.com/office/drawing/2014/main" id="{E06D07B2-C30D-23BC-DD36-90A58B342282}"/>
+                </a:ext>
+              </a:extLst>
+            </p:cNvPr>
+            <p:cNvSpPr/>
+            <p:nvPr/>
+          </p:nvSpPr>
+          <p:spPr>
+            <a:xfrm rot="20700000">
+              <a:off x="1104608" y="4467963"/>
+              <a:ext cx="85720" cy="79378"/>
+            </a:xfrm>
+            <a:prstGeom prst="ellipse">
+              <a:avLst/>
+            </a:prstGeom>
+            <a:ln/>
+            <a:scene3d>
+              <a:camera prst="orthographicFront"/>
+              <a:lightRig rig="threePt" dir="t"/>
+            </a:scene3d>
+            <a:sp3d>
+              <a:bevelT w="431800" h="196850" prst="softRound"/>
+            </a:sp3d>
+          </p:spPr>
+          <p:style>
+            <a:lnRef idx="2">
+              <a:schemeClr val="dk1">
+                <a:shade val="15000"/>
+              </a:schemeClr>
+            </a:lnRef>
+            <a:fillRef idx="1">
+              <a:schemeClr val="dk1"/>
+            </a:fillRef>
+            <a:effectRef idx="0">
+              <a:schemeClr val="dk1"/>
+            </a:effectRef>
+            <a:fontRef idx="minor">
+              <a:schemeClr val="lt1"/>
+            </a:fontRef>
+          </p:style>
+          <p:txBody>
+            <a:bodyPr rtlCol="0" anchor="ctr"/>
+            <a:lstStyle/>
+            <a:p>
+              <a:pPr algn="ctr"/>
+              <a:endParaRPr lang="es-ES"/>
+            </a:p>
+          </p:txBody>
+        </p:sp>
+        <p:cxnSp>
+          <p:nvCxnSpPr>
+            <p:cNvPr id="483" name="Conector recto 482">
+              <a:extLst>
+                <a:ext uri="{FF2B5EF4-FFF2-40B4-BE49-F238E27FC236}">
+                  <a16:creationId xmlns:a16="http://schemas.microsoft.com/office/drawing/2014/main" id="{6A16A60D-E421-51E3-723D-EE6F1848BFF4}"/>
+                </a:ext>
+              </a:extLst>
+            </p:cNvPr>
+            <p:cNvCxnSpPr>
+              <a:cxnSpLocks/>
+            </p:cNvCxnSpPr>
+            <p:nvPr/>
+          </p:nvCxnSpPr>
+          <p:spPr>
+            <a:xfrm flipV="1">
+              <a:off x="947737" y="4677497"/>
+              <a:ext cx="0" cy="108000"/>
+            </a:xfrm>
+            <a:prstGeom prst="line">
+              <a:avLst/>
+            </a:prstGeom>
+            <a:ln w="9525">
+              <a:solidFill>
+                <a:schemeClr val="tx1"/>
+              </a:solidFill>
+            </a:ln>
+          </p:spPr>
+          <p:style>
+            <a:lnRef idx="1">
+              <a:schemeClr val="accent1"/>
+            </a:lnRef>
+            <a:fillRef idx="0">
+              <a:schemeClr val="accent1"/>
+            </a:fillRef>
+            <a:effectRef idx="0">
+              <a:schemeClr val="accent1"/>
+            </a:effectRef>
+            <a:fontRef idx="minor">
+              <a:schemeClr val="tx1"/>
+            </a:fontRef>
+          </p:style>
+        </p:cxnSp>
+        <p:cxnSp>
+          <p:nvCxnSpPr>
+            <p:cNvPr id="486" name="Conector recto 485">
+              <a:extLst>
+                <a:ext uri="{FF2B5EF4-FFF2-40B4-BE49-F238E27FC236}">
+                  <a16:creationId xmlns:a16="http://schemas.microsoft.com/office/drawing/2014/main" id="{5AD6BFB9-69BF-E4AD-8896-FF9103B732ED}"/>
+                </a:ext>
+              </a:extLst>
+            </p:cNvPr>
+            <p:cNvCxnSpPr>
+              <a:cxnSpLocks/>
+            </p:cNvCxnSpPr>
+            <p:nvPr/>
+          </p:nvCxnSpPr>
+          <p:spPr>
+            <a:xfrm flipV="1">
+              <a:off x="1015999" y="4677497"/>
+              <a:ext cx="0" cy="108000"/>
+            </a:xfrm>
+            <a:prstGeom prst="line">
+              <a:avLst/>
+            </a:prstGeom>
+            <a:ln w="9525">
+              <a:solidFill>
+                <a:schemeClr val="tx1"/>
+              </a:solidFill>
+            </a:ln>
+          </p:spPr>
+          <p:style>
+            <a:lnRef idx="1">
+              <a:schemeClr val="accent1"/>
+            </a:lnRef>
+            <a:fillRef idx="0">
+              <a:schemeClr val="accent1"/>
+            </a:fillRef>
+            <a:effectRef idx="0">
+              <a:schemeClr val="accent1"/>
+            </a:effectRef>
+            <a:fontRef idx="minor">
+              <a:schemeClr val="tx1"/>
+            </a:fontRef>
+          </p:style>
+        </p:cxnSp>
+        <p:cxnSp>
+          <p:nvCxnSpPr>
+            <p:cNvPr id="487" name="Conector recto 486">
+              <a:extLst>
+                <a:ext uri="{FF2B5EF4-FFF2-40B4-BE49-F238E27FC236}">
+                  <a16:creationId xmlns:a16="http://schemas.microsoft.com/office/drawing/2014/main" id="{4CFA415E-1AF3-01C3-8F47-0CA28E5CC72A}"/>
+                </a:ext>
+              </a:extLst>
+            </p:cNvPr>
+            <p:cNvCxnSpPr>
+              <a:cxnSpLocks/>
+            </p:cNvCxnSpPr>
+            <p:nvPr/>
+          </p:nvCxnSpPr>
+          <p:spPr>
+            <a:xfrm flipV="1">
+              <a:off x="1094580" y="4677497"/>
+              <a:ext cx="0" cy="108000"/>
+            </a:xfrm>
+            <a:prstGeom prst="line">
+              <a:avLst/>
+            </a:prstGeom>
+            <a:ln w="9525">
+              <a:solidFill>
+                <a:schemeClr val="tx1"/>
+              </a:solidFill>
+            </a:ln>
+          </p:spPr>
+          <p:style>
+            <a:lnRef idx="1">
+              <a:schemeClr val="accent1"/>
+            </a:lnRef>
+            <a:fillRef idx="0">
+              <a:schemeClr val="accent1"/>
+            </a:fillRef>
+            <a:effectRef idx="0">
+              <a:schemeClr val="accent1"/>
+            </a:effectRef>
+            <a:fontRef idx="minor">
+              <a:schemeClr val="tx1"/>
+            </a:fontRef>
+          </p:style>
+        </p:cxnSp>
+        <p:sp>
+          <p:nvSpPr>
+            <p:cNvPr id="489" name="Triángulo isósceles 488">
+              <a:extLst>
+                <a:ext uri="{FF2B5EF4-FFF2-40B4-BE49-F238E27FC236}">
+                  <a16:creationId xmlns:a16="http://schemas.microsoft.com/office/drawing/2014/main" id="{321FE611-9C88-EE6D-6036-C3D67C213913}"/>
+                </a:ext>
+              </a:extLst>
+            </p:cNvPr>
+            <p:cNvSpPr/>
+            <p:nvPr/>
+          </p:nvSpPr>
+          <p:spPr>
+            <a:xfrm>
+              <a:off x="996200" y="4559525"/>
+              <a:ext cx="45719" cy="73114"/>
+            </a:xfrm>
+            <a:prstGeom prst="triangle">
+              <a:avLst/>
+            </a:prstGeom>
+            <a:scene3d>
+              <a:camera prst="orthographicFront"/>
+              <a:lightRig rig="threePt" dir="t"/>
+            </a:scene3d>
+            <a:sp3d>
+              <a:bevelT w="431800" h="285750" prst="softRound"/>
+            </a:sp3d>
+          </p:spPr>
+          <p:style>
+            <a:lnRef idx="2">
+              <a:schemeClr val="dk1">
+                <a:shade val="15000"/>
+              </a:schemeClr>
+            </a:lnRef>
+            <a:fillRef idx="1">
+              <a:schemeClr val="dk1"/>
+            </a:fillRef>
+            <a:effectRef idx="0">
+              <a:schemeClr val="dk1"/>
+            </a:effectRef>
+            <a:fontRef idx="minor">
+              <a:schemeClr val="lt1"/>
+            </a:fontRef>
+          </p:style>
+          <p:txBody>
+            <a:bodyPr rtlCol="0" anchor="ctr"/>
+            <a:lstStyle/>
+            <a:p>
+              <a:pPr algn="ctr"/>
+              <a:endParaRPr lang="es-ES"/>
+            </a:p>
+          </p:txBody>
+        </p:sp>
+        <p:cxnSp>
+          <p:nvCxnSpPr>
+            <p:cNvPr id="508" name="Conector recto 507">
+              <a:extLst>
+                <a:ext uri="{FF2B5EF4-FFF2-40B4-BE49-F238E27FC236}">
+                  <a16:creationId xmlns:a16="http://schemas.microsoft.com/office/drawing/2014/main" id="{A2229D27-5B4C-149B-D549-35238FB4E370}"/>
+                </a:ext>
+              </a:extLst>
+            </p:cNvPr>
+            <p:cNvCxnSpPr>
+              <a:cxnSpLocks/>
+            </p:cNvCxnSpPr>
+            <p:nvPr/>
+          </p:nvCxnSpPr>
+          <p:spPr>
+            <a:xfrm flipV="1">
+              <a:off x="980847" y="4677497"/>
+              <a:ext cx="0" cy="108000"/>
+            </a:xfrm>
+            <a:prstGeom prst="line">
+              <a:avLst/>
+            </a:prstGeom>
+            <a:ln w="9525">
+              <a:solidFill>
+                <a:schemeClr val="tx1"/>
+              </a:solidFill>
+            </a:ln>
+          </p:spPr>
+          <p:style>
+            <a:lnRef idx="1">
+              <a:schemeClr val="accent1"/>
+            </a:lnRef>
+            <a:fillRef idx="0">
+              <a:schemeClr val="accent1"/>
+            </a:fillRef>
+            <a:effectRef idx="0">
+              <a:schemeClr val="accent1"/>
+            </a:effectRef>
+            <a:fontRef idx="minor">
+              <a:schemeClr val="tx1"/>
+            </a:fontRef>
+          </p:style>
+        </p:cxnSp>
+        <p:cxnSp>
+          <p:nvCxnSpPr>
+            <p:cNvPr id="509" name="Conector recto 508">
+              <a:extLst>
+                <a:ext uri="{FF2B5EF4-FFF2-40B4-BE49-F238E27FC236}">
+                  <a16:creationId xmlns:a16="http://schemas.microsoft.com/office/drawing/2014/main" id="{865BCFAF-192B-4EE2-979D-3093FEC883DD}"/>
+                </a:ext>
+              </a:extLst>
+            </p:cNvPr>
+            <p:cNvCxnSpPr>
+              <a:cxnSpLocks/>
+            </p:cNvCxnSpPr>
+            <p:nvPr/>
+          </p:nvCxnSpPr>
+          <p:spPr>
+            <a:xfrm flipV="1">
+              <a:off x="1057983" y="4677497"/>
+              <a:ext cx="0" cy="108000"/>
+            </a:xfrm>
+            <a:prstGeom prst="line">
+              <a:avLst/>
+            </a:prstGeom>
+            <a:ln w="9525">
+              <a:solidFill>
+                <a:schemeClr val="tx1"/>
+              </a:solidFill>
+            </a:ln>
+          </p:spPr>
+          <p:style>
+            <a:lnRef idx="1">
+              <a:schemeClr val="accent1"/>
+            </a:lnRef>
+            <a:fillRef idx="0">
+              <a:schemeClr val="accent1"/>
+            </a:fillRef>
+            <a:effectRef idx="0">
+              <a:schemeClr val="accent1"/>
+            </a:effectRef>
+            <a:fontRef idx="minor">
+              <a:schemeClr val="tx1"/>
+            </a:fontRef>
+          </p:style>
+        </p:cxnSp>
+      </p:grpSp>
+      <p:cxnSp>
+        <p:nvCxnSpPr>
+          <p:cNvPr id="110" name="Conector recto 109">
+            <a:extLst>
+              <a:ext uri="{FF2B5EF4-FFF2-40B4-BE49-F238E27FC236}">
+                <a16:creationId xmlns:a16="http://schemas.microsoft.com/office/drawing/2014/main" id="{16446785-2334-B2B1-05BA-141C7F9537BA}"/>
+              </a:ext>
+            </a:extLst>
+          </p:cNvPr>
+          <p:cNvCxnSpPr>
+            <a:cxnSpLocks/>
+          </p:cNvCxnSpPr>
+          <p:nvPr/>
+        </p:nvCxnSpPr>
+        <p:spPr>
+          <a:xfrm flipH="1">
+            <a:off x="913440" y="4665831"/>
+            <a:ext cx="216000" cy="0"/>
+          </a:xfrm>
+          <a:prstGeom prst="line">
+            <a:avLst/>
+          </a:prstGeom>
+          <a:ln w="9525">
+            <a:solidFill>
+              <a:schemeClr val="tx1"/>
+            </a:solidFill>
+          </a:ln>
+        </p:spPr>
+        <p:style>
+          <a:lnRef idx="1">
+            <a:schemeClr val="accent1"/>
+          </a:lnRef>
+          <a:fillRef idx="0">
+            <a:schemeClr val="accent1"/>
+          </a:fillRef>
+          <a:effectRef idx="0">
+            <a:schemeClr val="accent1"/>
+          </a:effectRef>
+          <a:fontRef idx="minor">
+            <a:schemeClr val="tx1"/>
+          </a:fontRef>
+        </p:style>
+      </p:cxnSp>
+      <p:pic>
+        <p:nvPicPr>
+          <p:cNvPr id="111" name="Imagen 110">
+            <a:extLst>
+              <a:ext uri="{FF2B5EF4-FFF2-40B4-BE49-F238E27FC236}">
+                <a16:creationId xmlns:a16="http://schemas.microsoft.com/office/drawing/2014/main" id="{30AFB944-5F9B-E246-8160-1D4A3D3F5EEF}"/>
+              </a:ext>
+            </a:extLst>
+          </p:cNvPr>
+          <p:cNvPicPr>
+            <a:picLocks noChangeAspect="1"/>
+          </p:cNvPicPr>
+          <p:nvPr/>
+        </p:nvPicPr>
+        <p:blipFill>
+          <a:blip r:embed="rId19"/>
+          <a:stretch>
+            <a:fillRect/>
+          </a:stretch>
+        </p:blipFill>
+        <p:spPr>
+          <a:xfrm rot="19800000">
+            <a:off x="1473330" y="616483"/>
+            <a:ext cx="208327" cy="417916"/>
+          </a:xfrm>
+          <a:prstGeom prst="rect">
+            <a:avLst/>
+          </a:prstGeom>
+        </p:spPr>
+      </p:pic>
+      <p:pic>
+        <p:nvPicPr>
+          <p:cNvPr id="112" name="Imagen 111">
+            <a:extLst>
+              <a:ext uri="{FF2B5EF4-FFF2-40B4-BE49-F238E27FC236}">
+                <a16:creationId xmlns:a16="http://schemas.microsoft.com/office/drawing/2014/main" id="{797713BF-6FB1-FCB6-E934-57D9B9B7D653}"/>
+              </a:ext>
+            </a:extLst>
+          </p:cNvPr>
+          <p:cNvPicPr>
+            <a:picLocks noChangeAspect="1"/>
+          </p:cNvPicPr>
+          <p:nvPr/>
+        </p:nvPicPr>
+        <p:blipFill>
+          <a:blip r:embed="rId20"/>
+          <a:stretch>
+            <a:fillRect/>
+          </a:stretch>
+        </p:blipFill>
+        <p:spPr>
+          <a:xfrm rot="19800000">
+            <a:off x="1157573" y="680278"/>
+            <a:ext cx="208327" cy="417916"/>
           </a:xfrm>
           <a:prstGeom prst="rect">
             <a:avLst/>
